--- a/中間発表関連/5I25新村祐太 中間発表スライドver0.1.pptx
+++ b/中間発表関連/5I25新村祐太 中間発表スライドver0.1.pptx
@@ -5,31 +5,30 @@
     <p:sldMasterId id="2147483720" r:id="rId1"/>
   </p:sldMasterIdLst>
   <p:notesMasterIdLst>
-    <p:notesMasterId r:id="rId24"/>
+    <p:notesMasterId r:id="rId23"/>
   </p:notesMasterIdLst>
   <p:sldIdLst>
     <p:sldId id="256" r:id="rId2"/>
     <p:sldId id="257" r:id="rId3"/>
-    <p:sldId id="273" r:id="rId4"/>
+    <p:sldId id="278" r:id="rId4"/>
     <p:sldId id="258" r:id="rId5"/>
-    <p:sldId id="259" r:id="rId6"/>
-    <p:sldId id="260" r:id="rId7"/>
-    <p:sldId id="261" r:id="rId8"/>
-    <p:sldId id="262" r:id="rId9"/>
-    <p:sldId id="263" r:id="rId10"/>
-    <p:sldId id="274" r:id="rId11"/>
-    <p:sldId id="264" r:id="rId12"/>
-    <p:sldId id="265" r:id="rId13"/>
-    <p:sldId id="266" r:id="rId14"/>
-    <p:sldId id="275" r:id="rId15"/>
-    <p:sldId id="267" r:id="rId16"/>
-    <p:sldId id="268" r:id="rId17"/>
-    <p:sldId id="269" r:id="rId18"/>
-    <p:sldId id="270" r:id="rId19"/>
-    <p:sldId id="276" r:id="rId20"/>
-    <p:sldId id="271" r:id="rId21"/>
-    <p:sldId id="277" r:id="rId22"/>
-    <p:sldId id="272" r:id="rId23"/>
+    <p:sldId id="260" r:id="rId6"/>
+    <p:sldId id="261" r:id="rId7"/>
+    <p:sldId id="262" r:id="rId8"/>
+    <p:sldId id="263" r:id="rId9"/>
+    <p:sldId id="274" r:id="rId10"/>
+    <p:sldId id="264" r:id="rId11"/>
+    <p:sldId id="265" r:id="rId12"/>
+    <p:sldId id="266" r:id="rId13"/>
+    <p:sldId id="275" r:id="rId14"/>
+    <p:sldId id="267" r:id="rId15"/>
+    <p:sldId id="268" r:id="rId16"/>
+    <p:sldId id="269" r:id="rId17"/>
+    <p:sldId id="270" r:id="rId18"/>
+    <p:sldId id="276" r:id="rId19"/>
+    <p:sldId id="271" r:id="rId20"/>
+    <p:sldId id="277" r:id="rId21"/>
+    <p:sldId id="272" r:id="rId22"/>
   </p:sldIdLst>
   <p:sldSz cx="9144000" cy="6858000" type="screen4x3"/>
   <p:notesSz cx="6858000" cy="9144000"/>
@@ -213,7 +212,7 @@
           <a:p>
             <a:fld id="{2391553C-C418-45F3-9060-1557D7683ECD}" type="datetimeFigureOut">
               <a:rPr kumimoji="1" lang="ja-JP" altLang="en-US" smtClean="0"/>
-              <a:t>2012/11/18</a:t>
+              <a:t>2012/11/26</a:t>
             </a:fld>
             <a:endParaRPr kumimoji="1" lang="ja-JP" altLang="en-US"/>
           </a:p>
@@ -558,16 +557,12 @@
           <a:lstStyle/>
           <a:p>
             <a:r>
-              <a:rPr kumimoji="1" lang="ja-JP" altLang="en-US" smtClean="0"/>
-              <a:t>組込み分野において</a:t>
-            </a:r>
-            <a:r>
               <a:rPr kumimoji="1" lang="en-US" altLang="ja-JP" smtClean="0"/>
               <a:t>UML</a:t>
             </a:r>
             <a:r>
               <a:rPr kumimoji="1" lang="ja-JP" altLang="en-US" smtClean="0"/>
-              <a:t>モデリングは必須</a:t>
+              <a:t>モデリングとは？</a:t>
             </a:r>
             <a:endParaRPr kumimoji="1" lang="ja-JP" altLang="en-US"/>
           </a:p>
@@ -590,7 +585,7 @@
           <a:p>
             <a:fld id="{36B36527-D379-4589-94AB-3E8AB1F08336}" type="slidenum">
               <a:rPr kumimoji="1" lang="ja-JP" altLang="en-US" smtClean="0"/>
-              <a:t>4</a:t>
+              <a:t>3</a:t>
             </a:fld>
             <a:endParaRPr kumimoji="1" lang="ja-JP" altLang="en-US"/>
           </a:p>
@@ -599,7 +594,7 @@
     </p:spTree>
     <p:extLst>
       <p:ext uri="{BB962C8B-B14F-4D97-AF65-F5344CB8AC3E}">
-        <p14:creationId xmlns:p14="http://schemas.microsoft.com/office/powerpoint/2010/main" val="2700716712"/>
+        <p14:creationId xmlns:p14="http://schemas.microsoft.com/office/powerpoint/2010/main" val="3561163079"/>
       </p:ext>
     </p:extLst>
   </p:cSld>
@@ -678,7 +673,7 @@
           <a:p>
             <a:fld id="{36B36527-D379-4589-94AB-3E8AB1F08336}" type="slidenum">
               <a:rPr kumimoji="1" lang="ja-JP" altLang="en-US" smtClean="0"/>
-              <a:t>15</a:t>
+              <a:t>14</a:t>
             </a:fld>
             <a:endParaRPr kumimoji="1" lang="ja-JP" altLang="en-US"/>
           </a:p>
@@ -770,7 +765,7 @@
           <a:p>
             <a:fld id="{36B36527-D379-4589-94AB-3E8AB1F08336}" type="slidenum">
               <a:rPr kumimoji="1" lang="ja-JP" altLang="en-US" smtClean="0"/>
-              <a:t>16</a:t>
+              <a:t>15</a:t>
             </a:fld>
             <a:endParaRPr kumimoji="1" lang="ja-JP" altLang="en-US"/>
           </a:p>
@@ -858,7 +853,7 @@
           <a:p>
             <a:fld id="{36B36527-D379-4589-94AB-3E8AB1F08336}" type="slidenum">
               <a:rPr kumimoji="1" lang="ja-JP" altLang="en-US" smtClean="0"/>
-              <a:t>17</a:t>
+              <a:t>16</a:t>
             </a:fld>
             <a:endParaRPr kumimoji="1" lang="ja-JP" altLang="en-US"/>
           </a:p>
@@ -946,7 +941,7 @@
           <a:p>
             <a:fld id="{36B36527-D379-4589-94AB-3E8AB1F08336}" type="slidenum">
               <a:rPr kumimoji="1" lang="ja-JP" altLang="en-US" smtClean="0"/>
-              <a:t>18</a:t>
+              <a:t>17</a:t>
             </a:fld>
             <a:endParaRPr kumimoji="1" lang="ja-JP" altLang="en-US"/>
           </a:p>
@@ -1034,7 +1029,7 @@
           <a:p>
             <a:fld id="{36B36527-D379-4589-94AB-3E8AB1F08336}" type="slidenum">
               <a:rPr kumimoji="1" lang="ja-JP" altLang="en-US" smtClean="0"/>
-              <a:t>20</a:t>
+              <a:t>19</a:t>
             </a:fld>
             <a:endParaRPr kumimoji="1" lang="ja-JP" altLang="en-US"/>
           </a:p>
@@ -1122,7 +1117,7 @@
           <a:p>
             <a:fld id="{36B36527-D379-4589-94AB-3E8AB1F08336}" type="slidenum">
               <a:rPr kumimoji="1" lang="ja-JP" altLang="en-US" smtClean="0"/>
-              <a:t>22</a:t>
+              <a:t>21</a:t>
             </a:fld>
             <a:endParaRPr kumimoji="1" lang="ja-JP" altLang="en-US"/>
           </a:p>
@@ -1186,12 +1181,16 @@
           <a:lstStyle/>
           <a:p>
             <a:r>
+              <a:rPr kumimoji="1" lang="ja-JP" altLang="en-US" smtClean="0"/>
+              <a:t>組込み分野において</a:t>
+            </a:r>
+            <a:r>
               <a:rPr kumimoji="1" lang="en-US" altLang="ja-JP" smtClean="0"/>
               <a:t>UML</a:t>
             </a:r>
             <a:r>
               <a:rPr kumimoji="1" lang="ja-JP" altLang="en-US" smtClean="0"/>
-              <a:t>モデリングとは？</a:t>
+              <a:t>モデリングは必須</a:t>
             </a:r>
             <a:endParaRPr kumimoji="1" lang="ja-JP" altLang="en-US"/>
           </a:p>
@@ -1214,7 +1213,7 @@
           <a:p>
             <a:fld id="{36B36527-D379-4589-94AB-3E8AB1F08336}" type="slidenum">
               <a:rPr kumimoji="1" lang="ja-JP" altLang="en-US" smtClean="0"/>
-              <a:t>5</a:t>
+              <a:t>4</a:t>
             </a:fld>
             <a:endParaRPr kumimoji="1" lang="ja-JP" altLang="en-US"/>
           </a:p>
@@ -1223,7 +1222,7 @@
     </p:spTree>
     <p:extLst>
       <p:ext uri="{BB962C8B-B14F-4D97-AF65-F5344CB8AC3E}">
-        <p14:creationId xmlns:p14="http://schemas.microsoft.com/office/powerpoint/2010/main" val="3561163079"/>
+        <p14:creationId xmlns:p14="http://schemas.microsoft.com/office/powerpoint/2010/main" val="2700716712"/>
       </p:ext>
     </p:extLst>
   </p:cSld>
@@ -1306,7 +1305,7 @@
           <a:p>
             <a:fld id="{36B36527-D379-4589-94AB-3E8AB1F08336}" type="slidenum">
               <a:rPr kumimoji="1" lang="ja-JP" altLang="en-US" smtClean="0"/>
-              <a:t>6</a:t>
+              <a:t>5</a:t>
             </a:fld>
             <a:endParaRPr kumimoji="1" lang="ja-JP" altLang="en-US"/>
           </a:p>
@@ -1398,7 +1397,7 @@
           <a:p>
             <a:fld id="{36B36527-D379-4589-94AB-3E8AB1F08336}" type="slidenum">
               <a:rPr kumimoji="1" lang="ja-JP" altLang="en-US" smtClean="0"/>
-              <a:t>7</a:t>
+              <a:t>6</a:t>
             </a:fld>
             <a:endParaRPr kumimoji="1" lang="ja-JP" altLang="en-US"/>
           </a:p>
@@ -1490,7 +1489,7 @@
           <a:p>
             <a:fld id="{36B36527-D379-4589-94AB-3E8AB1F08336}" type="slidenum">
               <a:rPr kumimoji="1" lang="ja-JP" altLang="en-US" smtClean="0"/>
-              <a:t>8</a:t>
+              <a:t>7</a:t>
             </a:fld>
             <a:endParaRPr kumimoji="1" lang="ja-JP" altLang="en-US"/>
           </a:p>
@@ -1589,7 +1588,7 @@
           <a:p>
             <a:fld id="{36B36527-D379-4589-94AB-3E8AB1F08336}" type="slidenum">
               <a:rPr kumimoji="1" lang="ja-JP" altLang="en-US" smtClean="0"/>
-              <a:t>9</a:t>
+              <a:t>8</a:t>
             </a:fld>
             <a:endParaRPr kumimoji="1" lang="ja-JP" altLang="en-US"/>
           </a:p>
@@ -1677,7 +1676,7 @@
           <a:p>
             <a:fld id="{36B36527-D379-4589-94AB-3E8AB1F08336}" type="slidenum">
               <a:rPr kumimoji="1" lang="ja-JP" altLang="en-US" smtClean="0"/>
-              <a:t>11</a:t>
+              <a:t>10</a:t>
             </a:fld>
             <a:endParaRPr kumimoji="1" lang="ja-JP" altLang="en-US"/>
           </a:p>
@@ -1765,7 +1764,7 @@
           <a:p>
             <a:fld id="{36B36527-D379-4589-94AB-3E8AB1F08336}" type="slidenum">
               <a:rPr kumimoji="1" lang="ja-JP" altLang="en-US" smtClean="0"/>
-              <a:t>12</a:t>
+              <a:t>11</a:t>
             </a:fld>
             <a:endParaRPr kumimoji="1" lang="ja-JP" altLang="en-US"/>
           </a:p>
@@ -1853,7 +1852,7 @@
           <a:p>
             <a:fld id="{36B36527-D379-4589-94AB-3E8AB1F08336}" type="slidenum">
               <a:rPr kumimoji="1" lang="ja-JP" altLang="en-US" smtClean="0"/>
-              <a:t>13</a:t>
+              <a:t>12</a:t>
             </a:fld>
             <a:endParaRPr kumimoji="1" lang="ja-JP" altLang="en-US"/>
           </a:p>
@@ -2060,7 +2059,7 @@
           <a:p>
             <a:fld id="{42FE0E3B-AB19-407C-B8D2-B50F41DA1FAB}" type="datetimeFigureOut">
               <a:rPr kumimoji="1" lang="ja-JP" altLang="en-US" smtClean="0"/>
-              <a:t>2012/11/18</a:t>
+              <a:t>2012/11/26</a:t>
             </a:fld>
             <a:endParaRPr kumimoji="1" lang="ja-JP" altLang="en-US"/>
           </a:p>
@@ -2292,7 +2291,7 @@
           <a:p>
             <a:fld id="{42FE0E3B-AB19-407C-B8D2-B50F41DA1FAB}" type="datetimeFigureOut">
               <a:rPr kumimoji="1" lang="ja-JP" altLang="en-US" smtClean="0"/>
-              <a:t>2012/11/18</a:t>
+              <a:t>2012/11/26</a:t>
             </a:fld>
             <a:endParaRPr kumimoji="1" lang="ja-JP" altLang="en-US"/>
           </a:p>
@@ -2499,7 +2498,7 @@
           <a:p>
             <a:fld id="{42FE0E3B-AB19-407C-B8D2-B50F41DA1FAB}" type="datetimeFigureOut">
               <a:rPr kumimoji="1" lang="ja-JP" altLang="en-US" smtClean="0"/>
-              <a:t>2012/11/18</a:t>
+              <a:t>2012/11/26</a:t>
             </a:fld>
             <a:endParaRPr kumimoji="1" lang="ja-JP" altLang="en-US"/>
           </a:p>
@@ -2696,7 +2695,7 @@
           <a:p>
             <a:fld id="{42FE0E3B-AB19-407C-B8D2-B50F41DA1FAB}" type="datetimeFigureOut">
               <a:rPr kumimoji="1" lang="ja-JP" altLang="en-US" smtClean="0"/>
-              <a:t>2012/11/18</a:t>
+              <a:t>2012/11/26</a:t>
             </a:fld>
             <a:endParaRPr kumimoji="1" lang="ja-JP" altLang="en-US"/>
           </a:p>
@@ -2944,7 +2943,7 @@
           <a:p>
             <a:fld id="{42FE0E3B-AB19-407C-B8D2-B50F41DA1FAB}" type="datetimeFigureOut">
               <a:rPr kumimoji="1" lang="ja-JP" altLang="en-US" smtClean="0"/>
-              <a:t>2012/11/18</a:t>
+              <a:t>2012/11/26</a:t>
             </a:fld>
             <a:endParaRPr kumimoji="1" lang="ja-JP" altLang="en-US"/>
           </a:p>
@@ -3326,7 +3325,7 @@
           <a:p>
             <a:fld id="{42FE0E3B-AB19-407C-B8D2-B50F41DA1FAB}" type="datetimeFigureOut">
               <a:rPr kumimoji="1" lang="ja-JP" altLang="en-US" smtClean="0"/>
-              <a:t>2012/11/18</a:t>
+              <a:t>2012/11/26</a:t>
             </a:fld>
             <a:endParaRPr kumimoji="1" lang="ja-JP" altLang="en-US"/>
           </a:p>
@@ -3856,7 +3855,7 @@
           <a:p>
             <a:fld id="{42FE0E3B-AB19-407C-B8D2-B50F41DA1FAB}" type="datetimeFigureOut">
               <a:rPr kumimoji="1" lang="ja-JP" altLang="en-US" smtClean="0"/>
-              <a:t>2012/11/18</a:t>
+              <a:t>2012/11/26</a:t>
             </a:fld>
             <a:endParaRPr kumimoji="1" lang="ja-JP" altLang="en-US"/>
           </a:p>
@@ -4004,7 +4003,7 @@
           <a:p>
             <a:fld id="{42FE0E3B-AB19-407C-B8D2-B50F41DA1FAB}" type="datetimeFigureOut">
               <a:rPr kumimoji="1" lang="ja-JP" altLang="en-US" smtClean="0"/>
-              <a:t>2012/11/18</a:t>
+              <a:t>2012/11/26</a:t>
             </a:fld>
             <a:endParaRPr kumimoji="1" lang="ja-JP" altLang="en-US"/>
           </a:p>
@@ -4094,7 +4093,7 @@
           <a:p>
             <a:fld id="{42FE0E3B-AB19-407C-B8D2-B50F41DA1FAB}" type="datetimeFigureOut">
               <a:rPr kumimoji="1" lang="ja-JP" altLang="en-US" smtClean="0"/>
-              <a:t>2012/11/18</a:t>
+              <a:t>2012/11/26</a:t>
             </a:fld>
             <a:endParaRPr kumimoji="1" lang="ja-JP" altLang="en-US"/>
           </a:p>
@@ -4400,7 +4399,7 @@
           <a:p>
             <a:fld id="{42FE0E3B-AB19-407C-B8D2-B50F41DA1FAB}" type="datetimeFigureOut">
               <a:rPr kumimoji="1" lang="ja-JP" altLang="en-US" smtClean="0"/>
-              <a:t>2012/11/18</a:t>
+              <a:t>2012/11/26</a:t>
             </a:fld>
             <a:endParaRPr kumimoji="1" lang="ja-JP" altLang="en-US"/>
           </a:p>
@@ -4705,7 +4704,7 @@
           <a:p>
             <a:fld id="{42FE0E3B-AB19-407C-B8D2-B50F41DA1FAB}" type="datetimeFigureOut">
               <a:rPr kumimoji="1" lang="ja-JP" altLang="en-US" smtClean="0"/>
-              <a:t>2012/11/18</a:t>
+              <a:t>2012/11/26</a:t>
             </a:fld>
             <a:endParaRPr kumimoji="1" lang="ja-JP" altLang="en-US"/>
           </a:p>
@@ -5035,7 +5034,7 @@
           <a:p>
             <a:fld id="{42FE0E3B-AB19-407C-B8D2-B50F41DA1FAB}" type="datetimeFigureOut">
               <a:rPr kumimoji="1" lang="ja-JP" altLang="en-US" smtClean="0"/>
-              <a:t>2012/11/18</a:t>
+              <a:t>2012/11/26</a:t>
             </a:fld>
             <a:endParaRPr kumimoji="1" lang="ja-JP" altLang="en-US"/>
           </a:p>
@@ -5489,11 +5488,7 @@
           <a:p>
             <a:r>
               <a:rPr lang="ja-JP" altLang="en-US" sz="3200"/>
-              <a:t>力</a:t>
-            </a:r>
-            <a:r>
-              <a:rPr lang="ja-JP" altLang="en-US" sz="3200"/>
-              <a:t>武</a:t>
+              <a:t>力武</a:t>
             </a:r>
             <a:r>
               <a:rPr lang="ja-JP" altLang="en-US" sz="3200" smtClean="0"/>
@@ -5603,7 +5598,11 @@
           <a:p>
             <a:r>
               <a:rPr kumimoji="1" lang="ja-JP" altLang="en-US" smtClean="0"/>
-              <a:t>発表内容</a:t>
+              <a:t>研究概要</a:t>
+            </a:r>
+            <a:r>
+              <a:rPr kumimoji="1" lang="en-US" altLang="ja-JP" smtClean="0"/>
+              <a:t>(1/3)</a:t>
             </a:r>
             <a:endParaRPr kumimoji="1" lang="ja-JP" altLang="en-US"/>
           </a:p>
@@ -5621,77 +5620,102 @@
         </p:nvSpPr>
         <p:spPr/>
         <p:txBody>
-          <a:bodyPr>
-            <a:normAutofit/>
-          </a:bodyPr>
-          <a:lstStyle/>
-          <a:p>
-            <a:r>
-              <a:rPr kumimoji="1" lang="ja-JP" altLang="en-US" sz="4000" smtClean="0"/>
-              <a:t>研究背景</a:t>
-            </a:r>
-            <a:endParaRPr kumimoji="1" lang="en-US" altLang="ja-JP" sz="4000" smtClean="0"/>
-          </a:p>
-          <a:p>
-            <a:r>
-              <a:rPr lang="ja-JP" altLang="en-US" sz="4000">
-                <a:solidFill>
-                  <a:srgbClr val="7030A0"/>
-                </a:solidFill>
-              </a:rPr>
-              <a:t>研究</a:t>
-            </a:r>
-            <a:r>
-              <a:rPr lang="ja-JP" altLang="en-US" sz="4000" smtClean="0">
-                <a:solidFill>
-                  <a:srgbClr val="7030A0"/>
-                </a:solidFill>
-              </a:rPr>
-              <a:t>概要</a:t>
-            </a:r>
-            <a:endParaRPr lang="en-US" altLang="ja-JP" sz="4000" smtClean="0">
-              <a:solidFill>
-                <a:srgbClr val="7030A0"/>
-              </a:solidFill>
-            </a:endParaRPr>
-          </a:p>
-          <a:p>
-            <a:r>
-              <a:rPr kumimoji="1" lang="ja-JP" altLang="en-US" sz="4000" smtClean="0"/>
-              <a:t>進捗状況</a:t>
-            </a:r>
-            <a:endParaRPr kumimoji="1" lang="en-US" altLang="ja-JP" sz="4000" smtClean="0"/>
-          </a:p>
-          <a:p>
-            <a:r>
-              <a:rPr lang="ja-JP" altLang="en-US" sz="4000"/>
-              <a:t>まとめ</a:t>
-            </a:r>
-            <a:endParaRPr kumimoji="1" lang="en-US" altLang="ja-JP" sz="4000" smtClean="0"/>
-          </a:p>
-          <a:p>
-            <a:r>
-              <a:rPr lang="ja-JP" altLang="en-US" sz="4000"/>
-              <a:t>今後</a:t>
-            </a:r>
-            <a:r>
-              <a:rPr lang="ja-JP" altLang="en-US" sz="4000" smtClean="0"/>
-              <a:t>の予定</a:t>
-            </a:r>
-            <a:endParaRPr kumimoji="1" lang="en-US" altLang="ja-JP" sz="4000" smtClean="0"/>
+          <a:bodyPr/>
+          <a:lstStyle/>
+          <a:p>
+            <a:r>
+              <a:rPr lang="ja-JP" altLang="en-US" dirty="0" smtClean="0"/>
+              <a:t>有用性が不明な</a:t>
+            </a:r>
+            <a:r>
+              <a:rPr lang="en-US" altLang="ja-JP" dirty="0" smtClean="0"/>
+              <a:t>UML</a:t>
+            </a:r>
+            <a:r>
+              <a:rPr lang="ja-JP" altLang="en-US" dirty="0" smtClean="0"/>
+              <a:t>モデルカタログ</a:t>
+            </a:r>
+            <a:endParaRPr lang="en-US" altLang="ja-JP" dirty="0" smtClean="0"/>
+          </a:p>
+          <a:p>
+            <a:r>
+              <a:rPr kumimoji="1" lang="ja-JP" altLang="en-US" dirty="0"/>
+              <a:t>実際</a:t>
+            </a:r>
+            <a:r>
+              <a:rPr kumimoji="1" lang="ja-JP" altLang="en-US" dirty="0" smtClean="0"/>
+              <a:t>の開発で使用</a:t>
+            </a:r>
+            <a:endParaRPr kumimoji="1" lang="en-US" altLang="ja-JP" dirty="0" smtClean="0"/>
+          </a:p>
+          <a:p>
+            <a:r>
+              <a:rPr lang="ja-JP" altLang="en-US" dirty="0" smtClean="0"/>
+              <a:t>有用性を検証</a:t>
+            </a:r>
+            <a:endParaRPr lang="en-US" altLang="ja-JP" dirty="0" smtClean="0"/>
+          </a:p>
+          <a:p>
+            <a:endParaRPr kumimoji="1" lang="en-US" altLang="ja-JP" dirty="0"/>
+          </a:p>
+          <a:p>
+            <a:r>
+              <a:rPr lang="ja-JP" altLang="en-US" dirty="0" smtClean="0"/>
+              <a:t>有用性とは？</a:t>
+            </a:r>
+            <a:endParaRPr lang="en-US" altLang="ja-JP" dirty="0"/>
+          </a:p>
+          <a:p>
+            <a:pPr lvl="1"/>
+            <a:r>
+              <a:rPr lang="ja-JP" altLang="en-US" dirty="0" smtClean="0"/>
+              <a:t>モデルからシステムを作る事が出来る（実現性）</a:t>
+            </a:r>
+            <a:endParaRPr lang="en-US" altLang="ja-JP" dirty="0" smtClean="0"/>
+          </a:p>
+          <a:p>
+            <a:pPr lvl="1"/>
+            <a:r>
+              <a:rPr lang="ja-JP" altLang="en-US" dirty="0" smtClean="0"/>
+              <a:t>同一のモデルから複数のプラットフォームに対してシステムを作ることが出来る（再利用性）</a:t>
+            </a:r>
+            <a:endParaRPr lang="en-US" altLang="ja-JP" dirty="0" smtClean="0"/>
+          </a:p>
+          <a:p>
+            <a:pPr lvl="1"/>
+            <a:r>
+              <a:rPr lang="ja-JP" altLang="en-US" dirty="0" smtClean="0"/>
+              <a:t>モデルに僅かな変更を加える事で複数のシステムを作ることが出来る（拡張性）</a:t>
+            </a:r>
+            <a:endParaRPr lang="en-US" altLang="ja-JP" dirty="0" smtClean="0"/>
+          </a:p>
+          <a:p>
+            <a:pPr lvl="1"/>
+            <a:r>
+              <a:rPr lang="ja-JP" altLang="en-US" dirty="0" smtClean="0"/>
+              <a:t>モデルの規模が適切である（粒度）</a:t>
+            </a:r>
+            <a:endParaRPr lang="en-US" altLang="ja-JP" dirty="0" smtClean="0"/>
           </a:p>
         </p:txBody>
       </p:sp>
     </p:spTree>
     <p:extLst>
       <p:ext uri="{BB962C8B-B14F-4D97-AF65-F5344CB8AC3E}">
-        <p14:creationId xmlns:p14="http://schemas.microsoft.com/office/powerpoint/2010/main" val="3341590746"/>
+        <p14:creationId xmlns:p14="http://schemas.microsoft.com/office/powerpoint/2010/main" val="1784779584"/>
       </p:ext>
     </p:extLst>
   </p:cSld>
   <p:clrMapOvr>
     <a:masterClrMapping/>
   </p:clrMapOvr>
+  <p:timing>
+    <p:tnLst>
+      <p:par>
+        <p:cTn id="1" dur="indefinite" restart="never" nodeType="tmRoot"/>
+      </p:par>
+    </p:tnLst>
+  </p:timing>
 </p:sld>
 </file>
 
@@ -5733,7 +5757,7 @@
             </a:r>
             <a:r>
               <a:rPr kumimoji="1" lang="en-US" altLang="ja-JP" smtClean="0"/>
-              <a:t>(1/3)</a:t>
+              <a:t>(2/3)</a:t>
             </a:r>
             <a:endParaRPr kumimoji="1" lang="ja-JP" altLang="en-US"/>
           </a:p>
@@ -5754,20 +5778,38 @@
           <a:bodyPr/>
           <a:lstStyle/>
           <a:p>
-            <a:endParaRPr kumimoji="1" lang="ja-JP" altLang="en-US"/>
+            <a:r>
+              <a:rPr kumimoji="1" lang="ja-JP" altLang="en-US" dirty="0" smtClean="0"/>
+              <a:t>複数あるモデルカタログの中から、「目標値制御」を実装</a:t>
+            </a:r>
+            <a:endParaRPr kumimoji="1" lang="en-US" altLang="ja-JP" dirty="0" smtClean="0"/>
+          </a:p>
+          <a:p>
+            <a:r>
+              <a:rPr lang="ja-JP" altLang="en-US" dirty="0" smtClean="0"/>
+              <a:t>目標値制御とは？</a:t>
+            </a:r>
+            <a:endParaRPr kumimoji="1" lang="ja-JP" altLang="en-US" dirty="0"/>
           </a:p>
         </p:txBody>
       </p:sp>
     </p:spTree>
     <p:extLst>
       <p:ext uri="{BB962C8B-B14F-4D97-AF65-F5344CB8AC3E}">
-        <p14:creationId xmlns:p14="http://schemas.microsoft.com/office/powerpoint/2010/main" val="1784779584"/>
+        <p14:creationId xmlns:p14="http://schemas.microsoft.com/office/powerpoint/2010/main" val="3621326477"/>
       </p:ext>
     </p:extLst>
   </p:cSld>
   <p:clrMapOvr>
     <a:masterClrMapping/>
   </p:clrMapOvr>
+  <p:timing>
+    <p:tnLst>
+      <p:par>
+        <p:cTn id="1" dur="indefinite" restart="never" nodeType="tmRoot"/>
+      </p:par>
+    </p:tnLst>
+  </p:timing>
 </p:sld>
 </file>
 
@@ -5809,7 +5851,7 @@
             </a:r>
             <a:r>
               <a:rPr kumimoji="1" lang="en-US" altLang="ja-JP" smtClean="0"/>
-              <a:t>(2/3)</a:t>
+              <a:t>(3/3)</a:t>
             </a:r>
             <a:endParaRPr kumimoji="1" lang="ja-JP" altLang="en-US"/>
           </a:p>
@@ -5830,20 +5872,921 @@
           <a:bodyPr/>
           <a:lstStyle/>
           <a:p>
-            <a:endParaRPr kumimoji="1" lang="ja-JP" altLang="en-US"/>
+            <a:r>
+              <a:rPr kumimoji="1" lang="ja-JP" altLang="en-US" dirty="0" smtClean="0"/>
+              <a:t>実装先の組込みデバイス</a:t>
+            </a:r>
+            <a:endParaRPr kumimoji="1" lang="en-US" altLang="ja-JP" dirty="0" smtClean="0"/>
+          </a:p>
+          <a:p>
+            <a:pPr lvl="1"/>
+            <a:r>
+              <a:rPr lang="en-US" altLang="ja-JP" dirty="0" smtClean="0"/>
+              <a:t>NXT LEGO MINDSTORMS</a:t>
+            </a:r>
+          </a:p>
+          <a:p>
+            <a:pPr lvl="2"/>
+            <a:r>
+              <a:rPr lang="en-US" altLang="ja-JP" dirty="0"/>
+              <a:t>C</a:t>
+            </a:r>
+            <a:r>
+              <a:rPr lang="ja-JP" altLang="en-US" dirty="0" smtClean="0"/>
+              <a:t>言語、</a:t>
+            </a:r>
+            <a:r>
+              <a:rPr lang="en-US" altLang="ja-JP" dirty="0" smtClean="0"/>
+              <a:t>Java</a:t>
+            </a:r>
+            <a:r>
+              <a:rPr lang="ja-JP" altLang="en-US" dirty="0" smtClean="0"/>
+              <a:t>で動作（</a:t>
+            </a:r>
+            <a:r>
+              <a:rPr lang="en-US" altLang="ja-JP" dirty="0" smtClean="0"/>
+              <a:t>Ruby</a:t>
+            </a:r>
+            <a:r>
+              <a:rPr lang="ja-JP" altLang="en-US" dirty="0" smtClean="0"/>
+              <a:t>も対応予定）</a:t>
+            </a:r>
+            <a:endParaRPr lang="en-US" altLang="ja-JP" dirty="0"/>
+          </a:p>
+        </p:txBody>
+      </p:sp>
+      <p:pic>
+        <p:nvPicPr>
+          <p:cNvPr id="5" name="図 4"/>
+          <p:cNvPicPr>
+            <a:picLocks noChangeAspect="1"/>
+          </p:cNvPicPr>
+          <p:nvPr/>
+        </p:nvPicPr>
+        <p:blipFill>
+          <a:blip r:embed="rId3" cstate="print">
+            <a:extLst>
+              <a:ext uri="{28A0092B-C50C-407E-A947-70E740481C1C}">
+                <a14:useLocalDpi xmlns:a14="http://schemas.microsoft.com/office/drawing/2010/main" val="0"/>
+              </a:ext>
+            </a:extLst>
+          </a:blip>
+          <a:stretch>
+            <a:fillRect/>
+          </a:stretch>
+        </p:blipFill>
+        <p:spPr>
+          <a:xfrm>
+            <a:off x="3671900" y="2787531"/>
+            <a:ext cx="1800200" cy="2945323"/>
+          </a:xfrm>
+          <a:prstGeom prst="rect">
+            <a:avLst/>
+          </a:prstGeom>
+        </p:spPr>
+      </p:pic>
+      <p:sp>
+        <p:nvSpPr>
+          <p:cNvPr id="6" name="線吹き出し 1 (枠付き) 5"/>
+          <p:cNvSpPr/>
+          <p:nvPr/>
+        </p:nvSpPr>
+        <p:spPr>
+          <a:xfrm>
+            <a:off x="6705576" y="2204864"/>
+            <a:ext cx="1584176" cy="582667"/>
+          </a:xfrm>
+          <a:prstGeom prst="borderCallout1">
+            <a:avLst>
+              <a:gd name="adj1" fmla="val 29635"/>
+              <a:gd name="adj2" fmla="val -1737"/>
+              <a:gd name="adj3" fmla="val 130641"/>
+              <a:gd name="adj4" fmla="val -131717"/>
+            </a:avLst>
+          </a:prstGeom>
+        </p:spPr>
+        <p:style>
+          <a:lnRef idx="2">
+            <a:schemeClr val="accent1">
+              <a:shade val="50000"/>
+            </a:schemeClr>
+          </a:lnRef>
+          <a:fillRef idx="1">
+            <a:schemeClr val="accent1"/>
+          </a:fillRef>
+          <a:effectRef idx="0">
+            <a:schemeClr val="accent1"/>
+          </a:effectRef>
+          <a:fontRef idx="minor">
+            <a:schemeClr val="lt1"/>
+          </a:fontRef>
+        </p:style>
+        <p:txBody>
+          <a:bodyPr rtlCol="0" anchor="ctr"/>
+          <a:lstStyle/>
+          <a:p>
+            <a:pPr algn="ctr"/>
+            <a:r>
+              <a:rPr kumimoji="1" lang="ja-JP" altLang="en-US" dirty="0" smtClean="0"/>
+              <a:t>超音波センサ（距離測定）</a:t>
+            </a:r>
+            <a:endParaRPr kumimoji="1" lang="ja-JP" altLang="en-US" dirty="0"/>
+          </a:p>
+        </p:txBody>
+      </p:sp>
+      <p:sp>
+        <p:nvSpPr>
+          <p:cNvPr id="7" name="線吹き出し 1 (枠付き) 6"/>
+          <p:cNvSpPr/>
+          <p:nvPr/>
+        </p:nvSpPr>
+        <p:spPr>
+          <a:xfrm>
+            <a:off x="827584" y="5409722"/>
+            <a:ext cx="2032130" cy="611566"/>
+          </a:xfrm>
+          <a:prstGeom prst="borderCallout1">
+            <a:avLst>
+              <a:gd name="adj1" fmla="val 15122"/>
+              <a:gd name="adj2" fmla="val 98039"/>
+              <a:gd name="adj3" fmla="val -46700"/>
+              <a:gd name="adj4" fmla="val 173967"/>
+            </a:avLst>
+          </a:prstGeom>
+        </p:spPr>
+        <p:style>
+          <a:lnRef idx="2">
+            <a:schemeClr val="accent1">
+              <a:shade val="50000"/>
+            </a:schemeClr>
+          </a:lnRef>
+          <a:fillRef idx="1">
+            <a:schemeClr val="accent1"/>
+          </a:fillRef>
+          <a:effectRef idx="0">
+            <a:schemeClr val="accent1"/>
+          </a:effectRef>
+          <a:fontRef idx="minor">
+            <a:schemeClr val="lt1"/>
+          </a:fontRef>
+        </p:style>
+        <p:txBody>
+          <a:bodyPr rtlCol="0" anchor="ctr"/>
+          <a:lstStyle/>
+          <a:p>
+            <a:pPr algn="ctr"/>
+            <a:r>
+              <a:rPr lang="ja-JP" altLang="en-US" dirty="0"/>
+              <a:t>光</a:t>
+            </a:r>
+            <a:r>
+              <a:rPr kumimoji="1" lang="ja-JP" altLang="en-US" dirty="0" smtClean="0"/>
+              <a:t>センサ</a:t>
+            </a:r>
+            <a:endParaRPr kumimoji="1" lang="en-US" altLang="ja-JP" dirty="0" smtClean="0"/>
+          </a:p>
+          <a:p>
+            <a:pPr algn="ctr"/>
+            <a:r>
+              <a:rPr lang="ja-JP" altLang="en-US" dirty="0" smtClean="0"/>
+              <a:t>（路面輝度値測定）</a:t>
+            </a:r>
+            <a:endParaRPr kumimoji="1" lang="ja-JP" altLang="en-US" dirty="0"/>
+          </a:p>
+        </p:txBody>
+      </p:sp>
+      <p:sp>
+        <p:nvSpPr>
+          <p:cNvPr id="8" name="線吹き出し 1 (枠付き) 7"/>
+          <p:cNvSpPr/>
+          <p:nvPr/>
+        </p:nvSpPr>
+        <p:spPr>
+          <a:xfrm>
+            <a:off x="6724481" y="5355465"/>
+            <a:ext cx="1584176" cy="360040"/>
+          </a:xfrm>
+          <a:prstGeom prst="borderCallout1">
+            <a:avLst>
+              <a:gd name="adj1" fmla="val 18750"/>
+              <a:gd name="adj2" fmla="val -8333"/>
+              <a:gd name="adj3" fmla="val -145101"/>
+              <a:gd name="adj4" fmla="val -125946"/>
+            </a:avLst>
+          </a:prstGeom>
+        </p:spPr>
+        <p:style>
+          <a:lnRef idx="2">
+            <a:schemeClr val="accent1">
+              <a:shade val="50000"/>
+            </a:schemeClr>
+          </a:lnRef>
+          <a:fillRef idx="1">
+            <a:schemeClr val="accent1"/>
+          </a:fillRef>
+          <a:effectRef idx="0">
+            <a:schemeClr val="accent1"/>
+          </a:effectRef>
+          <a:fontRef idx="minor">
+            <a:schemeClr val="lt1"/>
+          </a:fontRef>
+        </p:style>
+        <p:txBody>
+          <a:bodyPr rtlCol="0" anchor="ctr"/>
+          <a:lstStyle/>
+          <a:p>
+            <a:pPr algn="ctr"/>
+            <a:r>
+              <a:rPr kumimoji="1" lang="ja-JP" altLang="en-US" dirty="0" smtClean="0"/>
+              <a:t>尻尾モータ</a:t>
+            </a:r>
+            <a:endParaRPr kumimoji="1" lang="ja-JP" altLang="en-US" dirty="0"/>
+          </a:p>
+        </p:txBody>
+      </p:sp>
+      <p:sp>
+        <p:nvSpPr>
+          <p:cNvPr id="9" name="線吹き出し 1 (枠付き) 8"/>
+          <p:cNvSpPr/>
+          <p:nvPr/>
+        </p:nvSpPr>
+        <p:spPr>
+          <a:xfrm>
+            <a:off x="947741" y="2943519"/>
+            <a:ext cx="1791816" cy="535524"/>
+          </a:xfrm>
+          <a:prstGeom prst="borderCallout1">
+            <a:avLst>
+              <a:gd name="adj1" fmla="val 73172"/>
+              <a:gd name="adj2" fmla="val 100292"/>
+              <a:gd name="adj3" fmla="val 65334"/>
+              <a:gd name="adj4" fmla="val 173505"/>
+            </a:avLst>
+          </a:prstGeom>
+        </p:spPr>
+        <p:style>
+          <a:lnRef idx="2">
+            <a:schemeClr val="accent1">
+              <a:shade val="50000"/>
+            </a:schemeClr>
+          </a:lnRef>
+          <a:fillRef idx="1">
+            <a:schemeClr val="accent1"/>
+          </a:fillRef>
+          <a:effectRef idx="0">
+            <a:schemeClr val="accent1"/>
+          </a:effectRef>
+          <a:fontRef idx="minor">
+            <a:schemeClr val="lt1"/>
+          </a:fontRef>
+        </p:style>
+        <p:txBody>
+          <a:bodyPr rtlCol="0" anchor="ctr"/>
+          <a:lstStyle/>
+          <a:p>
+            <a:pPr algn="ctr"/>
+            <a:r>
+              <a:rPr lang="ja-JP" altLang="en-US" dirty="0" smtClean="0"/>
+              <a:t>ジャイロ</a:t>
+            </a:r>
+            <a:r>
+              <a:rPr kumimoji="1" lang="ja-JP" altLang="en-US" dirty="0" smtClean="0"/>
+              <a:t>センサ</a:t>
+            </a:r>
+            <a:endParaRPr kumimoji="1" lang="en-US" altLang="ja-JP" dirty="0" smtClean="0"/>
+          </a:p>
+          <a:p>
+            <a:pPr algn="ctr"/>
+            <a:r>
+              <a:rPr lang="ja-JP" altLang="en-US" dirty="0" smtClean="0"/>
+              <a:t>（車体傾き測定）</a:t>
+            </a:r>
+            <a:endParaRPr kumimoji="1" lang="ja-JP" altLang="en-US" dirty="0"/>
+          </a:p>
+        </p:txBody>
+      </p:sp>
+      <p:sp>
+        <p:nvSpPr>
+          <p:cNvPr id="10" name="線吹き出し 1 (枠付き) 9"/>
+          <p:cNvSpPr/>
+          <p:nvPr/>
+        </p:nvSpPr>
+        <p:spPr>
+          <a:xfrm>
+            <a:off x="6404597" y="4179679"/>
+            <a:ext cx="2186133" cy="360040"/>
+          </a:xfrm>
+          <a:prstGeom prst="borderCallout1">
+            <a:avLst>
+              <a:gd name="adj1" fmla="val 29635"/>
+              <a:gd name="adj2" fmla="val -4748"/>
+              <a:gd name="adj3" fmla="val 116128"/>
+              <a:gd name="adj4" fmla="val -61567"/>
+            </a:avLst>
+          </a:prstGeom>
+        </p:spPr>
+        <p:style>
+          <a:lnRef idx="2">
+            <a:schemeClr val="accent1">
+              <a:shade val="50000"/>
+            </a:schemeClr>
+          </a:lnRef>
+          <a:fillRef idx="1">
+            <a:schemeClr val="accent1"/>
+          </a:fillRef>
+          <a:effectRef idx="0">
+            <a:schemeClr val="accent1"/>
+          </a:effectRef>
+          <a:fontRef idx="minor">
+            <a:schemeClr val="lt1"/>
+          </a:fontRef>
+        </p:style>
+        <p:txBody>
+          <a:bodyPr rtlCol="0" anchor="ctr"/>
+          <a:lstStyle/>
+          <a:p>
+            <a:pPr algn="ctr"/>
+            <a:r>
+              <a:rPr kumimoji="1" lang="ja-JP" altLang="en-US" dirty="0" smtClean="0"/>
+              <a:t>車輪モータ（左車輪）</a:t>
+            </a:r>
+            <a:endParaRPr kumimoji="1" lang="ja-JP" altLang="en-US" dirty="0"/>
+          </a:p>
+        </p:txBody>
+      </p:sp>
+      <p:sp>
+        <p:nvSpPr>
+          <p:cNvPr id="11" name="線吹き出し 1 (枠付き) 10"/>
+          <p:cNvSpPr/>
+          <p:nvPr/>
+        </p:nvSpPr>
+        <p:spPr>
+          <a:xfrm>
+            <a:off x="6705576" y="3169046"/>
+            <a:ext cx="1584176" cy="619994"/>
+          </a:xfrm>
+          <a:prstGeom prst="borderCallout1">
+            <a:avLst>
+              <a:gd name="adj1" fmla="val 18750"/>
+              <a:gd name="adj2" fmla="val -8333"/>
+              <a:gd name="adj3" fmla="val 14540"/>
+              <a:gd name="adj4" fmla="val -97909"/>
+            </a:avLst>
+          </a:prstGeom>
+        </p:spPr>
+        <p:style>
+          <a:lnRef idx="2">
+            <a:schemeClr val="accent1">
+              <a:shade val="50000"/>
+            </a:schemeClr>
+          </a:lnRef>
+          <a:fillRef idx="1">
+            <a:schemeClr val="accent1"/>
+          </a:fillRef>
+          <a:effectRef idx="0">
+            <a:schemeClr val="accent1"/>
+          </a:effectRef>
+          <a:fontRef idx="minor">
+            <a:schemeClr val="lt1"/>
+          </a:fontRef>
+        </p:style>
+        <p:txBody>
+          <a:bodyPr rtlCol="0" anchor="ctr"/>
+          <a:lstStyle/>
+          <a:p>
+            <a:pPr algn="ctr"/>
+            <a:r>
+              <a:rPr lang="ja-JP" altLang="en-US" dirty="0" smtClean="0"/>
+              <a:t>タッチ</a:t>
+            </a:r>
+            <a:r>
+              <a:rPr kumimoji="1" lang="ja-JP" altLang="en-US" dirty="0" smtClean="0"/>
+              <a:t>センサ</a:t>
+            </a:r>
+            <a:endParaRPr kumimoji="1" lang="en-US" altLang="ja-JP" dirty="0" smtClean="0"/>
+          </a:p>
+          <a:p>
+            <a:pPr algn="ctr"/>
+            <a:r>
+              <a:rPr lang="ja-JP" altLang="en-US" dirty="0" smtClean="0"/>
+              <a:t>（押下測定）</a:t>
+            </a:r>
+            <a:endParaRPr kumimoji="1" lang="ja-JP" altLang="en-US" dirty="0"/>
+          </a:p>
+        </p:txBody>
+      </p:sp>
+      <p:sp>
+        <p:nvSpPr>
+          <p:cNvPr id="12" name="線吹き出し 1 (枠付き) 11"/>
+          <p:cNvSpPr/>
+          <p:nvPr/>
+        </p:nvSpPr>
+        <p:spPr>
+          <a:xfrm>
+            <a:off x="798894" y="3842256"/>
+            <a:ext cx="2048036" cy="517443"/>
+          </a:xfrm>
+          <a:prstGeom prst="borderCallout1">
+            <a:avLst>
+              <a:gd name="adj1" fmla="val 31373"/>
+              <a:gd name="adj2" fmla="val 99459"/>
+              <a:gd name="adj3" fmla="val 49996"/>
+              <a:gd name="adj4" fmla="val 155430"/>
+            </a:avLst>
+          </a:prstGeom>
+        </p:spPr>
+        <p:style>
+          <a:lnRef idx="2">
+            <a:schemeClr val="accent1">
+              <a:shade val="50000"/>
+            </a:schemeClr>
+          </a:lnRef>
+          <a:fillRef idx="1">
+            <a:schemeClr val="accent1"/>
+          </a:fillRef>
+          <a:effectRef idx="0">
+            <a:schemeClr val="accent1"/>
+          </a:effectRef>
+          <a:fontRef idx="minor">
+            <a:schemeClr val="lt1"/>
+          </a:fontRef>
+        </p:style>
+        <p:txBody>
+          <a:bodyPr rtlCol="0" anchor="ctr"/>
+          <a:lstStyle/>
+          <a:p>
+            <a:pPr algn="ctr"/>
+            <a:r>
+              <a:rPr lang="en-US" altLang="ja-JP" dirty="0" smtClean="0"/>
+              <a:t>32</a:t>
+            </a:r>
+            <a:r>
+              <a:rPr lang="ja-JP" altLang="en-US" dirty="0" smtClean="0"/>
+              <a:t>ビット</a:t>
+            </a:r>
+            <a:endParaRPr lang="en-US" altLang="ja-JP" dirty="0" smtClean="0"/>
+          </a:p>
+          <a:p>
+            <a:pPr algn="ctr"/>
+            <a:r>
+              <a:rPr lang="ja-JP" altLang="en-US" dirty="0" smtClean="0"/>
+              <a:t>マイクロプロセッサ</a:t>
+            </a:r>
+            <a:endParaRPr kumimoji="1" lang="ja-JP" altLang="en-US" dirty="0"/>
+          </a:p>
+        </p:txBody>
+      </p:sp>
+      <p:sp>
+        <p:nvSpPr>
+          <p:cNvPr id="13" name="線吹き出し 1 (枠付き) 12"/>
+          <p:cNvSpPr/>
+          <p:nvPr/>
+        </p:nvSpPr>
+        <p:spPr>
+          <a:xfrm>
+            <a:off x="750582" y="4725144"/>
+            <a:ext cx="2186133" cy="360040"/>
+          </a:xfrm>
+          <a:prstGeom prst="borderCallout1">
+            <a:avLst>
+              <a:gd name="adj1" fmla="val 4238"/>
+              <a:gd name="adj2" fmla="val 102211"/>
+              <a:gd name="adj3" fmla="val -101562"/>
+              <a:gd name="adj4" fmla="val 146972"/>
+            </a:avLst>
+          </a:prstGeom>
+        </p:spPr>
+        <p:style>
+          <a:lnRef idx="2">
+            <a:schemeClr val="accent1">
+              <a:shade val="50000"/>
+            </a:schemeClr>
+          </a:lnRef>
+          <a:fillRef idx="1">
+            <a:schemeClr val="accent1"/>
+          </a:fillRef>
+          <a:effectRef idx="0">
+            <a:schemeClr val="accent1"/>
+          </a:effectRef>
+          <a:fontRef idx="minor">
+            <a:schemeClr val="lt1"/>
+          </a:fontRef>
+        </p:style>
+        <p:txBody>
+          <a:bodyPr rtlCol="0" anchor="ctr"/>
+          <a:lstStyle/>
+          <a:p>
+            <a:pPr algn="ctr"/>
+            <a:r>
+              <a:rPr kumimoji="1" lang="ja-JP" altLang="en-US" dirty="0" smtClean="0"/>
+              <a:t>車輪モータ（右車輪）</a:t>
+            </a:r>
+            <a:endParaRPr kumimoji="1" lang="ja-JP" altLang="en-US" dirty="0"/>
           </a:p>
         </p:txBody>
       </p:sp>
     </p:spTree>
     <p:extLst>
       <p:ext uri="{BB962C8B-B14F-4D97-AF65-F5344CB8AC3E}">
-        <p14:creationId xmlns:p14="http://schemas.microsoft.com/office/powerpoint/2010/main" val="3621326477"/>
+        <p14:creationId xmlns:p14="http://schemas.microsoft.com/office/powerpoint/2010/main" val="3481390782"/>
       </p:ext>
     </p:extLst>
   </p:cSld>
   <p:clrMapOvr>
     <a:masterClrMapping/>
   </p:clrMapOvr>
+  <p:timing>
+    <p:tnLst>
+      <p:par>
+        <p:cTn id="1" dur="indefinite" restart="never" nodeType="tmRoot">
+          <p:childTnLst>
+            <p:seq concurrent="1" nextAc="seek">
+              <p:cTn id="2" dur="indefinite" nodeType="mainSeq">
+                <p:childTnLst>
+                  <p:par>
+                    <p:cTn id="3" fill="hold">
+                      <p:stCondLst>
+                        <p:cond delay="indefinite"/>
+                      </p:stCondLst>
+                      <p:childTnLst>
+                        <p:par>
+                          <p:cTn id="4" fill="hold">
+                            <p:stCondLst>
+                              <p:cond delay="0"/>
+                            </p:stCondLst>
+                            <p:childTnLst>
+                              <p:par>
+                                <p:cTn id="5" presetID="10" presetClass="entr" presetSubtype="0" fill="hold" grpId="0" nodeType="clickEffect">
+                                  <p:stCondLst>
+                                    <p:cond delay="0"/>
+                                  </p:stCondLst>
+                                  <p:childTnLst>
+                                    <p:set>
+                                      <p:cBhvr>
+                                        <p:cTn id="6" dur="1" fill="hold">
+                                          <p:stCondLst>
+                                            <p:cond delay="0"/>
+                                          </p:stCondLst>
+                                        </p:cTn>
+                                        <p:tgtEl>
+                                          <p:spTgt spid="6"/>
+                                        </p:tgtEl>
+                                        <p:attrNameLst>
+                                          <p:attrName>style.visibility</p:attrName>
+                                        </p:attrNameLst>
+                                      </p:cBhvr>
+                                      <p:to>
+                                        <p:strVal val="visible"/>
+                                      </p:to>
+                                    </p:set>
+                                    <p:animEffect transition="in" filter="fade">
+                                      <p:cBhvr>
+                                        <p:cTn id="7" dur="500"/>
+                                        <p:tgtEl>
+                                          <p:spTgt spid="6"/>
+                                        </p:tgtEl>
+                                      </p:cBhvr>
+                                    </p:animEffect>
+                                  </p:childTnLst>
+                                </p:cTn>
+                              </p:par>
+                              <p:par>
+                                <p:cTn id="8" presetID="10" presetClass="entr" presetSubtype="0" fill="hold" grpId="0" nodeType="withEffect">
+                                  <p:stCondLst>
+                                    <p:cond delay="0"/>
+                                  </p:stCondLst>
+                                  <p:childTnLst>
+                                    <p:set>
+                                      <p:cBhvr>
+                                        <p:cTn id="9" dur="1" fill="hold">
+                                          <p:stCondLst>
+                                            <p:cond delay="0"/>
+                                          </p:stCondLst>
+                                        </p:cTn>
+                                        <p:tgtEl>
+                                          <p:spTgt spid="11"/>
+                                        </p:tgtEl>
+                                        <p:attrNameLst>
+                                          <p:attrName>style.visibility</p:attrName>
+                                        </p:attrNameLst>
+                                      </p:cBhvr>
+                                      <p:to>
+                                        <p:strVal val="visible"/>
+                                      </p:to>
+                                    </p:set>
+                                    <p:animEffect transition="in" filter="fade">
+                                      <p:cBhvr>
+                                        <p:cTn id="10" dur="500"/>
+                                        <p:tgtEl>
+                                          <p:spTgt spid="11"/>
+                                        </p:tgtEl>
+                                      </p:cBhvr>
+                                    </p:animEffect>
+                                  </p:childTnLst>
+                                </p:cTn>
+                              </p:par>
+                              <p:par>
+                                <p:cTn id="11" presetID="10" presetClass="entr" presetSubtype="0" fill="hold" grpId="0" nodeType="withEffect">
+                                  <p:stCondLst>
+                                    <p:cond delay="0"/>
+                                  </p:stCondLst>
+                                  <p:childTnLst>
+                                    <p:set>
+                                      <p:cBhvr>
+                                        <p:cTn id="12" dur="1" fill="hold">
+                                          <p:stCondLst>
+                                            <p:cond delay="0"/>
+                                          </p:stCondLst>
+                                        </p:cTn>
+                                        <p:tgtEl>
+                                          <p:spTgt spid="9"/>
+                                        </p:tgtEl>
+                                        <p:attrNameLst>
+                                          <p:attrName>style.visibility</p:attrName>
+                                        </p:attrNameLst>
+                                      </p:cBhvr>
+                                      <p:to>
+                                        <p:strVal val="visible"/>
+                                      </p:to>
+                                    </p:set>
+                                    <p:animEffect transition="in" filter="fade">
+                                      <p:cBhvr>
+                                        <p:cTn id="13" dur="500"/>
+                                        <p:tgtEl>
+                                          <p:spTgt spid="9"/>
+                                        </p:tgtEl>
+                                      </p:cBhvr>
+                                    </p:animEffect>
+                                  </p:childTnLst>
+                                </p:cTn>
+                              </p:par>
+                              <p:par>
+                                <p:cTn id="14" presetID="10" presetClass="entr" presetSubtype="0" fill="hold" grpId="0" nodeType="withEffect">
+                                  <p:stCondLst>
+                                    <p:cond delay="0"/>
+                                  </p:stCondLst>
+                                  <p:childTnLst>
+                                    <p:set>
+                                      <p:cBhvr>
+                                        <p:cTn id="15" dur="1" fill="hold">
+                                          <p:stCondLst>
+                                            <p:cond delay="0"/>
+                                          </p:stCondLst>
+                                        </p:cTn>
+                                        <p:tgtEl>
+                                          <p:spTgt spid="7"/>
+                                        </p:tgtEl>
+                                        <p:attrNameLst>
+                                          <p:attrName>style.visibility</p:attrName>
+                                        </p:attrNameLst>
+                                      </p:cBhvr>
+                                      <p:to>
+                                        <p:strVal val="visible"/>
+                                      </p:to>
+                                    </p:set>
+                                    <p:animEffect transition="in" filter="fade">
+                                      <p:cBhvr>
+                                        <p:cTn id="16" dur="500"/>
+                                        <p:tgtEl>
+                                          <p:spTgt spid="7"/>
+                                        </p:tgtEl>
+                                      </p:cBhvr>
+                                    </p:animEffect>
+                                  </p:childTnLst>
+                                </p:cTn>
+                              </p:par>
+                            </p:childTnLst>
+                          </p:cTn>
+                        </p:par>
+                      </p:childTnLst>
+                    </p:cTn>
+                  </p:par>
+                  <p:par>
+                    <p:cTn id="17" fill="hold">
+                      <p:stCondLst>
+                        <p:cond delay="indefinite"/>
+                      </p:stCondLst>
+                      <p:childTnLst>
+                        <p:par>
+                          <p:cTn id="18" fill="hold">
+                            <p:stCondLst>
+                              <p:cond delay="0"/>
+                            </p:stCondLst>
+                            <p:childTnLst>
+                              <p:par>
+                                <p:cTn id="19" presetID="10" presetClass="entr" presetSubtype="0" fill="hold" grpId="0" nodeType="clickEffect">
+                                  <p:stCondLst>
+                                    <p:cond delay="0"/>
+                                  </p:stCondLst>
+                                  <p:childTnLst>
+                                    <p:set>
+                                      <p:cBhvr>
+                                        <p:cTn id="20" dur="1" fill="hold">
+                                          <p:stCondLst>
+                                            <p:cond delay="0"/>
+                                          </p:stCondLst>
+                                        </p:cTn>
+                                        <p:tgtEl>
+                                          <p:spTgt spid="10"/>
+                                        </p:tgtEl>
+                                        <p:attrNameLst>
+                                          <p:attrName>style.visibility</p:attrName>
+                                        </p:attrNameLst>
+                                      </p:cBhvr>
+                                      <p:to>
+                                        <p:strVal val="visible"/>
+                                      </p:to>
+                                    </p:set>
+                                    <p:animEffect transition="in" filter="fade">
+                                      <p:cBhvr>
+                                        <p:cTn id="21" dur="500"/>
+                                        <p:tgtEl>
+                                          <p:spTgt spid="10"/>
+                                        </p:tgtEl>
+                                      </p:cBhvr>
+                                    </p:animEffect>
+                                  </p:childTnLst>
+                                </p:cTn>
+                              </p:par>
+                              <p:par>
+                                <p:cTn id="22" presetID="10" presetClass="entr" presetSubtype="0" fill="hold" grpId="0" nodeType="withEffect">
+                                  <p:stCondLst>
+                                    <p:cond delay="0"/>
+                                  </p:stCondLst>
+                                  <p:childTnLst>
+                                    <p:set>
+                                      <p:cBhvr>
+                                        <p:cTn id="23" dur="1" fill="hold">
+                                          <p:stCondLst>
+                                            <p:cond delay="0"/>
+                                          </p:stCondLst>
+                                        </p:cTn>
+                                        <p:tgtEl>
+                                          <p:spTgt spid="8"/>
+                                        </p:tgtEl>
+                                        <p:attrNameLst>
+                                          <p:attrName>style.visibility</p:attrName>
+                                        </p:attrNameLst>
+                                      </p:cBhvr>
+                                      <p:to>
+                                        <p:strVal val="visible"/>
+                                      </p:to>
+                                    </p:set>
+                                    <p:animEffect transition="in" filter="fade">
+                                      <p:cBhvr>
+                                        <p:cTn id="24" dur="500"/>
+                                        <p:tgtEl>
+                                          <p:spTgt spid="8"/>
+                                        </p:tgtEl>
+                                      </p:cBhvr>
+                                    </p:animEffect>
+                                  </p:childTnLst>
+                                </p:cTn>
+                              </p:par>
+                            </p:childTnLst>
+                          </p:cTn>
+                        </p:par>
+                      </p:childTnLst>
+                    </p:cTn>
+                  </p:par>
+                  <p:par>
+                    <p:cTn id="25" fill="hold">
+                      <p:stCondLst>
+                        <p:cond delay="indefinite"/>
+                      </p:stCondLst>
+                      <p:childTnLst>
+                        <p:par>
+                          <p:cTn id="26" fill="hold">
+                            <p:stCondLst>
+                              <p:cond delay="0"/>
+                            </p:stCondLst>
+                            <p:childTnLst>
+                              <p:par>
+                                <p:cTn id="27" presetID="10" presetClass="entr" presetSubtype="0" fill="hold" grpId="0" nodeType="clickEffect">
+                                  <p:stCondLst>
+                                    <p:cond delay="0"/>
+                                  </p:stCondLst>
+                                  <p:childTnLst>
+                                    <p:set>
+                                      <p:cBhvr>
+                                        <p:cTn id="28" dur="1" fill="hold">
+                                          <p:stCondLst>
+                                            <p:cond delay="0"/>
+                                          </p:stCondLst>
+                                        </p:cTn>
+                                        <p:tgtEl>
+                                          <p:spTgt spid="12"/>
+                                        </p:tgtEl>
+                                        <p:attrNameLst>
+                                          <p:attrName>style.visibility</p:attrName>
+                                        </p:attrNameLst>
+                                      </p:cBhvr>
+                                      <p:to>
+                                        <p:strVal val="visible"/>
+                                      </p:to>
+                                    </p:set>
+                                    <p:animEffect transition="in" filter="fade">
+                                      <p:cBhvr>
+                                        <p:cTn id="29" dur="500"/>
+                                        <p:tgtEl>
+                                          <p:spTgt spid="12"/>
+                                        </p:tgtEl>
+                                      </p:cBhvr>
+                                    </p:animEffect>
+                                  </p:childTnLst>
+                                </p:cTn>
+                              </p:par>
+                            </p:childTnLst>
+                          </p:cTn>
+                        </p:par>
+                      </p:childTnLst>
+                    </p:cTn>
+                  </p:par>
+                  <p:par>
+                    <p:cTn id="30" fill="hold">
+                      <p:stCondLst>
+                        <p:cond delay="indefinite"/>
+                      </p:stCondLst>
+                      <p:childTnLst>
+                        <p:par>
+                          <p:cTn id="31" fill="hold">
+                            <p:stCondLst>
+                              <p:cond delay="0"/>
+                            </p:stCondLst>
+                            <p:childTnLst>
+                              <p:par>
+                                <p:cTn id="32" presetID="10" presetClass="entr" presetSubtype="0" fill="hold" grpId="0" nodeType="clickEffect">
+                                  <p:stCondLst>
+                                    <p:cond delay="0"/>
+                                  </p:stCondLst>
+                                  <p:childTnLst>
+                                    <p:set>
+                                      <p:cBhvr>
+                                        <p:cTn id="33" dur="1" fill="hold">
+                                          <p:stCondLst>
+                                            <p:cond delay="0"/>
+                                          </p:stCondLst>
+                                        </p:cTn>
+                                        <p:tgtEl>
+                                          <p:spTgt spid="13"/>
+                                        </p:tgtEl>
+                                        <p:attrNameLst>
+                                          <p:attrName>style.visibility</p:attrName>
+                                        </p:attrNameLst>
+                                      </p:cBhvr>
+                                      <p:to>
+                                        <p:strVal val="visible"/>
+                                      </p:to>
+                                    </p:set>
+                                    <p:animEffect transition="in" filter="fade">
+                                      <p:cBhvr>
+                                        <p:cTn id="34" dur="500"/>
+                                        <p:tgtEl>
+                                          <p:spTgt spid="13"/>
+                                        </p:tgtEl>
+                                      </p:cBhvr>
+                                    </p:animEffect>
+                                  </p:childTnLst>
+                                </p:cTn>
+                              </p:par>
+                            </p:childTnLst>
+                          </p:cTn>
+                        </p:par>
+                      </p:childTnLst>
+                    </p:cTn>
+                  </p:par>
+                </p:childTnLst>
+              </p:cTn>
+              <p:prevCondLst>
+                <p:cond evt="onPrev" delay="0">
+                  <p:tgtEl>
+                    <p:sldTgt/>
+                  </p:tgtEl>
+                </p:cond>
+              </p:prevCondLst>
+              <p:nextCondLst>
+                <p:cond evt="onNext" delay="0">
+                  <p:tgtEl>
+                    <p:sldTgt/>
+                  </p:tgtEl>
+                </p:cond>
+              </p:nextCondLst>
+            </p:seq>
+          </p:childTnLst>
+        </p:cTn>
+      </p:par>
+    </p:tnLst>
+    <p:bldLst>
+      <p:bldP spid="6" grpId="0" animBg="1"/>
+      <p:bldP spid="7" grpId="0" animBg="1"/>
+      <p:bldP spid="8" grpId="0" animBg="1"/>
+      <p:bldP spid="9" grpId="0" animBg="1"/>
+      <p:bldP spid="10" grpId="0" animBg="1"/>
+      <p:bldP spid="11" grpId="0" animBg="1"/>
+      <p:bldP spid="12" grpId="0" animBg="1"/>
+      <p:bldP spid="13" grpId="0" animBg="1"/>
+    </p:bldLst>
+  </p:timing>
 </p:sld>
 </file>
 
@@ -5881,11 +6824,7 @@
           <a:p>
             <a:r>
               <a:rPr kumimoji="1" lang="ja-JP" altLang="en-US" smtClean="0"/>
-              <a:t>研究概要</a:t>
-            </a:r>
-            <a:r>
-              <a:rPr kumimoji="1" lang="en-US" altLang="ja-JP" smtClean="0"/>
-              <a:t>(3/3)</a:t>
+              <a:t>発表内容</a:t>
             </a:r>
             <a:endParaRPr kumimoji="1" lang="ja-JP" altLang="en-US"/>
           </a:p>
@@ -5903,23 +6842,80 @@
         </p:nvSpPr>
         <p:spPr/>
         <p:txBody>
-          <a:bodyPr/>
-          <a:lstStyle/>
-          <a:p>
-            <a:endParaRPr kumimoji="1" lang="ja-JP" altLang="en-US"/>
+          <a:bodyPr>
+            <a:normAutofit/>
+          </a:bodyPr>
+          <a:lstStyle/>
+          <a:p>
+            <a:r>
+              <a:rPr kumimoji="1" lang="ja-JP" altLang="en-US" sz="4000" smtClean="0"/>
+              <a:t>研究背景</a:t>
+            </a:r>
+            <a:endParaRPr kumimoji="1" lang="en-US" altLang="ja-JP" sz="4000" smtClean="0"/>
+          </a:p>
+          <a:p>
+            <a:r>
+              <a:rPr lang="ja-JP" altLang="en-US" sz="4000"/>
+              <a:t>研究</a:t>
+            </a:r>
+            <a:r>
+              <a:rPr lang="ja-JP" altLang="en-US" sz="4000" smtClean="0"/>
+              <a:t>概要</a:t>
+            </a:r>
+            <a:endParaRPr lang="en-US" altLang="ja-JP" sz="4000" smtClean="0"/>
+          </a:p>
+          <a:p>
+            <a:r>
+              <a:rPr kumimoji="1" lang="ja-JP" altLang="en-US" sz="4000" smtClean="0">
+                <a:solidFill>
+                  <a:srgbClr val="7030A0"/>
+                </a:solidFill>
+              </a:rPr>
+              <a:t>進捗状況</a:t>
+            </a:r>
+            <a:endParaRPr kumimoji="1" lang="en-US" altLang="ja-JP" sz="4000" smtClean="0">
+              <a:solidFill>
+                <a:srgbClr val="7030A0"/>
+              </a:solidFill>
+            </a:endParaRPr>
+          </a:p>
+          <a:p>
+            <a:r>
+              <a:rPr lang="ja-JP" altLang="en-US" sz="4000"/>
+              <a:t>まとめ</a:t>
+            </a:r>
+            <a:endParaRPr kumimoji="1" lang="en-US" altLang="ja-JP" sz="4000" smtClean="0"/>
+          </a:p>
+          <a:p>
+            <a:r>
+              <a:rPr lang="ja-JP" altLang="en-US" sz="4000"/>
+              <a:t>今後</a:t>
+            </a:r>
+            <a:r>
+              <a:rPr lang="ja-JP" altLang="en-US" sz="4000" smtClean="0"/>
+              <a:t>の予定</a:t>
+            </a:r>
+            <a:endParaRPr kumimoji="1" lang="en-US" altLang="ja-JP" sz="4000" smtClean="0"/>
           </a:p>
         </p:txBody>
       </p:sp>
     </p:spTree>
     <p:extLst>
       <p:ext uri="{BB962C8B-B14F-4D97-AF65-F5344CB8AC3E}">
-        <p14:creationId xmlns:p14="http://schemas.microsoft.com/office/powerpoint/2010/main" val="3481390782"/>
+        <p14:creationId xmlns:p14="http://schemas.microsoft.com/office/powerpoint/2010/main" val="3341590746"/>
       </p:ext>
     </p:extLst>
   </p:cSld>
   <p:clrMapOvr>
     <a:masterClrMapping/>
   </p:clrMapOvr>
+  <p:timing>
+    <p:tnLst>
+      <p:par>
+        <p:cTn id="1" dur="indefinite" restart="never" nodeType="tmRoot"/>
+      </p:par>
+    </p:tnLst>
+  </p:timing>
 </p:sld>
 </file>
 
@@ -5957,7 +6953,11 @@
           <a:p>
             <a:r>
               <a:rPr kumimoji="1" lang="ja-JP" altLang="en-US" smtClean="0"/>
-              <a:t>発表内容</a:t>
+              <a:t>進捗状況</a:t>
+            </a:r>
+            <a:r>
+              <a:rPr kumimoji="1" lang="en-US" altLang="ja-JP" smtClean="0"/>
+              <a:t>(1/4)</a:t>
             </a:r>
             <a:endParaRPr kumimoji="1" lang="ja-JP" altLang="en-US"/>
           </a:p>
@@ -5975,73 +6975,30 @@
         </p:nvSpPr>
         <p:spPr/>
         <p:txBody>
-          <a:bodyPr>
-            <a:normAutofit/>
-          </a:bodyPr>
-          <a:lstStyle/>
-          <a:p>
-            <a:r>
-              <a:rPr kumimoji="1" lang="ja-JP" altLang="en-US" sz="4000" smtClean="0"/>
-              <a:t>研究背景</a:t>
-            </a:r>
-            <a:endParaRPr kumimoji="1" lang="en-US" altLang="ja-JP" sz="4000" smtClean="0"/>
-          </a:p>
-          <a:p>
-            <a:r>
-              <a:rPr lang="ja-JP" altLang="en-US" sz="4000"/>
-              <a:t>研究</a:t>
-            </a:r>
-            <a:r>
-              <a:rPr lang="ja-JP" altLang="en-US" sz="4000" smtClean="0"/>
-              <a:t>概要</a:t>
-            </a:r>
-            <a:endParaRPr lang="en-US" altLang="ja-JP" sz="4000" smtClean="0"/>
-          </a:p>
-          <a:p>
-            <a:r>
-              <a:rPr kumimoji="1" lang="ja-JP" altLang="en-US" sz="4000" smtClean="0">
-                <a:solidFill>
-                  <a:srgbClr val="7030A0"/>
-                </a:solidFill>
-              </a:rPr>
-              <a:t>進捗状況</a:t>
-            </a:r>
-            <a:endParaRPr kumimoji="1" lang="en-US" altLang="ja-JP" sz="4000" smtClean="0">
-              <a:solidFill>
-                <a:srgbClr val="7030A0"/>
-              </a:solidFill>
-            </a:endParaRPr>
-          </a:p>
-          <a:p>
-            <a:r>
-              <a:rPr lang="ja-JP" altLang="en-US" sz="4000"/>
-              <a:t>まとめ</a:t>
-            </a:r>
-            <a:endParaRPr kumimoji="1" lang="en-US" altLang="ja-JP" sz="4000" smtClean="0"/>
-          </a:p>
-          <a:p>
-            <a:r>
-              <a:rPr lang="ja-JP" altLang="en-US" sz="4000"/>
-              <a:t>今後</a:t>
-            </a:r>
-            <a:r>
-              <a:rPr lang="ja-JP" altLang="en-US" sz="4000" smtClean="0"/>
-              <a:t>の予定</a:t>
-            </a:r>
-            <a:endParaRPr kumimoji="1" lang="en-US" altLang="ja-JP" sz="4000" smtClean="0"/>
+          <a:bodyPr/>
+          <a:lstStyle/>
+          <a:p>
+            <a:endParaRPr kumimoji="1" lang="ja-JP" altLang="en-US"/>
           </a:p>
         </p:txBody>
       </p:sp>
     </p:spTree>
     <p:extLst>
       <p:ext uri="{BB962C8B-B14F-4D97-AF65-F5344CB8AC3E}">
-        <p14:creationId xmlns:p14="http://schemas.microsoft.com/office/powerpoint/2010/main" val="3341590746"/>
+        <p14:creationId xmlns:p14="http://schemas.microsoft.com/office/powerpoint/2010/main" val="1686144605"/>
       </p:ext>
     </p:extLst>
   </p:cSld>
   <p:clrMapOvr>
     <a:masterClrMapping/>
   </p:clrMapOvr>
+  <p:timing>
+    <p:tnLst>
+      <p:par>
+        <p:cTn id="1" dur="indefinite" restart="never" nodeType="tmRoot"/>
+      </p:par>
+    </p:tnLst>
+  </p:timing>
 </p:sld>
 </file>
 
@@ -6083,7 +7040,7 @@
             </a:r>
             <a:r>
               <a:rPr kumimoji="1" lang="en-US" altLang="ja-JP" smtClean="0"/>
-              <a:t>(1/4)</a:t>
+              <a:t>(2/4)</a:t>
             </a:r>
             <a:endParaRPr kumimoji="1" lang="ja-JP" altLang="en-US"/>
           </a:p>
@@ -6111,13 +7068,20 @@
     </p:spTree>
     <p:extLst>
       <p:ext uri="{BB962C8B-B14F-4D97-AF65-F5344CB8AC3E}">
-        <p14:creationId xmlns:p14="http://schemas.microsoft.com/office/powerpoint/2010/main" val="1686144605"/>
+        <p14:creationId xmlns:p14="http://schemas.microsoft.com/office/powerpoint/2010/main" val="3174473367"/>
       </p:ext>
     </p:extLst>
   </p:cSld>
   <p:clrMapOvr>
     <a:masterClrMapping/>
   </p:clrMapOvr>
+  <p:timing>
+    <p:tnLst>
+      <p:par>
+        <p:cTn id="1" dur="indefinite" restart="never" nodeType="tmRoot"/>
+      </p:par>
+    </p:tnLst>
+  </p:timing>
 </p:sld>
 </file>
 
@@ -6159,7 +7123,7 @@
             </a:r>
             <a:r>
               <a:rPr kumimoji="1" lang="en-US" altLang="ja-JP" smtClean="0"/>
-              <a:t>(2/4)</a:t>
+              <a:t>(3/4)</a:t>
             </a:r>
             <a:endParaRPr kumimoji="1" lang="ja-JP" altLang="en-US"/>
           </a:p>
@@ -6187,13 +7151,20 @@
     </p:spTree>
     <p:extLst>
       <p:ext uri="{BB962C8B-B14F-4D97-AF65-F5344CB8AC3E}">
-        <p14:creationId xmlns:p14="http://schemas.microsoft.com/office/powerpoint/2010/main" val="3174473367"/>
+        <p14:creationId xmlns:p14="http://schemas.microsoft.com/office/powerpoint/2010/main" val="1470944524"/>
       </p:ext>
     </p:extLst>
   </p:cSld>
   <p:clrMapOvr>
     <a:masterClrMapping/>
   </p:clrMapOvr>
+  <p:timing>
+    <p:tnLst>
+      <p:par>
+        <p:cTn id="1" dur="indefinite" restart="never" nodeType="tmRoot"/>
+      </p:par>
+    </p:tnLst>
+  </p:timing>
 </p:sld>
 </file>
 
@@ -6235,7 +7206,7 @@
             </a:r>
             <a:r>
               <a:rPr kumimoji="1" lang="en-US" altLang="ja-JP" smtClean="0"/>
-              <a:t>(3/4)</a:t>
+              <a:t>(4/4)</a:t>
             </a:r>
             <a:endParaRPr kumimoji="1" lang="ja-JP" altLang="en-US"/>
           </a:p>
@@ -6263,13 +7234,20 @@
     </p:spTree>
     <p:extLst>
       <p:ext uri="{BB962C8B-B14F-4D97-AF65-F5344CB8AC3E}">
-        <p14:creationId xmlns:p14="http://schemas.microsoft.com/office/powerpoint/2010/main" val="1470944524"/>
+        <p14:creationId xmlns:p14="http://schemas.microsoft.com/office/powerpoint/2010/main" val="1588375918"/>
       </p:ext>
     </p:extLst>
   </p:cSld>
   <p:clrMapOvr>
     <a:masterClrMapping/>
   </p:clrMapOvr>
+  <p:timing>
+    <p:tnLst>
+      <p:par>
+        <p:cTn id="1" dur="indefinite" restart="never" nodeType="tmRoot"/>
+      </p:par>
+    </p:tnLst>
+  </p:timing>
 </p:sld>
 </file>
 
@@ -6307,45 +7285,98 @@
           <a:p>
             <a:r>
               <a:rPr kumimoji="1" lang="ja-JP" altLang="en-US" smtClean="0"/>
+              <a:t>発表内容</a:t>
+            </a:r>
+            <a:endParaRPr kumimoji="1" lang="ja-JP" altLang="en-US"/>
+          </a:p>
+        </p:txBody>
+      </p:sp>
+      <p:sp>
+        <p:nvSpPr>
+          <p:cNvPr id="3" name="コンテンツ プレースホルダー 2"/>
+          <p:cNvSpPr>
+            <a:spLocks noGrp="1"/>
+          </p:cNvSpPr>
+          <p:nvPr>
+            <p:ph idx="1"/>
+          </p:nvPr>
+        </p:nvSpPr>
+        <p:spPr/>
+        <p:txBody>
+          <a:bodyPr>
+            <a:normAutofit/>
+          </a:bodyPr>
+          <a:lstStyle/>
+          <a:p>
+            <a:r>
+              <a:rPr kumimoji="1" lang="ja-JP" altLang="en-US" sz="4000" smtClean="0"/>
+              <a:t>研究背景</a:t>
+            </a:r>
+            <a:endParaRPr kumimoji="1" lang="en-US" altLang="ja-JP" sz="4000" smtClean="0"/>
+          </a:p>
+          <a:p>
+            <a:r>
+              <a:rPr lang="ja-JP" altLang="en-US" sz="4000"/>
+              <a:t>研究</a:t>
+            </a:r>
+            <a:r>
+              <a:rPr lang="ja-JP" altLang="en-US" sz="4000" smtClean="0"/>
+              <a:t>概要</a:t>
+            </a:r>
+            <a:endParaRPr lang="en-US" altLang="ja-JP" sz="4000" smtClean="0"/>
+          </a:p>
+          <a:p>
+            <a:r>
+              <a:rPr kumimoji="1" lang="ja-JP" altLang="en-US" sz="4000" smtClean="0"/>
               <a:t>進捗状況</a:t>
             </a:r>
-            <a:r>
-              <a:rPr kumimoji="1" lang="en-US" altLang="ja-JP" smtClean="0"/>
-              <a:t>(4/4)</a:t>
-            </a:r>
-            <a:endParaRPr kumimoji="1" lang="ja-JP" altLang="en-US"/>
-          </a:p>
-        </p:txBody>
-      </p:sp>
-      <p:sp>
-        <p:nvSpPr>
-          <p:cNvPr id="3" name="コンテンツ プレースホルダー 2"/>
-          <p:cNvSpPr>
-            <a:spLocks noGrp="1"/>
-          </p:cNvSpPr>
-          <p:nvPr>
-            <p:ph idx="1"/>
-          </p:nvPr>
-        </p:nvSpPr>
-        <p:spPr/>
-        <p:txBody>
-          <a:bodyPr/>
-          <a:lstStyle/>
-          <a:p>
-            <a:endParaRPr kumimoji="1" lang="ja-JP" altLang="en-US"/>
+            <a:endParaRPr kumimoji="1" lang="en-US" altLang="ja-JP" sz="4000" smtClean="0"/>
+          </a:p>
+          <a:p>
+            <a:r>
+              <a:rPr lang="ja-JP" altLang="en-US" sz="4000">
+                <a:solidFill>
+                  <a:srgbClr val="7030A0"/>
+                </a:solidFill>
+              </a:rPr>
+              <a:t>まとめ</a:t>
+            </a:r>
+            <a:endParaRPr kumimoji="1" lang="en-US" altLang="ja-JP" sz="4000" smtClean="0">
+              <a:solidFill>
+                <a:srgbClr val="7030A0"/>
+              </a:solidFill>
+            </a:endParaRPr>
+          </a:p>
+          <a:p>
+            <a:r>
+              <a:rPr lang="ja-JP" altLang="en-US" sz="4000"/>
+              <a:t>今後</a:t>
+            </a:r>
+            <a:r>
+              <a:rPr lang="ja-JP" altLang="en-US" sz="4000" smtClean="0"/>
+              <a:t>の予定</a:t>
+            </a:r>
+            <a:endParaRPr kumimoji="1" lang="en-US" altLang="ja-JP" sz="4000" smtClean="0"/>
           </a:p>
         </p:txBody>
       </p:sp>
     </p:spTree>
     <p:extLst>
       <p:ext uri="{BB962C8B-B14F-4D97-AF65-F5344CB8AC3E}">
-        <p14:creationId xmlns:p14="http://schemas.microsoft.com/office/powerpoint/2010/main" val="1588375918"/>
+        <p14:creationId xmlns:p14="http://schemas.microsoft.com/office/powerpoint/2010/main" val="3341590746"/>
       </p:ext>
     </p:extLst>
   </p:cSld>
   <p:clrMapOvr>
     <a:masterClrMapping/>
   </p:clrMapOvr>
+  <p:timing>
+    <p:tnLst>
+      <p:par>
+        <p:cTn id="1" dur="indefinite" restart="never" nodeType="tmRoot"/>
+      </p:par>
+    </p:tnLst>
+  </p:timing>
 </p:sld>
 </file>
 
@@ -6383,7 +7414,7 @@
           <a:p>
             <a:r>
               <a:rPr kumimoji="1" lang="ja-JP" altLang="en-US" smtClean="0"/>
-              <a:t>発表内容</a:t>
+              <a:t>まとめ</a:t>
             </a:r>
             <a:endParaRPr kumimoji="1" lang="ja-JP" altLang="en-US"/>
           </a:p>
@@ -6401,73 +7432,30 @@
         </p:nvSpPr>
         <p:spPr/>
         <p:txBody>
-          <a:bodyPr>
-            <a:normAutofit/>
-          </a:bodyPr>
-          <a:lstStyle/>
-          <a:p>
-            <a:r>
-              <a:rPr kumimoji="1" lang="ja-JP" altLang="en-US" sz="4000" smtClean="0"/>
-              <a:t>研究背景</a:t>
-            </a:r>
-            <a:endParaRPr kumimoji="1" lang="en-US" altLang="ja-JP" sz="4000" smtClean="0"/>
-          </a:p>
-          <a:p>
-            <a:r>
-              <a:rPr lang="ja-JP" altLang="en-US" sz="4000"/>
-              <a:t>研究</a:t>
-            </a:r>
-            <a:r>
-              <a:rPr lang="ja-JP" altLang="en-US" sz="4000" smtClean="0"/>
-              <a:t>概要</a:t>
-            </a:r>
-            <a:endParaRPr lang="en-US" altLang="ja-JP" sz="4000" smtClean="0"/>
-          </a:p>
-          <a:p>
-            <a:r>
-              <a:rPr kumimoji="1" lang="ja-JP" altLang="en-US" sz="4000" smtClean="0"/>
-              <a:t>進捗状況</a:t>
-            </a:r>
-            <a:endParaRPr kumimoji="1" lang="en-US" altLang="ja-JP" sz="4000" smtClean="0"/>
-          </a:p>
-          <a:p>
-            <a:r>
-              <a:rPr lang="ja-JP" altLang="en-US" sz="4000">
-                <a:solidFill>
-                  <a:srgbClr val="7030A0"/>
-                </a:solidFill>
-              </a:rPr>
-              <a:t>まとめ</a:t>
-            </a:r>
-            <a:endParaRPr kumimoji="1" lang="en-US" altLang="ja-JP" sz="4000" smtClean="0">
-              <a:solidFill>
-                <a:srgbClr val="7030A0"/>
-              </a:solidFill>
-            </a:endParaRPr>
-          </a:p>
-          <a:p>
-            <a:r>
-              <a:rPr lang="ja-JP" altLang="en-US" sz="4000"/>
-              <a:t>今後</a:t>
-            </a:r>
-            <a:r>
-              <a:rPr lang="ja-JP" altLang="en-US" sz="4000" smtClean="0"/>
-              <a:t>の予定</a:t>
-            </a:r>
-            <a:endParaRPr kumimoji="1" lang="en-US" altLang="ja-JP" sz="4000" smtClean="0"/>
+          <a:bodyPr/>
+          <a:lstStyle/>
+          <a:p>
+            <a:endParaRPr kumimoji="1" lang="ja-JP" altLang="en-US"/>
           </a:p>
         </p:txBody>
       </p:sp>
     </p:spTree>
     <p:extLst>
       <p:ext uri="{BB962C8B-B14F-4D97-AF65-F5344CB8AC3E}">
-        <p14:creationId xmlns:p14="http://schemas.microsoft.com/office/powerpoint/2010/main" val="3341590746"/>
+        <p14:creationId xmlns:p14="http://schemas.microsoft.com/office/powerpoint/2010/main" val="508215717"/>
       </p:ext>
     </p:extLst>
   </p:cSld>
   <p:clrMapOvr>
     <a:masterClrMapping/>
   </p:clrMapOvr>
+  <p:timing>
+    <p:tnLst>
+      <p:par>
+        <p:cTn id="1" dur="indefinite" restart="never" nodeType="tmRoot"/>
+      </p:par>
+    </p:tnLst>
+  </p:timing>
 </p:sld>
 </file>
 
@@ -6582,6 +7570,13 @@
   <p:clrMapOvr>
     <a:masterClrMapping/>
   </p:clrMapOvr>
+  <p:timing>
+    <p:tnLst>
+      <p:par>
+        <p:cTn id="1" dur="indefinite" restart="never" nodeType="tmRoot"/>
+      </p:par>
+    </p:tnLst>
+  </p:timing>
 </p:sld>
 </file>
 
@@ -6619,41 +7614,102 @@
           <a:p>
             <a:r>
               <a:rPr kumimoji="1" lang="ja-JP" altLang="en-US" smtClean="0"/>
+              <a:t>発表内容</a:t>
+            </a:r>
+            <a:endParaRPr kumimoji="1" lang="ja-JP" altLang="en-US"/>
+          </a:p>
+        </p:txBody>
+      </p:sp>
+      <p:sp>
+        <p:nvSpPr>
+          <p:cNvPr id="3" name="コンテンツ プレースホルダー 2"/>
+          <p:cNvSpPr>
+            <a:spLocks noGrp="1"/>
+          </p:cNvSpPr>
+          <p:nvPr>
+            <p:ph idx="1"/>
+          </p:nvPr>
+        </p:nvSpPr>
+        <p:spPr/>
+        <p:txBody>
+          <a:bodyPr>
+            <a:normAutofit/>
+          </a:bodyPr>
+          <a:lstStyle/>
+          <a:p>
+            <a:r>
+              <a:rPr kumimoji="1" lang="ja-JP" altLang="en-US" sz="4000" smtClean="0"/>
+              <a:t>研究背景</a:t>
+            </a:r>
+            <a:endParaRPr kumimoji="1" lang="en-US" altLang="ja-JP" sz="4000" smtClean="0"/>
+          </a:p>
+          <a:p>
+            <a:r>
+              <a:rPr lang="ja-JP" altLang="en-US" sz="4000"/>
+              <a:t>研究</a:t>
+            </a:r>
+            <a:r>
+              <a:rPr lang="ja-JP" altLang="en-US" sz="4000" smtClean="0"/>
+              <a:t>概要</a:t>
+            </a:r>
+            <a:endParaRPr lang="en-US" altLang="ja-JP" sz="4000" smtClean="0"/>
+          </a:p>
+          <a:p>
+            <a:r>
+              <a:rPr kumimoji="1" lang="ja-JP" altLang="en-US" sz="4000" smtClean="0"/>
+              <a:t>進捗状況</a:t>
+            </a:r>
+            <a:endParaRPr kumimoji="1" lang="en-US" altLang="ja-JP" sz="4000" smtClean="0"/>
+          </a:p>
+          <a:p>
+            <a:r>
+              <a:rPr lang="ja-JP" altLang="en-US" sz="4000"/>
               <a:t>まとめ</a:t>
             </a:r>
-            <a:endParaRPr kumimoji="1" lang="ja-JP" altLang="en-US"/>
-          </a:p>
-        </p:txBody>
-      </p:sp>
-      <p:sp>
-        <p:nvSpPr>
-          <p:cNvPr id="3" name="コンテンツ プレースホルダー 2"/>
-          <p:cNvSpPr>
-            <a:spLocks noGrp="1"/>
-          </p:cNvSpPr>
-          <p:nvPr>
-            <p:ph idx="1"/>
-          </p:nvPr>
-        </p:nvSpPr>
-        <p:spPr/>
-        <p:txBody>
-          <a:bodyPr/>
-          <a:lstStyle/>
-          <a:p>
-            <a:endParaRPr kumimoji="1" lang="ja-JP" altLang="en-US"/>
+            <a:endParaRPr kumimoji="1" lang="en-US" altLang="ja-JP" sz="4000" smtClean="0"/>
+          </a:p>
+          <a:p>
+            <a:r>
+              <a:rPr lang="ja-JP" altLang="en-US" sz="4000">
+                <a:solidFill>
+                  <a:srgbClr val="7030A0"/>
+                </a:solidFill>
+              </a:rPr>
+              <a:t>今後</a:t>
+            </a:r>
+            <a:r>
+              <a:rPr lang="ja-JP" altLang="en-US" sz="4000" smtClean="0">
+                <a:solidFill>
+                  <a:srgbClr val="7030A0"/>
+                </a:solidFill>
+              </a:rPr>
+              <a:t>の予定</a:t>
+            </a:r>
+            <a:endParaRPr kumimoji="1" lang="en-US" altLang="ja-JP" sz="4000" smtClean="0">
+              <a:solidFill>
+                <a:srgbClr val="7030A0"/>
+              </a:solidFill>
+            </a:endParaRPr>
           </a:p>
         </p:txBody>
       </p:sp>
     </p:spTree>
     <p:extLst>
       <p:ext uri="{BB962C8B-B14F-4D97-AF65-F5344CB8AC3E}">
-        <p14:creationId xmlns:p14="http://schemas.microsoft.com/office/powerpoint/2010/main" val="508215717"/>
+        <p14:creationId xmlns:p14="http://schemas.microsoft.com/office/powerpoint/2010/main" val="3341590746"/>
       </p:ext>
     </p:extLst>
   </p:cSld>
   <p:clrMapOvr>
     <a:masterClrMapping/>
   </p:clrMapOvr>
+  <p:timing>
+    <p:tnLst>
+      <p:par>
+        <p:cTn id="1" dur="indefinite" restart="never" nodeType="tmRoot"/>
+      </p:par>
+    </p:tnLst>
+  </p:timing>
 </p:sld>
 </file>
 
@@ -6691,132 +7747,6 @@
           <a:p>
             <a:r>
               <a:rPr kumimoji="1" lang="ja-JP" altLang="en-US" smtClean="0"/>
-              <a:t>発表内容</a:t>
-            </a:r>
-            <a:endParaRPr kumimoji="1" lang="ja-JP" altLang="en-US"/>
-          </a:p>
-        </p:txBody>
-      </p:sp>
-      <p:sp>
-        <p:nvSpPr>
-          <p:cNvPr id="3" name="コンテンツ プレースホルダー 2"/>
-          <p:cNvSpPr>
-            <a:spLocks noGrp="1"/>
-          </p:cNvSpPr>
-          <p:nvPr>
-            <p:ph idx="1"/>
-          </p:nvPr>
-        </p:nvSpPr>
-        <p:spPr/>
-        <p:txBody>
-          <a:bodyPr>
-            <a:normAutofit/>
-          </a:bodyPr>
-          <a:lstStyle/>
-          <a:p>
-            <a:r>
-              <a:rPr kumimoji="1" lang="ja-JP" altLang="en-US" sz="4000" smtClean="0"/>
-              <a:t>研究背景</a:t>
-            </a:r>
-            <a:endParaRPr kumimoji="1" lang="en-US" altLang="ja-JP" sz="4000" smtClean="0"/>
-          </a:p>
-          <a:p>
-            <a:r>
-              <a:rPr lang="ja-JP" altLang="en-US" sz="4000"/>
-              <a:t>研究</a:t>
-            </a:r>
-            <a:r>
-              <a:rPr lang="ja-JP" altLang="en-US" sz="4000" smtClean="0"/>
-              <a:t>概要</a:t>
-            </a:r>
-            <a:endParaRPr lang="en-US" altLang="ja-JP" sz="4000" smtClean="0"/>
-          </a:p>
-          <a:p>
-            <a:r>
-              <a:rPr kumimoji="1" lang="ja-JP" altLang="en-US" sz="4000" smtClean="0"/>
-              <a:t>進捗状況</a:t>
-            </a:r>
-            <a:endParaRPr kumimoji="1" lang="en-US" altLang="ja-JP" sz="4000" smtClean="0"/>
-          </a:p>
-          <a:p>
-            <a:r>
-              <a:rPr lang="ja-JP" altLang="en-US" sz="4000"/>
-              <a:t>まとめ</a:t>
-            </a:r>
-            <a:endParaRPr kumimoji="1" lang="en-US" altLang="ja-JP" sz="4000" smtClean="0"/>
-          </a:p>
-          <a:p>
-            <a:r>
-              <a:rPr lang="ja-JP" altLang="en-US" sz="4000">
-                <a:solidFill>
-                  <a:srgbClr val="7030A0"/>
-                </a:solidFill>
-              </a:rPr>
-              <a:t>今後</a:t>
-            </a:r>
-            <a:r>
-              <a:rPr lang="ja-JP" altLang="en-US" sz="4000" smtClean="0">
-                <a:solidFill>
-                  <a:srgbClr val="7030A0"/>
-                </a:solidFill>
-              </a:rPr>
-              <a:t>の予定</a:t>
-            </a:r>
-            <a:endParaRPr kumimoji="1" lang="en-US" altLang="ja-JP" sz="4000" smtClean="0">
-              <a:solidFill>
-                <a:srgbClr val="7030A0"/>
-              </a:solidFill>
-            </a:endParaRPr>
-          </a:p>
-        </p:txBody>
-      </p:sp>
-    </p:spTree>
-    <p:extLst>
-      <p:ext uri="{BB962C8B-B14F-4D97-AF65-F5344CB8AC3E}">
-        <p14:creationId xmlns:p14="http://schemas.microsoft.com/office/powerpoint/2010/main" val="3341590746"/>
-      </p:ext>
-    </p:extLst>
-  </p:cSld>
-  <p:clrMapOvr>
-    <a:masterClrMapping/>
-  </p:clrMapOvr>
-</p:sld>
-</file>
-
-<file path=ppt/slides/slide22.xml><?xml version="1.0" encoding="utf-8"?>
-<p:sld xmlns:a="http://schemas.openxmlformats.org/drawingml/2006/main" xmlns:r="http://schemas.openxmlformats.org/officeDocument/2006/relationships" xmlns:p="http://schemas.openxmlformats.org/presentationml/2006/main">
-  <p:cSld>
-    <p:spTree>
-      <p:nvGrpSpPr>
-        <p:cNvPr id="1" name=""/>
-        <p:cNvGrpSpPr/>
-        <p:nvPr/>
-      </p:nvGrpSpPr>
-      <p:grpSpPr>
-        <a:xfrm>
-          <a:off x="0" y="0"/>
-          <a:ext cx="0" cy="0"/>
-          <a:chOff x="0" y="0"/>
-          <a:chExt cx="0" cy="0"/>
-        </a:xfrm>
-      </p:grpSpPr>
-      <p:sp>
-        <p:nvSpPr>
-          <p:cNvPr id="2" name="タイトル 1"/>
-          <p:cNvSpPr>
-            <a:spLocks noGrp="1"/>
-          </p:cNvSpPr>
-          <p:nvPr>
-            <p:ph type="title"/>
-          </p:nvPr>
-        </p:nvSpPr>
-        <p:spPr/>
-        <p:txBody>
-          <a:bodyPr/>
-          <a:lstStyle/>
-          <a:p>
-            <a:r>
-              <a:rPr kumimoji="1" lang="ja-JP" altLang="en-US" smtClean="0"/>
               <a:t>今後の予定</a:t>
             </a:r>
             <a:endParaRPr kumimoji="1" lang="ja-JP" altLang="en-US"/>
@@ -6852,6 +7782,13 @@
   <p:clrMapOvr>
     <a:masterClrMapping/>
   </p:clrMapOvr>
+  <p:timing>
+    <p:tnLst>
+      <p:par>
+        <p:cTn id="1" dur="indefinite" restart="never" nodeType="tmRoot"/>
+      </p:par>
+    </p:tnLst>
+  </p:timing>
 </p:sld>
 </file>
 
@@ -6888,10 +7825,18 @@
           <a:lstStyle/>
           <a:p>
             <a:r>
-              <a:rPr kumimoji="1" lang="ja-JP" altLang="en-US" smtClean="0"/>
-              <a:t>発表内容</a:t>
-            </a:r>
-            <a:endParaRPr kumimoji="1" lang="ja-JP" altLang="en-US"/>
+              <a:rPr kumimoji="1" lang="ja-JP" altLang="en-US" dirty="0" smtClean="0"/>
+              <a:t>研究背景</a:t>
+            </a:r>
+            <a:r>
+              <a:rPr kumimoji="1" lang="en-US" altLang="ja-JP" dirty="0" smtClean="0"/>
+              <a:t>(1/6</a:t>
+            </a:r>
+            <a:r>
+              <a:rPr kumimoji="1" lang="en-US" altLang="ja-JP" dirty="0" smtClean="0"/>
+              <a:t>)</a:t>
+            </a:r>
+            <a:endParaRPr kumimoji="1" lang="ja-JP" altLang="en-US" dirty="0"/>
           </a:p>
         </p:txBody>
       </p:sp>
@@ -6907,73 +7852,38 @@
         </p:nvSpPr>
         <p:spPr/>
         <p:txBody>
-          <a:bodyPr>
-            <a:normAutofit/>
-          </a:bodyPr>
-          <a:lstStyle/>
-          <a:p>
-            <a:r>
-              <a:rPr kumimoji="1" lang="ja-JP" altLang="en-US" sz="4000" smtClean="0">
-                <a:solidFill>
-                  <a:srgbClr val="7030A0"/>
-                </a:solidFill>
-              </a:rPr>
-              <a:t>研究背景</a:t>
-            </a:r>
-            <a:endParaRPr kumimoji="1" lang="en-US" altLang="ja-JP" sz="4000" smtClean="0">
-              <a:solidFill>
-                <a:srgbClr val="7030A0"/>
-              </a:solidFill>
-            </a:endParaRPr>
-          </a:p>
-          <a:p>
-            <a:r>
-              <a:rPr lang="ja-JP" altLang="en-US" sz="4000"/>
-              <a:t>研究</a:t>
-            </a:r>
-            <a:r>
-              <a:rPr lang="ja-JP" altLang="en-US" sz="4000" smtClean="0"/>
-              <a:t>概要</a:t>
-            </a:r>
-            <a:endParaRPr lang="en-US" altLang="ja-JP" sz="4000" smtClean="0"/>
-          </a:p>
-          <a:p>
-            <a:r>
-              <a:rPr kumimoji="1" lang="ja-JP" altLang="en-US" sz="4000" smtClean="0"/>
-              <a:t>進捗状況</a:t>
-            </a:r>
-            <a:endParaRPr kumimoji="1" lang="en-US" altLang="ja-JP" sz="4000" smtClean="0"/>
-          </a:p>
-          <a:p>
-            <a:r>
-              <a:rPr lang="ja-JP" altLang="en-US" sz="4000"/>
-              <a:t>まとめ</a:t>
-            </a:r>
-            <a:endParaRPr kumimoji="1" lang="en-US" altLang="ja-JP" sz="4000" smtClean="0"/>
-          </a:p>
-          <a:p>
-            <a:r>
-              <a:rPr lang="ja-JP" altLang="en-US" sz="4000"/>
-              <a:t>今後</a:t>
-            </a:r>
-            <a:r>
-              <a:rPr lang="ja-JP" altLang="en-US" sz="4000" smtClean="0"/>
-              <a:t>の予定</a:t>
-            </a:r>
-            <a:endParaRPr kumimoji="1" lang="en-US" altLang="ja-JP" sz="4000" smtClean="0"/>
+          <a:bodyPr/>
+          <a:lstStyle/>
+          <a:p>
+            <a:r>
+              <a:rPr lang="ja-JP" altLang="en-US" dirty="0" smtClean="0"/>
+              <a:t>モデリングとは？</a:t>
+            </a:r>
+            <a:endParaRPr lang="en-US" altLang="ja-JP" dirty="0" smtClean="0"/>
+          </a:p>
+          <a:p>
+            <a:pPr lvl="1"/>
+            <a:endParaRPr lang="en-US" altLang="ja-JP" dirty="0" smtClean="0"/>
           </a:p>
         </p:txBody>
       </p:sp>
     </p:spTree>
     <p:extLst>
       <p:ext uri="{BB962C8B-B14F-4D97-AF65-F5344CB8AC3E}">
-        <p14:creationId xmlns:p14="http://schemas.microsoft.com/office/powerpoint/2010/main" val="3341590746"/>
+        <p14:creationId xmlns:p14="http://schemas.microsoft.com/office/powerpoint/2010/main" val="809182572"/>
       </p:ext>
     </p:extLst>
   </p:cSld>
   <p:clrMapOvr>
     <a:masterClrMapping/>
   </p:clrMapOvr>
+  <p:timing>
+    <p:tnLst>
+      <p:par>
+        <p:cTn id="1" dur="indefinite" restart="never" nodeType="tmRoot"/>
+      </p:par>
+    </p:tnLst>
+  </p:timing>
 </p:sld>
 </file>
 
@@ -7010,33 +7920,578 @@
           <a:lstStyle/>
           <a:p>
             <a:r>
-              <a:rPr kumimoji="1" lang="ja-JP" altLang="en-US" smtClean="0"/>
+              <a:rPr kumimoji="1" lang="ja-JP" altLang="en-US" dirty="0" smtClean="0"/>
               <a:t>研究背景</a:t>
             </a:r>
             <a:r>
-              <a:rPr kumimoji="1" lang="en-US" altLang="ja-JP" smtClean="0"/>
-              <a:t>(1/6)</a:t>
-            </a:r>
+              <a:rPr kumimoji="1" lang="en-US" altLang="ja-JP" dirty="0" smtClean="0"/>
+              <a:t>(2/6</a:t>
+            </a:r>
+            <a:r>
+              <a:rPr kumimoji="1" lang="en-US" altLang="ja-JP" dirty="0" smtClean="0"/>
+              <a:t>)</a:t>
+            </a:r>
+            <a:endParaRPr kumimoji="1" lang="ja-JP" altLang="en-US" dirty="0"/>
+          </a:p>
+        </p:txBody>
+      </p:sp>
+      <p:sp>
+        <p:nvSpPr>
+          <p:cNvPr id="3" name="コンテンツ プレースホルダー 2"/>
+          <p:cNvSpPr>
+            <a:spLocks noGrp="1"/>
+          </p:cNvSpPr>
+          <p:nvPr>
+            <p:ph idx="1"/>
+          </p:nvPr>
+        </p:nvSpPr>
+        <p:spPr/>
+        <p:txBody>
+          <a:bodyPr>
+            <a:normAutofit/>
+          </a:bodyPr>
+          <a:lstStyle/>
+          <a:p>
+            <a:r>
+              <a:rPr lang="ja-JP" altLang="en-US" sz="3200" dirty="0" smtClean="0"/>
+              <a:t> </a:t>
+            </a:r>
+            <a:r>
+              <a:rPr lang="ja-JP" altLang="en-US" sz="2800" dirty="0"/>
+              <a:t>組込みシステムの先端的モデルベース開発実態</a:t>
+            </a:r>
+            <a:r>
+              <a:rPr lang="ja-JP" altLang="en-US" sz="2800" dirty="0" smtClean="0"/>
+              <a:t>調査（</a:t>
+            </a:r>
+            <a:r>
+              <a:rPr lang="en-US" altLang="ja-JP" sz="2800" dirty="0" smtClean="0"/>
+              <a:t>2012</a:t>
+            </a:r>
+            <a:r>
+              <a:rPr lang="ja-JP" altLang="en-US" sz="2800" dirty="0" smtClean="0"/>
+              <a:t>年発表）</a:t>
+            </a:r>
+            <a:endParaRPr lang="en-US" altLang="ja-JP" sz="2800" dirty="0" smtClean="0"/>
+          </a:p>
+          <a:p>
+            <a:pPr lvl="1"/>
+            <a:r>
+              <a:rPr lang="ja-JP" altLang="en-US" sz="2800" dirty="0" smtClean="0"/>
+              <a:t>傾向</a:t>
+            </a:r>
+            <a:r>
+              <a:rPr lang="en-US" altLang="ja-JP" sz="2800" dirty="0" smtClean="0"/>
+              <a:t>1</a:t>
+            </a:r>
+          </a:p>
+          <a:p>
+            <a:pPr marL="274320" lvl="1" indent="0">
+              <a:buNone/>
+            </a:pPr>
+            <a:endParaRPr lang="en-US" altLang="ja-JP" sz="2800" dirty="0" smtClean="0"/>
+          </a:p>
+          <a:p>
+            <a:pPr lvl="1"/>
+            <a:endParaRPr lang="en-US" altLang="ja-JP" sz="2800" dirty="0"/>
+          </a:p>
+          <a:p>
+            <a:pPr lvl="1"/>
+            <a:endParaRPr lang="en-US" altLang="ja-JP" sz="2800" dirty="0" smtClean="0"/>
+          </a:p>
+          <a:p>
+            <a:pPr lvl="1"/>
+            <a:r>
+              <a:rPr lang="ja-JP" altLang="en-US" sz="2800" dirty="0" smtClean="0"/>
+              <a:t>傾向</a:t>
+            </a:r>
+            <a:r>
+              <a:rPr lang="en-US" altLang="ja-JP" sz="2800" dirty="0" smtClean="0"/>
+              <a:t>2</a:t>
+            </a:r>
+          </a:p>
+          <a:p>
+            <a:pPr marL="274320" lvl="1" indent="0">
+              <a:buNone/>
+            </a:pPr>
+            <a:endParaRPr lang="en-US" altLang="ja-JP" sz="2800" dirty="0" smtClean="0"/>
+          </a:p>
+        </p:txBody>
+      </p:sp>
+      <p:sp>
+        <p:nvSpPr>
+          <p:cNvPr id="4" name="角丸四角形 3"/>
+          <p:cNvSpPr/>
+          <p:nvPr/>
+        </p:nvSpPr>
+        <p:spPr>
+          <a:xfrm>
+            <a:off x="1043608" y="3212976"/>
+            <a:ext cx="3096344" cy="1296144"/>
+          </a:xfrm>
+          <a:prstGeom prst="roundRect">
+            <a:avLst/>
+          </a:prstGeom>
+        </p:spPr>
+        <p:style>
+          <a:lnRef idx="1">
+            <a:schemeClr val="accent5"/>
+          </a:lnRef>
+          <a:fillRef idx="3">
+            <a:schemeClr val="accent5"/>
+          </a:fillRef>
+          <a:effectRef idx="2">
+            <a:schemeClr val="accent5"/>
+          </a:effectRef>
+          <a:fontRef idx="minor">
+            <a:schemeClr val="lt1"/>
+          </a:fontRef>
+        </p:style>
+        <p:txBody>
+          <a:bodyPr rtlCol="0" anchor="ctr"/>
+          <a:lstStyle/>
+          <a:p>
+            <a:pPr algn="ctr"/>
+            <a:r>
+              <a:rPr lang="ja-JP" altLang="en-US" dirty="0" smtClean="0"/>
+              <a:t>製品ノウハウ</a:t>
+            </a:r>
+            <a:r>
+              <a:rPr lang="en-US" altLang="ja-JP" dirty="0" smtClean="0"/>
+              <a:t>:</a:t>
+            </a:r>
+            <a:r>
+              <a:rPr lang="ja-JP" altLang="en-US" dirty="0" smtClean="0"/>
+              <a:t>低</a:t>
+            </a:r>
+            <a:endParaRPr lang="en-US" altLang="ja-JP" dirty="0" smtClean="0"/>
+          </a:p>
+          <a:p>
+            <a:pPr algn="ctr"/>
+            <a:r>
+              <a:rPr lang="ja-JP" altLang="en-US" dirty="0" smtClean="0"/>
+              <a:t>モデリング技術</a:t>
+            </a:r>
+            <a:r>
+              <a:rPr lang="en-US" altLang="ja-JP" dirty="0" smtClean="0"/>
+              <a:t>:</a:t>
+            </a:r>
+            <a:r>
+              <a:rPr lang="ja-JP" altLang="en-US" dirty="0" smtClean="0"/>
+              <a:t>高</a:t>
+            </a:r>
+            <a:endParaRPr lang="en-US" altLang="ja-JP" dirty="0" smtClean="0"/>
+          </a:p>
+          <a:p>
+            <a:pPr algn="ctr"/>
+            <a:r>
+              <a:rPr lang="ja-JP" altLang="en-US" sz="3200" dirty="0" smtClean="0"/>
+              <a:t>若手技術者</a:t>
+            </a:r>
+            <a:endParaRPr lang="en-US" altLang="ja-JP" sz="3200" dirty="0" smtClean="0"/>
+          </a:p>
+        </p:txBody>
+      </p:sp>
+      <p:sp>
+        <p:nvSpPr>
+          <p:cNvPr id="5" name="角丸四角形 4"/>
+          <p:cNvSpPr/>
+          <p:nvPr/>
+        </p:nvSpPr>
+        <p:spPr>
+          <a:xfrm>
+            <a:off x="5004048" y="3212976"/>
+            <a:ext cx="3168352" cy="1296144"/>
+          </a:xfrm>
+          <a:prstGeom prst="roundRect">
+            <a:avLst/>
+          </a:prstGeom>
+          <a:ln/>
+        </p:spPr>
+        <p:style>
+          <a:lnRef idx="1">
+            <a:schemeClr val="accent5"/>
+          </a:lnRef>
+          <a:fillRef idx="3">
+            <a:schemeClr val="accent5"/>
+          </a:fillRef>
+          <a:effectRef idx="2">
+            <a:schemeClr val="accent5"/>
+          </a:effectRef>
+          <a:fontRef idx="minor">
+            <a:schemeClr val="lt1"/>
+          </a:fontRef>
+        </p:style>
+        <p:txBody>
+          <a:bodyPr rtlCol="0" anchor="ctr"/>
+          <a:lstStyle/>
+          <a:p>
+            <a:pPr algn="ctr"/>
+            <a:r>
+              <a:rPr lang="ja-JP" altLang="en-US" dirty="0" smtClean="0"/>
+              <a:t>製品ノウハウ</a:t>
+            </a:r>
+            <a:r>
+              <a:rPr lang="en-US" altLang="ja-JP" dirty="0" smtClean="0"/>
+              <a:t>:</a:t>
+            </a:r>
+            <a:r>
+              <a:rPr lang="ja-JP" altLang="en-US" dirty="0"/>
+              <a:t>高</a:t>
+            </a:r>
+            <a:endParaRPr lang="en-US" altLang="ja-JP" dirty="0" smtClean="0"/>
+          </a:p>
+          <a:p>
+            <a:pPr algn="ctr"/>
+            <a:r>
+              <a:rPr lang="ja-JP" altLang="en-US" dirty="0" smtClean="0"/>
+              <a:t>モデリング技術</a:t>
+            </a:r>
+            <a:r>
+              <a:rPr lang="en-US" altLang="ja-JP" dirty="0" smtClean="0"/>
+              <a:t>:</a:t>
+            </a:r>
+            <a:r>
+              <a:rPr lang="ja-JP" altLang="en-US" dirty="0" smtClean="0"/>
+              <a:t>低</a:t>
+            </a:r>
+            <a:endParaRPr lang="en-US" altLang="ja-JP" dirty="0" smtClean="0"/>
+          </a:p>
+          <a:p>
+            <a:pPr algn="ctr"/>
+            <a:r>
+              <a:rPr lang="ja-JP" altLang="en-US" sz="3200" dirty="0"/>
+              <a:t>ベテラン</a:t>
+            </a:r>
+            <a:r>
+              <a:rPr lang="ja-JP" altLang="en-US" sz="3200" dirty="0" smtClean="0"/>
+              <a:t>技術者</a:t>
+            </a:r>
+            <a:endParaRPr lang="en-US" altLang="ja-JP" sz="3200" dirty="0" smtClean="0"/>
+          </a:p>
+        </p:txBody>
+      </p:sp>
+      <p:sp>
+        <p:nvSpPr>
+          <p:cNvPr id="6" name="左右矢印 5"/>
+          <p:cNvSpPr/>
+          <p:nvPr/>
+        </p:nvSpPr>
+        <p:spPr>
+          <a:xfrm>
+            <a:off x="4211960" y="3717032"/>
+            <a:ext cx="720080" cy="360040"/>
+          </a:xfrm>
+          <a:prstGeom prst="leftRightArrow">
+            <a:avLst/>
+          </a:prstGeom>
+        </p:spPr>
+        <p:style>
+          <a:lnRef idx="2">
+            <a:schemeClr val="accent1">
+              <a:shade val="50000"/>
+            </a:schemeClr>
+          </a:lnRef>
+          <a:fillRef idx="1">
+            <a:schemeClr val="accent1"/>
+          </a:fillRef>
+          <a:effectRef idx="0">
+            <a:schemeClr val="accent1"/>
+          </a:effectRef>
+          <a:fontRef idx="minor">
+            <a:schemeClr val="lt1"/>
+          </a:fontRef>
+        </p:style>
+        <p:txBody>
+          <a:bodyPr rtlCol="0" anchor="ctr"/>
+          <a:lstStyle/>
+          <a:p>
+            <a:pPr algn="ctr"/>
             <a:endParaRPr kumimoji="1" lang="ja-JP" altLang="en-US"/>
           </a:p>
         </p:txBody>
       </p:sp>
       <p:sp>
         <p:nvSpPr>
-          <p:cNvPr id="3" name="コンテンツ プレースホルダー 2"/>
-          <p:cNvSpPr>
-            <a:spLocks noGrp="1"/>
-          </p:cNvSpPr>
-          <p:nvPr>
-            <p:ph idx="1"/>
-          </p:nvPr>
-        </p:nvSpPr>
-        <p:spPr/>
-        <p:txBody>
-          <a:bodyPr/>
-          <a:lstStyle/>
-          <a:p>
+          <p:cNvPr id="8" name="角丸四角形 7"/>
+          <p:cNvSpPr/>
+          <p:nvPr/>
+        </p:nvSpPr>
+        <p:spPr>
+          <a:xfrm>
+            <a:off x="1043608" y="5229200"/>
+            <a:ext cx="3096344" cy="1296144"/>
+          </a:xfrm>
+          <a:prstGeom prst="roundRect">
+            <a:avLst/>
+          </a:prstGeom>
+        </p:spPr>
+        <p:style>
+          <a:lnRef idx="1">
+            <a:schemeClr val="accent5"/>
+          </a:lnRef>
+          <a:fillRef idx="3">
+            <a:schemeClr val="accent5"/>
+          </a:fillRef>
+          <a:effectRef idx="2">
+            <a:schemeClr val="accent5"/>
+          </a:effectRef>
+          <a:fontRef idx="minor">
+            <a:schemeClr val="lt1"/>
+          </a:fontRef>
+        </p:style>
+        <p:txBody>
+          <a:bodyPr rtlCol="0" anchor="ctr"/>
+          <a:lstStyle/>
+          <a:p>
+            <a:pPr algn="ctr"/>
+            <a:r>
+              <a:rPr lang="ja-JP" altLang="en-US" dirty="0" smtClean="0"/>
+              <a:t>ソフトウェアエンジニア教育</a:t>
+            </a:r>
+            <a:endParaRPr lang="en-US" altLang="ja-JP" dirty="0" smtClean="0"/>
+          </a:p>
+          <a:p>
+            <a:pPr algn="ctr"/>
+            <a:r>
+              <a:rPr lang="ja-JP" altLang="en-US" sz="3200" dirty="0"/>
+              <a:t>高等教育機関</a:t>
+            </a:r>
+            <a:endParaRPr lang="en-US" altLang="ja-JP" sz="3200" dirty="0" smtClean="0"/>
+          </a:p>
+        </p:txBody>
+      </p:sp>
+      <p:sp>
+        <p:nvSpPr>
+          <p:cNvPr id="9" name="角丸四角形 8"/>
+          <p:cNvSpPr/>
+          <p:nvPr/>
+        </p:nvSpPr>
+        <p:spPr>
+          <a:xfrm>
+            <a:off x="5004048" y="5229200"/>
+            <a:ext cx="3168352" cy="1296144"/>
+          </a:xfrm>
+          <a:prstGeom prst="roundRect">
+            <a:avLst/>
+          </a:prstGeom>
+          <a:ln/>
+        </p:spPr>
+        <p:style>
+          <a:lnRef idx="1">
+            <a:schemeClr val="accent5"/>
+          </a:lnRef>
+          <a:fillRef idx="3">
+            <a:schemeClr val="accent5"/>
+          </a:fillRef>
+          <a:effectRef idx="2">
+            <a:schemeClr val="accent5"/>
+          </a:effectRef>
+          <a:fontRef idx="minor">
+            <a:schemeClr val="lt1"/>
+          </a:fontRef>
+        </p:style>
+        <p:txBody>
+          <a:bodyPr rtlCol="0" anchor="ctr"/>
+          <a:lstStyle/>
+          <a:p>
+            <a:pPr algn="ctr"/>
+            <a:r>
+              <a:rPr lang="ja-JP" altLang="en-US" dirty="0" smtClean="0"/>
+              <a:t>組込みシステム開発者教育</a:t>
+            </a:r>
+          </a:p>
+          <a:p>
+            <a:pPr algn="ctr"/>
+            <a:r>
+              <a:rPr lang="ja-JP" altLang="en-US" sz="3200" dirty="0" smtClean="0"/>
+              <a:t>企業</a:t>
+            </a:r>
+            <a:endParaRPr lang="en-US" altLang="ja-JP" sz="3200" dirty="0" smtClean="0"/>
+          </a:p>
+        </p:txBody>
+      </p:sp>
+      <p:sp>
+        <p:nvSpPr>
+          <p:cNvPr id="10" name="左右矢印 9"/>
+          <p:cNvSpPr/>
+          <p:nvPr/>
+        </p:nvSpPr>
+        <p:spPr>
+          <a:xfrm>
+            <a:off x="4211960" y="5733256"/>
+            <a:ext cx="720080" cy="360040"/>
+          </a:xfrm>
+          <a:prstGeom prst="leftRightArrow">
+            <a:avLst/>
+          </a:prstGeom>
+        </p:spPr>
+        <p:style>
+          <a:lnRef idx="2">
+            <a:schemeClr val="accent1">
+              <a:shade val="50000"/>
+            </a:schemeClr>
+          </a:lnRef>
+          <a:fillRef idx="1">
+            <a:schemeClr val="accent1"/>
+          </a:fillRef>
+          <a:effectRef idx="0">
+            <a:schemeClr val="accent1"/>
+          </a:effectRef>
+          <a:fontRef idx="minor">
+            <a:schemeClr val="lt1"/>
+          </a:fontRef>
+        </p:style>
+        <p:txBody>
+          <a:bodyPr rtlCol="0" anchor="ctr"/>
+          <a:lstStyle/>
+          <a:p>
+            <a:pPr algn="ctr"/>
             <a:endParaRPr kumimoji="1" lang="ja-JP" altLang="en-US"/>
+          </a:p>
+        </p:txBody>
+      </p:sp>
+      <p:sp>
+        <p:nvSpPr>
+          <p:cNvPr id="12" name="線吹き出し 1 (枠付き) 11"/>
+          <p:cNvSpPr/>
+          <p:nvPr/>
+        </p:nvSpPr>
+        <p:spPr>
+          <a:xfrm>
+            <a:off x="5232933" y="4653136"/>
+            <a:ext cx="3672408" cy="504056"/>
+          </a:xfrm>
+          <a:prstGeom prst="borderCallout1">
+            <a:avLst>
+              <a:gd name="adj1" fmla="val 51733"/>
+              <a:gd name="adj2" fmla="val -152"/>
+              <a:gd name="adj3" fmla="val 127213"/>
+              <a:gd name="adj4" fmla="val -16629"/>
+            </a:avLst>
+          </a:prstGeom>
+          <a:gradFill flip="none" rotWithShape="1">
+            <a:gsLst>
+              <a:gs pos="0">
+                <a:schemeClr val="lt1">
+                  <a:shade val="30000"/>
+                  <a:satMod val="115000"/>
+                </a:schemeClr>
+              </a:gs>
+              <a:gs pos="50000">
+                <a:schemeClr val="lt1">
+                  <a:shade val="67500"/>
+                  <a:satMod val="115000"/>
+                </a:schemeClr>
+              </a:gs>
+              <a:gs pos="100000">
+                <a:schemeClr val="lt1">
+                  <a:shade val="100000"/>
+                  <a:satMod val="115000"/>
+                </a:schemeClr>
+              </a:gs>
+            </a:gsLst>
+            <a:lin ang="13500000" scaled="1"/>
+            <a:tileRect/>
+          </a:gradFill>
+          <a:ln/>
+        </p:spPr>
+        <p:style>
+          <a:lnRef idx="2">
+            <a:schemeClr val="accent4"/>
+          </a:lnRef>
+          <a:fillRef idx="1">
+            <a:schemeClr val="lt1"/>
+          </a:fillRef>
+          <a:effectRef idx="0">
+            <a:schemeClr val="accent4"/>
+          </a:effectRef>
+          <a:fontRef idx="minor">
+            <a:schemeClr val="dk1"/>
+          </a:fontRef>
+        </p:style>
+        <p:txBody>
+          <a:bodyPr rtlCol="0" anchor="ctr"/>
+          <a:lstStyle/>
+          <a:p>
+            <a:pPr algn="ctr"/>
+            <a:r>
+              <a:rPr lang="ja-JP" altLang="en-US" sz="2800" dirty="0" smtClean="0"/>
+              <a:t>教育内容に剥離</a:t>
+            </a:r>
+            <a:endParaRPr kumimoji="1" lang="ja-JP" altLang="en-US" sz="2800" dirty="0"/>
+          </a:p>
+        </p:txBody>
+      </p:sp>
+      <p:sp>
+        <p:nvSpPr>
+          <p:cNvPr id="13" name="線吹き出し 1 (枠付き) 12"/>
+          <p:cNvSpPr/>
+          <p:nvPr/>
+        </p:nvSpPr>
+        <p:spPr>
+          <a:xfrm>
+            <a:off x="5220072" y="2636912"/>
+            <a:ext cx="3672408" cy="504056"/>
+          </a:xfrm>
+          <a:prstGeom prst="borderCallout1">
+            <a:avLst>
+              <a:gd name="adj1" fmla="val 51733"/>
+              <a:gd name="adj2" fmla="val -152"/>
+              <a:gd name="adj3" fmla="val 137580"/>
+              <a:gd name="adj4" fmla="val -15562"/>
+            </a:avLst>
+          </a:prstGeom>
+          <a:gradFill flip="none" rotWithShape="1">
+            <a:gsLst>
+              <a:gs pos="0">
+                <a:schemeClr val="lt1">
+                  <a:shade val="30000"/>
+                  <a:satMod val="115000"/>
+                </a:schemeClr>
+              </a:gs>
+              <a:gs pos="50000">
+                <a:schemeClr val="lt1">
+                  <a:shade val="67500"/>
+                  <a:satMod val="115000"/>
+                </a:schemeClr>
+              </a:gs>
+              <a:gs pos="100000">
+                <a:schemeClr val="lt1">
+                  <a:shade val="100000"/>
+                  <a:satMod val="115000"/>
+                </a:schemeClr>
+              </a:gs>
+            </a:gsLst>
+            <a:lin ang="13500000" scaled="1"/>
+            <a:tileRect/>
+          </a:gradFill>
+          <a:ln/>
+        </p:spPr>
+        <p:style>
+          <a:lnRef idx="2">
+            <a:schemeClr val="accent4"/>
+          </a:lnRef>
+          <a:fillRef idx="1">
+            <a:schemeClr val="lt1"/>
+          </a:fillRef>
+          <a:effectRef idx="0">
+            <a:schemeClr val="accent4"/>
+          </a:effectRef>
+          <a:fontRef idx="minor">
+            <a:schemeClr val="dk1"/>
+          </a:fontRef>
+        </p:style>
+        <p:txBody>
+          <a:bodyPr rtlCol="0" anchor="ctr"/>
+          <a:lstStyle/>
+          <a:p>
+            <a:pPr algn="ctr"/>
+            <a:r>
+              <a:rPr lang="ja-JP" altLang="en-US" sz="2800" dirty="0" smtClean="0"/>
+              <a:t>教育コストの増加</a:t>
+            </a:r>
+            <a:endParaRPr kumimoji="1" lang="ja-JP" altLang="en-US" sz="2800" dirty="0"/>
           </a:p>
         </p:txBody>
       </p:sp>
@@ -7050,6 +8505,146 @@
   <p:clrMapOvr>
     <a:masterClrMapping/>
   </p:clrMapOvr>
+  <p:timing>
+    <p:tnLst>
+      <p:par>
+        <p:cTn id="1" dur="indefinite" restart="never" nodeType="tmRoot">
+          <p:childTnLst>
+            <p:seq concurrent="1" nextAc="seek">
+              <p:cTn id="2" dur="indefinite" nodeType="mainSeq">
+                <p:childTnLst>
+                  <p:par>
+                    <p:cTn id="3" fill="hold">
+                      <p:stCondLst>
+                        <p:cond delay="indefinite"/>
+                      </p:stCondLst>
+                      <p:childTnLst>
+                        <p:par>
+                          <p:cTn id="4" fill="hold">
+                            <p:stCondLst>
+                              <p:cond delay="0"/>
+                            </p:stCondLst>
+                            <p:childTnLst>
+                              <p:par>
+                                <p:cTn id="5" presetID="10" presetClass="entr" presetSubtype="0" fill="hold" grpId="0" nodeType="clickEffect">
+                                  <p:stCondLst>
+                                    <p:cond delay="0"/>
+                                  </p:stCondLst>
+                                  <p:childTnLst>
+                                    <p:set>
+                                      <p:cBhvr>
+                                        <p:cTn id="6" dur="1" fill="hold">
+                                          <p:stCondLst>
+                                            <p:cond delay="0"/>
+                                          </p:stCondLst>
+                                        </p:cTn>
+                                        <p:tgtEl>
+                                          <p:spTgt spid="13"/>
+                                        </p:tgtEl>
+                                        <p:attrNameLst>
+                                          <p:attrName>style.visibility</p:attrName>
+                                        </p:attrNameLst>
+                                      </p:cBhvr>
+                                      <p:to>
+                                        <p:strVal val="visible"/>
+                                      </p:to>
+                                    </p:set>
+                                    <p:animEffect transition="in" filter="fade">
+                                      <p:cBhvr>
+                                        <p:cTn id="7" dur="500"/>
+                                        <p:tgtEl>
+                                          <p:spTgt spid="13"/>
+                                        </p:tgtEl>
+                                      </p:cBhvr>
+                                    </p:animEffect>
+                                  </p:childTnLst>
+                                </p:cTn>
+                              </p:par>
+                            </p:childTnLst>
+                          </p:cTn>
+                        </p:par>
+                      </p:childTnLst>
+                    </p:cTn>
+                  </p:par>
+                  <p:par>
+                    <p:cTn id="8" fill="hold">
+                      <p:stCondLst>
+                        <p:cond delay="indefinite"/>
+                      </p:stCondLst>
+                      <p:childTnLst>
+                        <p:par>
+                          <p:cTn id="9" fill="hold">
+                            <p:stCondLst>
+                              <p:cond delay="0"/>
+                            </p:stCondLst>
+                            <p:childTnLst>
+                              <p:par>
+                                <p:cTn id="10" presetID="10" presetClass="entr" presetSubtype="0" fill="hold" grpId="0" nodeType="clickEffect">
+                                  <p:stCondLst>
+                                    <p:cond delay="0"/>
+                                  </p:stCondLst>
+                                  <p:childTnLst>
+                                    <p:set>
+                                      <p:cBhvr>
+                                        <p:cTn id="11" dur="1" fill="hold">
+                                          <p:stCondLst>
+                                            <p:cond delay="0"/>
+                                          </p:stCondLst>
+                                        </p:cTn>
+                                        <p:tgtEl>
+                                          <p:spTgt spid="12"/>
+                                        </p:tgtEl>
+                                        <p:attrNameLst>
+                                          <p:attrName>style.visibility</p:attrName>
+                                        </p:attrNameLst>
+                                      </p:cBhvr>
+                                      <p:to>
+                                        <p:strVal val="visible"/>
+                                      </p:to>
+                                    </p:set>
+                                    <p:animEffect transition="in" filter="fade">
+                                      <p:cBhvr>
+                                        <p:cTn id="12" dur="500"/>
+                                        <p:tgtEl>
+                                          <p:spTgt spid="12"/>
+                                        </p:tgtEl>
+                                      </p:cBhvr>
+                                    </p:animEffect>
+                                  </p:childTnLst>
+                                </p:cTn>
+                              </p:par>
+                            </p:childTnLst>
+                          </p:cTn>
+                        </p:par>
+                      </p:childTnLst>
+                    </p:cTn>
+                  </p:par>
+                </p:childTnLst>
+              </p:cTn>
+              <p:prevCondLst>
+                <p:cond evt="onPrev" delay="0">
+                  <p:tgtEl>
+                    <p:sldTgt/>
+                  </p:tgtEl>
+                </p:cond>
+              </p:prevCondLst>
+              <p:nextCondLst>
+                <p:cond evt="onNext" delay="0">
+                  <p:tgtEl>
+                    <p:sldTgt/>
+                  </p:tgtEl>
+                </p:cond>
+              </p:nextCondLst>
+            </p:seq>
+          </p:childTnLst>
+        </p:cTn>
+      </p:par>
+    </p:tnLst>
+    <p:bldLst>
+      <p:bldP spid="12" grpId="0" animBg="1"/>
+      <p:bldP spid="13" grpId="0" animBg="1"/>
+    </p:bldLst>
+  </p:timing>
 </p:sld>
 </file>
 
@@ -7091,7 +8686,7 @@
             </a:r>
             <a:r>
               <a:rPr kumimoji="1" lang="en-US" altLang="ja-JP" smtClean="0"/>
-              <a:t>(2/6)</a:t>
+              <a:t>(3/6)</a:t>
             </a:r>
             <a:endParaRPr kumimoji="1" lang="ja-JP" altLang="en-US"/>
           </a:p>
@@ -7112,20 +8707,89 @@
           <a:bodyPr/>
           <a:lstStyle/>
           <a:p>
-            <a:endParaRPr kumimoji="1" lang="ja-JP" altLang="en-US"/>
+            <a:r>
+              <a:rPr kumimoji="1" lang="ja-JP" altLang="en-US" dirty="0" smtClean="0"/>
+              <a:t>組込みシステム開発においてモデルベース開発は</a:t>
+            </a:r>
+            <a:r>
+              <a:rPr kumimoji="1" lang="en-US" altLang="ja-JP" dirty="0" smtClean="0"/>
+              <a:t>…</a:t>
+            </a:r>
+            <a:endParaRPr lang="en-US" altLang="ja-JP" dirty="0" smtClean="0"/>
+          </a:p>
+          <a:p>
+            <a:endParaRPr kumimoji="1" lang="en-US" altLang="ja-JP" dirty="0"/>
+          </a:p>
+          <a:p>
+            <a:r>
+              <a:rPr lang="ja-JP" altLang="en-US" dirty="0" smtClean="0"/>
+              <a:t>組込みシステム開発に対応したモデリング教育が必要</a:t>
+            </a:r>
+            <a:endParaRPr lang="en-US" altLang="ja-JP" dirty="0" smtClean="0"/>
+          </a:p>
+          <a:p>
+            <a:r>
+              <a:rPr kumimoji="1" lang="ja-JP" altLang="en-US" dirty="0" smtClean="0"/>
+              <a:t>しかし</a:t>
+            </a:r>
+            <a:endParaRPr kumimoji="1" lang="en-US" altLang="ja-JP" dirty="0" smtClean="0"/>
+          </a:p>
+          <a:p>
+            <a:r>
+              <a:rPr kumimoji="1" lang="ja-JP" altLang="en-US" dirty="0" smtClean="0"/>
+              <a:t>モデリング有識者が少なく、良いモデルは出回らない</a:t>
+            </a:r>
+            <a:endParaRPr kumimoji="1" lang="en-US" altLang="ja-JP" dirty="0" smtClean="0"/>
+          </a:p>
+          <a:p>
+            <a:r>
+              <a:rPr lang="ja-JP" altLang="en-US" dirty="0"/>
+              <a:t>そこ</a:t>
+            </a:r>
+            <a:r>
+              <a:rPr lang="ja-JP" altLang="en-US" dirty="0" smtClean="0"/>
+              <a:t>で</a:t>
+            </a:r>
+            <a:endParaRPr lang="en-US" altLang="ja-JP" dirty="0" smtClean="0"/>
+          </a:p>
+          <a:p>
+            <a:r>
+              <a:rPr kumimoji="1" lang="en-US" altLang="ja-JP" dirty="0" smtClean="0"/>
+              <a:t>UMTP Japan</a:t>
+            </a:r>
+            <a:r>
+              <a:rPr kumimoji="1" lang="ja-JP" altLang="en-US" dirty="0" smtClean="0"/>
+              <a:t>が</a:t>
+            </a:r>
+            <a:r>
+              <a:rPr kumimoji="1" lang="en-US" altLang="ja-JP" dirty="0" smtClean="0"/>
+              <a:t>UML</a:t>
+            </a:r>
+            <a:r>
+              <a:rPr kumimoji="1" lang="ja-JP" altLang="en-US" dirty="0" smtClean="0"/>
+              <a:t>モデルカタログを発表</a:t>
+            </a:r>
+            <a:endParaRPr kumimoji="1" lang="en-US" altLang="ja-JP" dirty="0" smtClean="0"/>
           </a:p>
         </p:txBody>
       </p:sp>
     </p:spTree>
     <p:extLst>
       <p:ext uri="{BB962C8B-B14F-4D97-AF65-F5344CB8AC3E}">
-        <p14:creationId xmlns:p14="http://schemas.microsoft.com/office/powerpoint/2010/main" val="2948212571"/>
+        <p14:creationId xmlns:p14="http://schemas.microsoft.com/office/powerpoint/2010/main" val="3251861327"/>
       </p:ext>
     </p:extLst>
   </p:cSld>
   <p:clrMapOvr>
     <a:masterClrMapping/>
   </p:clrMapOvr>
+  <p:timing>
+    <p:tnLst>
+      <p:par>
+        <p:cTn id="1" dur="indefinite" restart="never" nodeType="tmRoot"/>
+      </p:par>
+    </p:tnLst>
+  </p:timing>
 </p:sld>
 </file>
 
@@ -7167,7 +8831,7 @@
             </a:r>
             <a:r>
               <a:rPr kumimoji="1" lang="en-US" altLang="ja-JP" smtClean="0"/>
-              <a:t>(3/6)</a:t>
+              <a:t>(4/6)</a:t>
             </a:r>
             <a:endParaRPr kumimoji="1" lang="ja-JP" altLang="en-US"/>
           </a:p>
@@ -7188,20 +8852,165 @@
           <a:bodyPr/>
           <a:lstStyle/>
           <a:p>
-            <a:endParaRPr kumimoji="1" lang="ja-JP" altLang="en-US"/>
+            <a:r>
+              <a:rPr kumimoji="1" lang="en-US" altLang="ja-JP" dirty="0" smtClean="0"/>
+              <a:t>UML</a:t>
+            </a:r>
+            <a:r>
+              <a:rPr kumimoji="1" lang="ja-JP" altLang="en-US" dirty="0" smtClean="0"/>
+              <a:t>モデルカタログとは？</a:t>
+            </a:r>
+            <a:endParaRPr kumimoji="1" lang="en-US" altLang="ja-JP" dirty="0" smtClean="0"/>
+          </a:p>
+          <a:p>
+            <a:r>
+              <a:rPr kumimoji="1" lang="en-US" altLang="ja-JP" dirty="0" smtClean="0"/>
+              <a:t>UMTP Japan</a:t>
+            </a:r>
+            <a:r>
+              <a:rPr kumimoji="1" lang="ja-JP" altLang="en-US" dirty="0" smtClean="0"/>
+              <a:t>（</a:t>
+            </a:r>
+            <a:r>
+              <a:rPr lang="ja-JP" altLang="ja-JP" dirty="0"/>
+              <a:t>特定非営利活動法人</a:t>
+            </a:r>
+            <a:r>
+              <a:rPr lang="en-US" altLang="ja-JP" dirty="0"/>
+              <a:t>UML</a:t>
+            </a:r>
+            <a:r>
+              <a:rPr lang="ja-JP" altLang="ja-JP" dirty="0"/>
+              <a:t>モデリング推進協議会</a:t>
+            </a:r>
+            <a:r>
+              <a:rPr kumimoji="1" lang="ja-JP" altLang="en-US" dirty="0" smtClean="0"/>
+              <a:t>）</a:t>
+            </a:r>
+            <a:endParaRPr kumimoji="1" lang="en-US" altLang="ja-JP" dirty="0" smtClean="0"/>
+          </a:p>
+          <a:p>
+            <a:pPr lvl="1"/>
+            <a:endParaRPr kumimoji="1" lang="en-US" altLang="ja-JP" dirty="0" smtClean="0"/>
+          </a:p>
+          <a:p>
+            <a:pPr lvl="1"/>
+            <a:r>
+              <a:rPr lang="ja-JP" altLang="en-US" sz="2400" dirty="0" smtClean="0"/>
+              <a:t>モデリング</a:t>
+            </a:r>
+            <a:r>
+              <a:rPr lang="ja-JP" altLang="en-US" sz="2400" dirty="0"/>
+              <a:t>技術の普及とモデル共有に向けた活動を</a:t>
+            </a:r>
+            <a:r>
+              <a:rPr lang="ja-JP" altLang="en-US" sz="2400" dirty="0" smtClean="0"/>
+              <a:t>展開</a:t>
+            </a:r>
+            <a:endParaRPr lang="en-US" altLang="ja-JP" sz="2400" dirty="0"/>
+          </a:p>
+          <a:p>
+            <a:pPr lvl="1"/>
+            <a:r>
+              <a:rPr lang="ja-JP" altLang="en-US" sz="2400" dirty="0" smtClean="0"/>
+              <a:t>活動内容</a:t>
+            </a:r>
+            <a:endParaRPr lang="en-US" altLang="ja-JP" sz="2400" dirty="0" smtClean="0"/>
+          </a:p>
+          <a:p>
+            <a:pPr marL="274320" lvl="1" indent="0">
+              <a:buNone/>
+            </a:pPr>
+            <a:r>
+              <a:rPr lang="en-US" altLang="ja-JP" dirty="0" smtClean="0"/>
+              <a:t>	(</a:t>
+            </a:r>
+            <a:r>
+              <a:rPr lang="en-US" altLang="ja-JP" dirty="0"/>
+              <a:t>1) UML</a:t>
+            </a:r>
+            <a:r>
+              <a:rPr lang="ja-JP" altLang="en-US" dirty="0"/>
+              <a:t>を前提とするモデリング技術の体系化と普及活動</a:t>
+            </a:r>
+            <a:r>
+              <a:rPr lang="ja-JP" altLang="en-US" dirty="0"/>
+              <a:t/>
+            </a:r>
+            <a:br>
+              <a:rPr lang="ja-JP" altLang="en-US" dirty="0"/>
+            </a:br>
+            <a:r>
+              <a:rPr lang="en-US" altLang="ja-JP" dirty="0" smtClean="0"/>
+              <a:t>	(</a:t>
+            </a:r>
+            <a:r>
+              <a:rPr lang="en-US" altLang="ja-JP" dirty="0"/>
+              <a:t>2) </a:t>
+            </a:r>
+            <a:r>
+              <a:rPr lang="ja-JP" altLang="en-US" dirty="0"/>
+              <a:t>モデリング技術者の技能認定</a:t>
+            </a:r>
+            <a:r>
+              <a:rPr lang="ja-JP" altLang="en-US" dirty="0"/>
+              <a:t/>
+            </a:r>
+            <a:br>
+              <a:rPr lang="ja-JP" altLang="en-US" dirty="0"/>
+            </a:br>
+            <a:r>
+              <a:rPr lang="en-US" altLang="ja-JP" dirty="0" smtClean="0"/>
+              <a:t>	(</a:t>
+            </a:r>
+            <a:r>
+              <a:rPr lang="en-US" altLang="ja-JP" dirty="0"/>
+              <a:t>3) </a:t>
+            </a:r>
+            <a:r>
+              <a:rPr lang="ja-JP" altLang="en-US" dirty="0"/>
+              <a:t>各分野のベストプラクティス・モデル共有支援</a:t>
+            </a:r>
+            <a:r>
+              <a:rPr lang="ja-JP" altLang="en-US" dirty="0"/>
+              <a:t/>
+            </a:r>
+            <a:br>
+              <a:rPr lang="ja-JP" altLang="en-US" dirty="0"/>
+            </a:br>
+            <a:r>
+              <a:rPr lang="en-US" altLang="ja-JP" dirty="0" smtClean="0"/>
+              <a:t>	(</a:t>
+            </a:r>
+            <a:r>
+              <a:rPr lang="en-US" altLang="ja-JP" dirty="0"/>
+              <a:t>4) </a:t>
+            </a:r>
+            <a:r>
+              <a:rPr lang="ja-JP" altLang="en-US" dirty="0"/>
+              <a:t>国際連携</a:t>
+            </a:r>
+            <a:endParaRPr kumimoji="1" lang="ja-JP" altLang="en-US" dirty="0"/>
           </a:p>
         </p:txBody>
       </p:sp>
     </p:spTree>
     <p:extLst>
       <p:ext uri="{BB962C8B-B14F-4D97-AF65-F5344CB8AC3E}">
-        <p14:creationId xmlns:p14="http://schemas.microsoft.com/office/powerpoint/2010/main" val="3251861327"/>
+        <p14:creationId xmlns:p14="http://schemas.microsoft.com/office/powerpoint/2010/main" val="3181388472"/>
       </p:ext>
     </p:extLst>
   </p:cSld>
   <p:clrMapOvr>
     <a:masterClrMapping/>
   </p:clrMapOvr>
+  <p:timing>
+    <p:tnLst>
+      <p:par>
+        <p:cTn id="1" dur="indefinite" restart="never" nodeType="tmRoot"/>
+      </p:par>
+    </p:tnLst>
+  </p:timing>
 </p:sld>
 </file>
 
@@ -7243,7 +9052,7 @@
             </a:r>
             <a:r>
               <a:rPr kumimoji="1" lang="en-US" altLang="ja-JP" smtClean="0"/>
-              <a:t>(4/6)</a:t>
+              <a:t>(5/6)</a:t>
             </a:r>
             <a:endParaRPr kumimoji="1" lang="ja-JP" altLang="en-US"/>
           </a:p>
@@ -7271,13 +9080,20 @@
     </p:spTree>
     <p:extLst>
       <p:ext uri="{BB962C8B-B14F-4D97-AF65-F5344CB8AC3E}">
-        <p14:creationId xmlns:p14="http://schemas.microsoft.com/office/powerpoint/2010/main" val="3181388472"/>
+        <p14:creationId xmlns:p14="http://schemas.microsoft.com/office/powerpoint/2010/main" val="2116110509"/>
       </p:ext>
     </p:extLst>
   </p:cSld>
   <p:clrMapOvr>
     <a:masterClrMapping/>
   </p:clrMapOvr>
+  <p:timing>
+    <p:tnLst>
+      <p:par>
+        <p:cTn id="1" dur="indefinite" restart="never" nodeType="tmRoot"/>
+      </p:par>
+    </p:tnLst>
+  </p:timing>
 </p:sld>
 </file>
 
@@ -7319,7 +9135,7 @@
             </a:r>
             <a:r>
               <a:rPr kumimoji="1" lang="en-US" altLang="ja-JP" smtClean="0"/>
-              <a:t>(5/6)</a:t>
+              <a:t>(6/6)</a:t>
             </a:r>
             <a:endParaRPr kumimoji="1" lang="ja-JP" altLang="en-US"/>
           </a:p>
@@ -7340,20 +9156,55 @@
           <a:bodyPr/>
           <a:lstStyle/>
           <a:p>
-            <a:endParaRPr kumimoji="1" lang="ja-JP" altLang="en-US"/>
+            <a:r>
+              <a:rPr kumimoji="1" lang="en-US" altLang="ja-JP" dirty="0" smtClean="0"/>
+              <a:t>UML</a:t>
+            </a:r>
+            <a:r>
+              <a:rPr kumimoji="1" lang="ja-JP" altLang="en-US" dirty="0" smtClean="0"/>
+              <a:t>モデルカタログの問題点</a:t>
+            </a:r>
+            <a:endParaRPr kumimoji="1" lang="en-US" altLang="ja-JP" dirty="0" smtClean="0"/>
+          </a:p>
+          <a:p>
+            <a:pPr lvl="1"/>
+            <a:r>
+              <a:rPr lang="ja-JP" altLang="en-US" dirty="0" smtClean="0"/>
+              <a:t>開発現場での使用報告無し</a:t>
+            </a:r>
+            <a:endParaRPr lang="en-US" altLang="ja-JP" dirty="0" smtClean="0"/>
+          </a:p>
+          <a:p>
+            <a:pPr lvl="1"/>
+            <a:r>
+              <a:rPr kumimoji="1" lang="ja-JP" altLang="en-US" dirty="0" smtClean="0"/>
+              <a:t>プラットフォーム依存モデル無し</a:t>
+            </a:r>
+            <a:endParaRPr kumimoji="1" lang="en-US" altLang="ja-JP" dirty="0" smtClean="0"/>
+          </a:p>
+          <a:p>
+            <a:pPr lvl="1"/>
+            <a:endParaRPr kumimoji="1" lang="ja-JP" altLang="en-US" dirty="0"/>
           </a:p>
         </p:txBody>
       </p:sp>
     </p:spTree>
     <p:extLst>
       <p:ext uri="{BB962C8B-B14F-4D97-AF65-F5344CB8AC3E}">
-        <p14:creationId xmlns:p14="http://schemas.microsoft.com/office/powerpoint/2010/main" val="2116110509"/>
+        <p14:creationId xmlns:p14="http://schemas.microsoft.com/office/powerpoint/2010/main" val="3116123136"/>
       </p:ext>
     </p:extLst>
   </p:cSld>
   <p:clrMapOvr>
     <a:masterClrMapping/>
   </p:clrMapOvr>
+  <p:timing>
+    <p:tnLst>
+      <p:par>
+        <p:cTn id="1" dur="indefinite" restart="never" nodeType="tmRoot"/>
+      </p:par>
+    </p:tnLst>
+  </p:timing>
 </p:sld>
 </file>
 
@@ -7391,45 +9242,102 @@
           <a:p>
             <a:r>
               <a:rPr kumimoji="1" lang="ja-JP" altLang="en-US" smtClean="0"/>
+              <a:t>発表内容</a:t>
+            </a:r>
+            <a:endParaRPr kumimoji="1" lang="ja-JP" altLang="en-US"/>
+          </a:p>
+        </p:txBody>
+      </p:sp>
+      <p:sp>
+        <p:nvSpPr>
+          <p:cNvPr id="3" name="コンテンツ プレースホルダー 2"/>
+          <p:cNvSpPr>
+            <a:spLocks noGrp="1"/>
+          </p:cNvSpPr>
+          <p:nvPr>
+            <p:ph idx="1"/>
+          </p:nvPr>
+        </p:nvSpPr>
+        <p:spPr/>
+        <p:txBody>
+          <a:bodyPr>
+            <a:normAutofit/>
+          </a:bodyPr>
+          <a:lstStyle/>
+          <a:p>
+            <a:r>
+              <a:rPr kumimoji="1" lang="ja-JP" altLang="en-US" sz="4000" smtClean="0"/>
               <a:t>研究背景</a:t>
             </a:r>
-            <a:r>
-              <a:rPr kumimoji="1" lang="en-US" altLang="ja-JP" smtClean="0"/>
-              <a:t>(6/6)</a:t>
-            </a:r>
-            <a:endParaRPr kumimoji="1" lang="ja-JP" altLang="en-US"/>
-          </a:p>
-        </p:txBody>
-      </p:sp>
-      <p:sp>
-        <p:nvSpPr>
-          <p:cNvPr id="3" name="コンテンツ プレースホルダー 2"/>
-          <p:cNvSpPr>
-            <a:spLocks noGrp="1"/>
-          </p:cNvSpPr>
-          <p:nvPr>
-            <p:ph idx="1"/>
-          </p:nvPr>
-        </p:nvSpPr>
-        <p:spPr/>
-        <p:txBody>
-          <a:bodyPr/>
-          <a:lstStyle/>
-          <a:p>
-            <a:endParaRPr kumimoji="1" lang="ja-JP" altLang="en-US"/>
+            <a:endParaRPr kumimoji="1" lang="en-US" altLang="ja-JP" sz="4000" smtClean="0"/>
+          </a:p>
+          <a:p>
+            <a:r>
+              <a:rPr lang="ja-JP" altLang="en-US" sz="4000">
+                <a:solidFill>
+                  <a:srgbClr val="7030A0"/>
+                </a:solidFill>
+              </a:rPr>
+              <a:t>研究</a:t>
+            </a:r>
+            <a:r>
+              <a:rPr lang="ja-JP" altLang="en-US" sz="4000" smtClean="0">
+                <a:solidFill>
+                  <a:srgbClr val="7030A0"/>
+                </a:solidFill>
+              </a:rPr>
+              <a:t>概要</a:t>
+            </a:r>
+            <a:endParaRPr lang="en-US" altLang="ja-JP" sz="4000" smtClean="0">
+              <a:solidFill>
+                <a:srgbClr val="7030A0"/>
+              </a:solidFill>
+            </a:endParaRPr>
+          </a:p>
+          <a:p>
+            <a:r>
+              <a:rPr kumimoji="1" lang="ja-JP" altLang="en-US" sz="4000" smtClean="0"/>
+              <a:t>進捗状況</a:t>
+            </a:r>
+            <a:endParaRPr kumimoji="1" lang="en-US" altLang="ja-JP" sz="4000" smtClean="0"/>
+          </a:p>
+          <a:p>
+            <a:r>
+              <a:rPr lang="ja-JP" altLang="en-US" sz="4000"/>
+              <a:t>まとめ</a:t>
+            </a:r>
+            <a:endParaRPr kumimoji="1" lang="en-US" altLang="ja-JP" sz="4000" smtClean="0"/>
+          </a:p>
+          <a:p>
+            <a:r>
+              <a:rPr lang="ja-JP" altLang="en-US" sz="4000"/>
+              <a:t>今後</a:t>
+            </a:r>
+            <a:r>
+              <a:rPr lang="ja-JP" altLang="en-US" sz="4000" smtClean="0"/>
+              <a:t>の予定</a:t>
+            </a:r>
+            <a:endParaRPr kumimoji="1" lang="en-US" altLang="ja-JP" sz="4000" smtClean="0"/>
           </a:p>
         </p:txBody>
       </p:sp>
     </p:spTree>
     <p:extLst>
       <p:ext uri="{BB962C8B-B14F-4D97-AF65-F5344CB8AC3E}">
-        <p14:creationId xmlns:p14="http://schemas.microsoft.com/office/powerpoint/2010/main" val="3116123136"/>
+        <p14:creationId xmlns:p14="http://schemas.microsoft.com/office/powerpoint/2010/main" val="3341590746"/>
       </p:ext>
     </p:extLst>
   </p:cSld>
   <p:clrMapOvr>
     <a:masterClrMapping/>
   </p:clrMapOvr>
+  <p:timing>
+    <p:tnLst>
+      <p:par>
+        <p:cTn id="1" dur="indefinite" restart="never" nodeType="tmRoot"/>
+      </p:par>
+    </p:tnLst>
+  </p:timing>
 </p:sld>
 </file>
 

--- a/中間発表関連/5I25新村祐太 中間発表スライドver0.1.pptx
+++ b/中間発表関連/5I25新村祐太 中間発表スライドver0.1.pptx
@@ -5,7 +5,7 @@
     <p:sldMasterId id="2147483720" r:id="rId1"/>
   </p:sldMasterIdLst>
   <p:notesMasterIdLst>
-    <p:notesMasterId r:id="rId23"/>
+    <p:notesMasterId r:id="rId24"/>
   </p:notesMasterIdLst>
   <p:sldIdLst>
     <p:sldId id="256" r:id="rId2"/>
@@ -20,15 +20,16 @@
     <p:sldId id="264" r:id="rId11"/>
     <p:sldId id="265" r:id="rId12"/>
     <p:sldId id="266" r:id="rId13"/>
-    <p:sldId id="275" r:id="rId14"/>
-    <p:sldId id="267" r:id="rId15"/>
-    <p:sldId id="268" r:id="rId16"/>
-    <p:sldId id="269" r:id="rId17"/>
-    <p:sldId id="270" r:id="rId18"/>
-    <p:sldId id="276" r:id="rId19"/>
-    <p:sldId id="271" r:id="rId20"/>
-    <p:sldId id="277" r:id="rId21"/>
-    <p:sldId id="272" r:id="rId22"/>
+    <p:sldId id="279" r:id="rId14"/>
+    <p:sldId id="275" r:id="rId15"/>
+    <p:sldId id="267" r:id="rId16"/>
+    <p:sldId id="268" r:id="rId17"/>
+    <p:sldId id="269" r:id="rId18"/>
+    <p:sldId id="270" r:id="rId19"/>
+    <p:sldId id="276" r:id="rId20"/>
+    <p:sldId id="271" r:id="rId21"/>
+    <p:sldId id="277" r:id="rId22"/>
+    <p:sldId id="272" r:id="rId23"/>
   </p:sldIdLst>
   <p:sldSz cx="9144000" cy="6858000" type="screen4x3"/>
   <p:notesSz cx="6858000" cy="9144000"/>
@@ -212,7 +213,7 @@
           <a:p>
             <a:fld id="{2391553C-C418-45F3-9060-1557D7683ECD}" type="datetimeFigureOut">
               <a:rPr kumimoji="1" lang="ja-JP" altLang="en-US" smtClean="0"/>
-              <a:t>2012/11/26</a:t>
+              <a:t>2012/11/27</a:t>
             </a:fld>
             <a:endParaRPr kumimoji="1" lang="ja-JP" altLang="en-US"/>
           </a:p>
@@ -650,7 +651,7 @@
           <a:p>
             <a:r>
               <a:rPr kumimoji="1" lang="ja-JP" altLang="en-US" smtClean="0"/>
-              <a:t>モデルカタログの読み合わせ</a:t>
+              <a:t>目標値制御とは？</a:t>
             </a:r>
             <a:endParaRPr kumimoji="1" lang="ja-JP" altLang="en-US"/>
           </a:p>
@@ -673,7 +674,7 @@
           <a:p>
             <a:fld id="{36B36527-D379-4589-94AB-3E8AB1F08336}" type="slidenum">
               <a:rPr kumimoji="1" lang="ja-JP" altLang="en-US" smtClean="0"/>
-              <a:t>14</a:t>
+              <a:t>13</a:t>
             </a:fld>
             <a:endParaRPr kumimoji="1" lang="ja-JP" altLang="en-US"/>
           </a:p>
@@ -682,7 +683,7 @@
     </p:spTree>
     <p:extLst>
       <p:ext uri="{BB962C8B-B14F-4D97-AF65-F5344CB8AC3E}">
-        <p14:creationId xmlns:p14="http://schemas.microsoft.com/office/powerpoint/2010/main" val="1207813319"/>
+        <p14:creationId xmlns:p14="http://schemas.microsoft.com/office/powerpoint/2010/main" val="3436690406"/>
       </p:ext>
     </p:extLst>
   </p:cSld>
@@ -737,12 +738,8 @@
           <a:lstStyle/>
           <a:p>
             <a:r>
-              <a:rPr kumimoji="1" lang="en-US" altLang="ja-JP" smtClean="0"/>
-              <a:t>nxt</a:t>
-            </a:r>
-            <a:r>
               <a:rPr kumimoji="1" lang="ja-JP" altLang="en-US" smtClean="0"/>
-              <a:t>用輝度値制御モデルの作成</a:t>
+              <a:t>モデルカタログの読み合わせ</a:t>
             </a:r>
             <a:endParaRPr kumimoji="1" lang="ja-JP" altLang="en-US"/>
           </a:p>
@@ -774,7 +771,7 @@
     </p:spTree>
     <p:extLst>
       <p:ext uri="{BB962C8B-B14F-4D97-AF65-F5344CB8AC3E}">
-        <p14:creationId xmlns:p14="http://schemas.microsoft.com/office/powerpoint/2010/main" val="345897966"/>
+        <p14:creationId xmlns:p14="http://schemas.microsoft.com/office/powerpoint/2010/main" val="1207813319"/>
       </p:ext>
     </p:extLst>
   </p:cSld>
@@ -829,8 +826,12 @@
           <a:lstStyle/>
           <a:p>
             <a:r>
+              <a:rPr kumimoji="1" lang="en-US" altLang="ja-JP" smtClean="0"/>
+              <a:t>nxt</a:t>
+            </a:r>
+            <a:r>
               <a:rPr kumimoji="1" lang="ja-JP" altLang="en-US" smtClean="0"/>
-              <a:t>モデル作成にあたって</a:t>
+              <a:t>用輝度値制御モデルの作成</a:t>
             </a:r>
             <a:endParaRPr kumimoji="1" lang="ja-JP" altLang="en-US"/>
           </a:p>
@@ -862,7 +863,7 @@
     </p:spTree>
     <p:extLst>
       <p:ext uri="{BB962C8B-B14F-4D97-AF65-F5344CB8AC3E}">
-        <p14:creationId xmlns:p14="http://schemas.microsoft.com/office/powerpoint/2010/main" val="4218142991"/>
+        <p14:creationId xmlns:p14="http://schemas.microsoft.com/office/powerpoint/2010/main" val="345897966"/>
       </p:ext>
     </p:extLst>
   </p:cSld>
@@ -918,7 +919,7 @@
           <a:p>
             <a:r>
               <a:rPr kumimoji="1" lang="ja-JP" altLang="en-US" smtClean="0"/>
-              <a:t>他の環境での実践</a:t>
+              <a:t>モデル作成にあたって</a:t>
             </a:r>
             <a:endParaRPr kumimoji="1" lang="ja-JP" altLang="en-US"/>
           </a:p>
@@ -950,7 +951,7 @@
     </p:spTree>
     <p:extLst>
       <p:ext uri="{BB962C8B-B14F-4D97-AF65-F5344CB8AC3E}">
-        <p14:creationId xmlns:p14="http://schemas.microsoft.com/office/powerpoint/2010/main" val="838027994"/>
+        <p14:creationId xmlns:p14="http://schemas.microsoft.com/office/powerpoint/2010/main" val="4218142991"/>
       </p:ext>
     </p:extLst>
   </p:cSld>
@@ -1006,7 +1007,7 @@
           <a:p>
             <a:r>
               <a:rPr kumimoji="1" lang="ja-JP" altLang="en-US" smtClean="0"/>
-              <a:t>まとめ</a:t>
+              <a:t>他の環境での実践</a:t>
             </a:r>
             <a:endParaRPr kumimoji="1" lang="ja-JP" altLang="en-US"/>
           </a:p>
@@ -1029,7 +1030,7 @@
           <a:p>
             <a:fld id="{36B36527-D379-4589-94AB-3E8AB1F08336}" type="slidenum">
               <a:rPr kumimoji="1" lang="ja-JP" altLang="en-US" smtClean="0"/>
-              <a:t>19</a:t>
+              <a:t>18</a:t>
             </a:fld>
             <a:endParaRPr kumimoji="1" lang="ja-JP" altLang="en-US"/>
           </a:p>
@@ -1038,7 +1039,7 @@
     </p:spTree>
     <p:extLst>
       <p:ext uri="{BB962C8B-B14F-4D97-AF65-F5344CB8AC3E}">
-        <p14:creationId xmlns:p14="http://schemas.microsoft.com/office/powerpoint/2010/main" val="3468284276"/>
+        <p14:creationId xmlns:p14="http://schemas.microsoft.com/office/powerpoint/2010/main" val="838027994"/>
       </p:ext>
     </p:extLst>
   </p:cSld>
@@ -1094,7 +1095,7 @@
           <a:p>
             <a:r>
               <a:rPr kumimoji="1" lang="ja-JP" altLang="en-US" smtClean="0"/>
-              <a:t>今後の予定</a:t>
+              <a:t>まとめ</a:t>
             </a:r>
             <a:endParaRPr kumimoji="1" lang="ja-JP" altLang="en-US"/>
           </a:p>
@@ -1117,7 +1118,95 @@
           <a:p>
             <a:fld id="{36B36527-D379-4589-94AB-3E8AB1F08336}" type="slidenum">
               <a:rPr kumimoji="1" lang="ja-JP" altLang="en-US" smtClean="0"/>
-              <a:t>21</a:t>
+              <a:t>20</a:t>
+            </a:fld>
+            <a:endParaRPr kumimoji="1" lang="ja-JP" altLang="en-US"/>
+          </a:p>
+        </p:txBody>
+      </p:sp>
+    </p:spTree>
+    <p:extLst>
+      <p:ext uri="{BB962C8B-B14F-4D97-AF65-F5344CB8AC3E}">
+        <p14:creationId xmlns:p14="http://schemas.microsoft.com/office/powerpoint/2010/main" val="3468284276"/>
+      </p:ext>
+    </p:extLst>
+  </p:cSld>
+  <p:clrMapOvr>
+    <a:masterClrMapping/>
+  </p:clrMapOvr>
+</p:notes>
+</file>
+
+<file path=ppt/notesSlides/notesSlide16.xml><?xml version="1.0" encoding="utf-8"?>
+<p:notes xmlns:a="http://schemas.openxmlformats.org/drawingml/2006/main" xmlns:r="http://schemas.openxmlformats.org/officeDocument/2006/relationships" xmlns:p="http://schemas.openxmlformats.org/presentationml/2006/main">
+  <p:cSld>
+    <p:spTree>
+      <p:nvGrpSpPr>
+        <p:cNvPr id="1" name=""/>
+        <p:cNvGrpSpPr/>
+        <p:nvPr/>
+      </p:nvGrpSpPr>
+      <p:grpSpPr>
+        <a:xfrm>
+          <a:off x="0" y="0"/>
+          <a:ext cx="0" cy="0"/>
+          <a:chOff x="0" y="0"/>
+          <a:chExt cx="0" cy="0"/>
+        </a:xfrm>
+      </p:grpSpPr>
+      <p:sp>
+        <p:nvSpPr>
+          <p:cNvPr id="2" name="スライド イメージ プレースホルダー 1"/>
+          <p:cNvSpPr>
+            <a:spLocks noGrp="1" noRot="1" noChangeAspect="1"/>
+          </p:cNvSpPr>
+          <p:nvPr>
+            <p:ph type="sldImg"/>
+          </p:nvPr>
+        </p:nvSpPr>
+        <p:spPr/>
+      </p:sp>
+      <p:sp>
+        <p:nvSpPr>
+          <p:cNvPr id="3" name="ノート プレースホルダー 2"/>
+          <p:cNvSpPr>
+            <a:spLocks noGrp="1"/>
+          </p:cNvSpPr>
+          <p:nvPr>
+            <p:ph type="body" idx="1"/>
+          </p:nvPr>
+        </p:nvSpPr>
+        <p:spPr/>
+        <p:txBody>
+          <a:bodyPr/>
+          <a:lstStyle/>
+          <a:p>
+            <a:r>
+              <a:rPr kumimoji="1" lang="ja-JP" altLang="en-US" smtClean="0"/>
+              <a:t>今後の予定</a:t>
+            </a:r>
+            <a:endParaRPr kumimoji="1" lang="ja-JP" altLang="en-US"/>
+          </a:p>
+        </p:txBody>
+      </p:sp>
+      <p:sp>
+        <p:nvSpPr>
+          <p:cNvPr id="4" name="スライド番号プレースホルダー 3"/>
+          <p:cNvSpPr>
+            <a:spLocks noGrp="1"/>
+          </p:cNvSpPr>
+          <p:nvPr>
+            <p:ph type="sldNum" sz="quarter" idx="10"/>
+          </p:nvPr>
+        </p:nvSpPr>
+        <p:spPr/>
+        <p:txBody>
+          <a:bodyPr/>
+          <a:lstStyle/>
+          <a:p>
+            <a:fld id="{36B36527-D379-4589-94AB-3E8AB1F08336}" type="slidenum">
+              <a:rPr kumimoji="1" lang="ja-JP" altLang="en-US" smtClean="0"/>
+              <a:t>22</a:t>
             </a:fld>
             <a:endParaRPr kumimoji="1" lang="ja-JP" altLang="en-US"/>
           </a:p>
@@ -2059,7 +2148,7 @@
           <a:p>
             <a:fld id="{42FE0E3B-AB19-407C-B8D2-B50F41DA1FAB}" type="datetimeFigureOut">
               <a:rPr kumimoji="1" lang="ja-JP" altLang="en-US" smtClean="0"/>
-              <a:t>2012/11/26</a:t>
+              <a:t>2012/11/27</a:t>
             </a:fld>
             <a:endParaRPr kumimoji="1" lang="ja-JP" altLang="en-US"/>
           </a:p>
@@ -2291,7 +2380,7 @@
           <a:p>
             <a:fld id="{42FE0E3B-AB19-407C-B8D2-B50F41DA1FAB}" type="datetimeFigureOut">
               <a:rPr kumimoji="1" lang="ja-JP" altLang="en-US" smtClean="0"/>
-              <a:t>2012/11/26</a:t>
+              <a:t>2012/11/27</a:t>
             </a:fld>
             <a:endParaRPr kumimoji="1" lang="ja-JP" altLang="en-US"/>
           </a:p>
@@ -2498,7 +2587,7 @@
           <a:p>
             <a:fld id="{42FE0E3B-AB19-407C-B8D2-B50F41DA1FAB}" type="datetimeFigureOut">
               <a:rPr kumimoji="1" lang="ja-JP" altLang="en-US" smtClean="0"/>
-              <a:t>2012/11/26</a:t>
+              <a:t>2012/11/27</a:t>
             </a:fld>
             <a:endParaRPr kumimoji="1" lang="ja-JP" altLang="en-US"/>
           </a:p>
@@ -2695,7 +2784,7 @@
           <a:p>
             <a:fld id="{42FE0E3B-AB19-407C-B8D2-B50F41DA1FAB}" type="datetimeFigureOut">
               <a:rPr kumimoji="1" lang="ja-JP" altLang="en-US" smtClean="0"/>
-              <a:t>2012/11/26</a:t>
+              <a:t>2012/11/27</a:t>
             </a:fld>
             <a:endParaRPr kumimoji="1" lang="ja-JP" altLang="en-US"/>
           </a:p>
@@ -2943,7 +3032,7 @@
           <a:p>
             <a:fld id="{42FE0E3B-AB19-407C-B8D2-B50F41DA1FAB}" type="datetimeFigureOut">
               <a:rPr kumimoji="1" lang="ja-JP" altLang="en-US" smtClean="0"/>
-              <a:t>2012/11/26</a:t>
+              <a:t>2012/11/27</a:t>
             </a:fld>
             <a:endParaRPr kumimoji="1" lang="ja-JP" altLang="en-US"/>
           </a:p>
@@ -3325,7 +3414,7 @@
           <a:p>
             <a:fld id="{42FE0E3B-AB19-407C-B8D2-B50F41DA1FAB}" type="datetimeFigureOut">
               <a:rPr kumimoji="1" lang="ja-JP" altLang="en-US" smtClean="0"/>
-              <a:t>2012/11/26</a:t>
+              <a:t>2012/11/27</a:t>
             </a:fld>
             <a:endParaRPr kumimoji="1" lang="ja-JP" altLang="en-US"/>
           </a:p>
@@ -3855,7 +3944,7 @@
           <a:p>
             <a:fld id="{42FE0E3B-AB19-407C-B8D2-B50F41DA1FAB}" type="datetimeFigureOut">
               <a:rPr kumimoji="1" lang="ja-JP" altLang="en-US" smtClean="0"/>
-              <a:t>2012/11/26</a:t>
+              <a:t>2012/11/27</a:t>
             </a:fld>
             <a:endParaRPr kumimoji="1" lang="ja-JP" altLang="en-US"/>
           </a:p>
@@ -4003,7 +4092,7 @@
           <a:p>
             <a:fld id="{42FE0E3B-AB19-407C-B8D2-B50F41DA1FAB}" type="datetimeFigureOut">
               <a:rPr kumimoji="1" lang="ja-JP" altLang="en-US" smtClean="0"/>
-              <a:t>2012/11/26</a:t>
+              <a:t>2012/11/27</a:t>
             </a:fld>
             <a:endParaRPr kumimoji="1" lang="ja-JP" altLang="en-US"/>
           </a:p>
@@ -4093,7 +4182,7 @@
           <a:p>
             <a:fld id="{42FE0E3B-AB19-407C-B8D2-B50F41DA1FAB}" type="datetimeFigureOut">
               <a:rPr kumimoji="1" lang="ja-JP" altLang="en-US" smtClean="0"/>
-              <a:t>2012/11/26</a:t>
+              <a:t>2012/11/27</a:t>
             </a:fld>
             <a:endParaRPr kumimoji="1" lang="ja-JP" altLang="en-US"/>
           </a:p>
@@ -4399,7 +4488,7 @@
           <a:p>
             <a:fld id="{42FE0E3B-AB19-407C-B8D2-B50F41DA1FAB}" type="datetimeFigureOut">
               <a:rPr kumimoji="1" lang="ja-JP" altLang="en-US" smtClean="0"/>
-              <a:t>2012/11/26</a:t>
+              <a:t>2012/11/27</a:t>
             </a:fld>
             <a:endParaRPr kumimoji="1" lang="ja-JP" altLang="en-US"/>
           </a:p>
@@ -4704,7 +4793,7 @@
           <a:p>
             <a:fld id="{42FE0E3B-AB19-407C-B8D2-B50F41DA1FAB}" type="datetimeFigureOut">
               <a:rPr kumimoji="1" lang="ja-JP" altLang="en-US" smtClean="0"/>
-              <a:t>2012/11/26</a:t>
+              <a:t>2012/11/27</a:t>
             </a:fld>
             <a:endParaRPr kumimoji="1" lang="ja-JP" altLang="en-US"/>
           </a:p>
@@ -5034,7 +5123,7 @@
           <a:p>
             <a:fld id="{42FE0E3B-AB19-407C-B8D2-B50F41DA1FAB}" type="datetimeFigureOut">
               <a:rPr kumimoji="1" lang="ja-JP" altLang="en-US" smtClean="0"/>
-              <a:t>2012/11/26</a:t>
+              <a:t>2012/11/27</a:t>
             </a:fld>
             <a:endParaRPr kumimoji="1" lang="ja-JP" altLang="en-US"/>
           </a:p>
@@ -5787,7 +5876,22 @@
           <a:p>
             <a:r>
               <a:rPr lang="ja-JP" altLang="en-US" dirty="0" smtClean="0"/>
-              <a:t>目標値制御とは？</a:t>
+              <a:t>目標値制御と</a:t>
+            </a:r>
+            <a:r>
+              <a:rPr lang="ja-JP" altLang="en-US" smtClean="0"/>
+              <a:t>は</a:t>
+            </a:r>
+            <a:r>
+              <a:rPr lang="ja-JP" altLang="en-US" smtClean="0"/>
+              <a:t>？</a:t>
+            </a:r>
+            <a:endParaRPr lang="en-US" altLang="ja-JP" smtClean="0"/>
+          </a:p>
+          <a:p>
+            <a:r>
+              <a:rPr kumimoji="1" lang="ja-JP" altLang="en-US" smtClean="0"/>
+              <a:t>図</a:t>
             </a:r>
             <a:endParaRPr kumimoji="1" lang="ja-JP" altLang="en-US" dirty="0"/>
           </a:p>
@@ -6824,7 +6928,15 @@
           <a:p>
             <a:r>
               <a:rPr kumimoji="1" lang="ja-JP" altLang="en-US" smtClean="0"/>
-              <a:t>発表内容</a:t>
+              <a:t>研究概要</a:t>
+            </a:r>
+            <a:r>
+              <a:rPr kumimoji="1" lang="en-US" altLang="ja-JP" smtClean="0"/>
+              <a:t>(4/3</a:t>
+            </a:r>
+            <a:r>
+              <a:rPr kumimoji="1" lang="en-US" altLang="ja-JP" smtClean="0"/>
+              <a:t>)</a:t>
             </a:r>
             <a:endParaRPr kumimoji="1" lang="ja-JP" altLang="en-US"/>
           </a:p>
@@ -6842,67 +6954,481 @@
         </p:nvSpPr>
         <p:spPr/>
         <p:txBody>
-          <a:bodyPr>
-            <a:normAutofit/>
-          </a:bodyPr>
-          <a:lstStyle/>
-          <a:p>
-            <a:r>
-              <a:rPr kumimoji="1" lang="ja-JP" altLang="en-US" sz="4000" smtClean="0"/>
-              <a:t>研究背景</a:t>
-            </a:r>
-            <a:endParaRPr kumimoji="1" lang="en-US" altLang="ja-JP" sz="4000" smtClean="0"/>
-          </a:p>
-          <a:p>
-            <a:r>
-              <a:rPr lang="ja-JP" altLang="en-US" sz="4000"/>
-              <a:t>研究</a:t>
-            </a:r>
-            <a:r>
-              <a:rPr lang="ja-JP" altLang="en-US" sz="4000" smtClean="0"/>
-              <a:t>概要</a:t>
-            </a:r>
-            <a:endParaRPr lang="en-US" altLang="ja-JP" sz="4000" smtClean="0"/>
-          </a:p>
-          <a:p>
-            <a:r>
-              <a:rPr kumimoji="1" lang="ja-JP" altLang="en-US" sz="4000" smtClean="0">
-                <a:solidFill>
-                  <a:srgbClr val="7030A0"/>
-                </a:solidFill>
-              </a:rPr>
-              <a:t>進捗状況</a:t>
-            </a:r>
-            <a:endParaRPr kumimoji="1" lang="en-US" altLang="ja-JP" sz="4000" smtClean="0">
-              <a:solidFill>
-                <a:srgbClr val="7030A0"/>
-              </a:solidFill>
-            </a:endParaRPr>
-          </a:p>
-          <a:p>
-            <a:r>
-              <a:rPr lang="ja-JP" altLang="en-US" sz="4000"/>
-              <a:t>まとめ</a:t>
-            </a:r>
-            <a:endParaRPr kumimoji="1" lang="en-US" altLang="ja-JP" sz="4000" smtClean="0"/>
-          </a:p>
-          <a:p>
-            <a:r>
-              <a:rPr lang="ja-JP" altLang="en-US" sz="4000"/>
-              <a:t>今後</a:t>
-            </a:r>
-            <a:r>
-              <a:rPr lang="ja-JP" altLang="en-US" sz="4000" smtClean="0"/>
-              <a:t>の予定</a:t>
-            </a:r>
-            <a:endParaRPr kumimoji="1" lang="en-US" altLang="ja-JP" sz="4000" smtClean="0"/>
+          <a:bodyPr/>
+          <a:lstStyle/>
+          <a:p>
+            <a:r>
+              <a:rPr kumimoji="1" lang="ja-JP" altLang="en-US" dirty="0" smtClean="0"/>
+              <a:t>実装先の組込みデバイス</a:t>
+            </a:r>
+            <a:endParaRPr kumimoji="1" lang="en-US" altLang="ja-JP" dirty="0" smtClean="0"/>
+          </a:p>
+          <a:p>
+            <a:pPr lvl="1"/>
+            <a:r>
+              <a:rPr lang="en-US" altLang="ja-JP" smtClean="0"/>
+              <a:t>DONKEY</a:t>
+            </a:r>
+            <a:endParaRPr lang="en-US" altLang="ja-JP" dirty="0" smtClean="0"/>
+          </a:p>
+          <a:p>
+            <a:pPr lvl="2"/>
+            <a:r>
+              <a:rPr lang="en-US" altLang="ja-JP"/>
+              <a:t>C</a:t>
+            </a:r>
+            <a:r>
+              <a:rPr lang="ja-JP" altLang="en-US" smtClean="0"/>
+              <a:t>言語で動作</a:t>
+            </a:r>
+            <a:endParaRPr lang="en-US" altLang="ja-JP" dirty="0"/>
+          </a:p>
+        </p:txBody>
+      </p:sp>
+      <p:sp>
+        <p:nvSpPr>
+          <p:cNvPr id="6" name="線吹き出し 1 (枠付き) 5"/>
+          <p:cNvSpPr/>
+          <p:nvPr/>
+        </p:nvSpPr>
+        <p:spPr>
+          <a:xfrm>
+            <a:off x="6705576" y="2204864"/>
+            <a:ext cx="1584176" cy="582667"/>
+          </a:xfrm>
+          <a:prstGeom prst="borderCallout1">
+            <a:avLst>
+              <a:gd name="adj1" fmla="val 29635"/>
+              <a:gd name="adj2" fmla="val -1737"/>
+              <a:gd name="adj3" fmla="val 130641"/>
+              <a:gd name="adj4" fmla="val -131717"/>
+            </a:avLst>
+          </a:prstGeom>
+        </p:spPr>
+        <p:style>
+          <a:lnRef idx="2">
+            <a:schemeClr val="accent1">
+              <a:shade val="50000"/>
+            </a:schemeClr>
+          </a:lnRef>
+          <a:fillRef idx="1">
+            <a:schemeClr val="accent1"/>
+          </a:fillRef>
+          <a:effectRef idx="0">
+            <a:schemeClr val="accent1"/>
+          </a:effectRef>
+          <a:fontRef idx="minor">
+            <a:schemeClr val="lt1"/>
+          </a:fontRef>
+        </p:style>
+        <p:txBody>
+          <a:bodyPr rtlCol="0" anchor="ctr"/>
+          <a:lstStyle/>
+          <a:p>
+            <a:pPr algn="ctr"/>
+            <a:r>
+              <a:rPr kumimoji="1" lang="ja-JP" altLang="en-US" dirty="0" smtClean="0"/>
+              <a:t>超音波センサ（距離測定）</a:t>
+            </a:r>
+            <a:endParaRPr kumimoji="1" lang="ja-JP" altLang="en-US" dirty="0"/>
+          </a:p>
+        </p:txBody>
+      </p:sp>
+      <p:sp>
+        <p:nvSpPr>
+          <p:cNvPr id="7" name="線吹き出し 1 (枠付き) 6"/>
+          <p:cNvSpPr/>
+          <p:nvPr/>
+        </p:nvSpPr>
+        <p:spPr>
+          <a:xfrm>
+            <a:off x="827584" y="5409722"/>
+            <a:ext cx="2032130" cy="611566"/>
+          </a:xfrm>
+          <a:prstGeom prst="borderCallout1">
+            <a:avLst>
+              <a:gd name="adj1" fmla="val 15122"/>
+              <a:gd name="adj2" fmla="val 98039"/>
+              <a:gd name="adj3" fmla="val -46700"/>
+              <a:gd name="adj4" fmla="val 173967"/>
+            </a:avLst>
+          </a:prstGeom>
+        </p:spPr>
+        <p:style>
+          <a:lnRef idx="2">
+            <a:schemeClr val="accent1">
+              <a:shade val="50000"/>
+            </a:schemeClr>
+          </a:lnRef>
+          <a:fillRef idx="1">
+            <a:schemeClr val="accent1"/>
+          </a:fillRef>
+          <a:effectRef idx="0">
+            <a:schemeClr val="accent1"/>
+          </a:effectRef>
+          <a:fontRef idx="minor">
+            <a:schemeClr val="lt1"/>
+          </a:fontRef>
+        </p:style>
+        <p:txBody>
+          <a:bodyPr rtlCol="0" anchor="ctr"/>
+          <a:lstStyle/>
+          <a:p>
+            <a:pPr algn="ctr"/>
+            <a:r>
+              <a:rPr lang="ja-JP" altLang="en-US" dirty="0"/>
+              <a:t>光</a:t>
+            </a:r>
+            <a:r>
+              <a:rPr kumimoji="1" lang="ja-JP" altLang="en-US" dirty="0" smtClean="0"/>
+              <a:t>センサ</a:t>
+            </a:r>
+            <a:endParaRPr kumimoji="1" lang="en-US" altLang="ja-JP" dirty="0" smtClean="0"/>
+          </a:p>
+          <a:p>
+            <a:pPr algn="ctr"/>
+            <a:r>
+              <a:rPr lang="ja-JP" altLang="en-US" dirty="0" smtClean="0"/>
+              <a:t>（路面輝度値測定）</a:t>
+            </a:r>
+            <a:endParaRPr kumimoji="1" lang="ja-JP" altLang="en-US" dirty="0"/>
+          </a:p>
+        </p:txBody>
+      </p:sp>
+      <p:sp>
+        <p:nvSpPr>
+          <p:cNvPr id="8" name="線吹き出し 1 (枠付き) 7"/>
+          <p:cNvSpPr/>
+          <p:nvPr/>
+        </p:nvSpPr>
+        <p:spPr>
+          <a:xfrm>
+            <a:off x="6724481" y="5355465"/>
+            <a:ext cx="1584176" cy="360040"/>
+          </a:xfrm>
+          <a:prstGeom prst="borderCallout1">
+            <a:avLst>
+              <a:gd name="adj1" fmla="val 18750"/>
+              <a:gd name="adj2" fmla="val -8333"/>
+              <a:gd name="adj3" fmla="val -145101"/>
+              <a:gd name="adj4" fmla="val -125946"/>
+            </a:avLst>
+          </a:prstGeom>
+        </p:spPr>
+        <p:style>
+          <a:lnRef idx="2">
+            <a:schemeClr val="accent1">
+              <a:shade val="50000"/>
+            </a:schemeClr>
+          </a:lnRef>
+          <a:fillRef idx="1">
+            <a:schemeClr val="accent1"/>
+          </a:fillRef>
+          <a:effectRef idx="0">
+            <a:schemeClr val="accent1"/>
+          </a:effectRef>
+          <a:fontRef idx="minor">
+            <a:schemeClr val="lt1"/>
+          </a:fontRef>
+        </p:style>
+        <p:txBody>
+          <a:bodyPr rtlCol="0" anchor="ctr"/>
+          <a:lstStyle/>
+          <a:p>
+            <a:pPr algn="ctr"/>
+            <a:r>
+              <a:rPr kumimoji="1" lang="ja-JP" altLang="en-US" dirty="0" smtClean="0"/>
+              <a:t>尻尾モータ</a:t>
+            </a:r>
+            <a:endParaRPr kumimoji="1" lang="ja-JP" altLang="en-US" dirty="0"/>
+          </a:p>
+        </p:txBody>
+      </p:sp>
+      <p:sp>
+        <p:nvSpPr>
+          <p:cNvPr id="9" name="線吹き出し 1 (枠付き) 8"/>
+          <p:cNvSpPr/>
+          <p:nvPr/>
+        </p:nvSpPr>
+        <p:spPr>
+          <a:xfrm>
+            <a:off x="947741" y="2943519"/>
+            <a:ext cx="1791816" cy="535524"/>
+          </a:xfrm>
+          <a:prstGeom prst="borderCallout1">
+            <a:avLst>
+              <a:gd name="adj1" fmla="val 73172"/>
+              <a:gd name="adj2" fmla="val 100292"/>
+              <a:gd name="adj3" fmla="val 65334"/>
+              <a:gd name="adj4" fmla="val 173505"/>
+            </a:avLst>
+          </a:prstGeom>
+        </p:spPr>
+        <p:style>
+          <a:lnRef idx="2">
+            <a:schemeClr val="accent1">
+              <a:shade val="50000"/>
+            </a:schemeClr>
+          </a:lnRef>
+          <a:fillRef idx="1">
+            <a:schemeClr val="accent1"/>
+          </a:fillRef>
+          <a:effectRef idx="0">
+            <a:schemeClr val="accent1"/>
+          </a:effectRef>
+          <a:fontRef idx="minor">
+            <a:schemeClr val="lt1"/>
+          </a:fontRef>
+        </p:style>
+        <p:txBody>
+          <a:bodyPr rtlCol="0" anchor="ctr"/>
+          <a:lstStyle/>
+          <a:p>
+            <a:pPr algn="ctr"/>
+            <a:r>
+              <a:rPr lang="ja-JP" altLang="en-US" dirty="0" smtClean="0"/>
+              <a:t>ジャイロ</a:t>
+            </a:r>
+            <a:r>
+              <a:rPr kumimoji="1" lang="ja-JP" altLang="en-US" dirty="0" smtClean="0"/>
+              <a:t>センサ</a:t>
+            </a:r>
+            <a:endParaRPr kumimoji="1" lang="en-US" altLang="ja-JP" dirty="0" smtClean="0"/>
+          </a:p>
+          <a:p>
+            <a:pPr algn="ctr"/>
+            <a:r>
+              <a:rPr lang="ja-JP" altLang="en-US" dirty="0" smtClean="0"/>
+              <a:t>（車体傾き測定）</a:t>
+            </a:r>
+            <a:endParaRPr kumimoji="1" lang="ja-JP" altLang="en-US" dirty="0"/>
+          </a:p>
+        </p:txBody>
+      </p:sp>
+      <p:sp>
+        <p:nvSpPr>
+          <p:cNvPr id="10" name="線吹き出し 1 (枠付き) 9"/>
+          <p:cNvSpPr/>
+          <p:nvPr/>
+        </p:nvSpPr>
+        <p:spPr>
+          <a:xfrm>
+            <a:off x="6404597" y="4179679"/>
+            <a:ext cx="2186133" cy="360040"/>
+          </a:xfrm>
+          <a:prstGeom prst="borderCallout1">
+            <a:avLst>
+              <a:gd name="adj1" fmla="val 29635"/>
+              <a:gd name="adj2" fmla="val -4748"/>
+              <a:gd name="adj3" fmla="val 116128"/>
+              <a:gd name="adj4" fmla="val -61567"/>
+            </a:avLst>
+          </a:prstGeom>
+        </p:spPr>
+        <p:style>
+          <a:lnRef idx="2">
+            <a:schemeClr val="accent1">
+              <a:shade val="50000"/>
+            </a:schemeClr>
+          </a:lnRef>
+          <a:fillRef idx="1">
+            <a:schemeClr val="accent1"/>
+          </a:fillRef>
+          <a:effectRef idx="0">
+            <a:schemeClr val="accent1"/>
+          </a:effectRef>
+          <a:fontRef idx="minor">
+            <a:schemeClr val="lt1"/>
+          </a:fontRef>
+        </p:style>
+        <p:txBody>
+          <a:bodyPr rtlCol="0" anchor="ctr"/>
+          <a:lstStyle/>
+          <a:p>
+            <a:pPr algn="ctr"/>
+            <a:r>
+              <a:rPr kumimoji="1" lang="ja-JP" altLang="en-US" dirty="0" smtClean="0"/>
+              <a:t>車輪モータ（左車輪）</a:t>
+            </a:r>
+            <a:endParaRPr kumimoji="1" lang="ja-JP" altLang="en-US" dirty="0"/>
+          </a:p>
+        </p:txBody>
+      </p:sp>
+      <p:sp>
+        <p:nvSpPr>
+          <p:cNvPr id="11" name="線吹き出し 1 (枠付き) 10"/>
+          <p:cNvSpPr/>
+          <p:nvPr/>
+        </p:nvSpPr>
+        <p:spPr>
+          <a:xfrm>
+            <a:off x="6705576" y="3169046"/>
+            <a:ext cx="1584176" cy="619994"/>
+          </a:xfrm>
+          <a:prstGeom prst="borderCallout1">
+            <a:avLst>
+              <a:gd name="adj1" fmla="val 18750"/>
+              <a:gd name="adj2" fmla="val -8333"/>
+              <a:gd name="adj3" fmla="val 14540"/>
+              <a:gd name="adj4" fmla="val -97909"/>
+            </a:avLst>
+          </a:prstGeom>
+        </p:spPr>
+        <p:style>
+          <a:lnRef idx="2">
+            <a:schemeClr val="accent1">
+              <a:shade val="50000"/>
+            </a:schemeClr>
+          </a:lnRef>
+          <a:fillRef idx="1">
+            <a:schemeClr val="accent1"/>
+          </a:fillRef>
+          <a:effectRef idx="0">
+            <a:schemeClr val="accent1"/>
+          </a:effectRef>
+          <a:fontRef idx="minor">
+            <a:schemeClr val="lt1"/>
+          </a:fontRef>
+        </p:style>
+        <p:txBody>
+          <a:bodyPr rtlCol="0" anchor="ctr"/>
+          <a:lstStyle/>
+          <a:p>
+            <a:pPr algn="ctr"/>
+            <a:r>
+              <a:rPr lang="ja-JP" altLang="en-US" dirty="0" smtClean="0"/>
+              <a:t>タッチ</a:t>
+            </a:r>
+            <a:r>
+              <a:rPr kumimoji="1" lang="ja-JP" altLang="en-US" dirty="0" smtClean="0"/>
+              <a:t>センサ</a:t>
+            </a:r>
+            <a:endParaRPr kumimoji="1" lang="en-US" altLang="ja-JP" dirty="0" smtClean="0"/>
+          </a:p>
+          <a:p>
+            <a:pPr algn="ctr"/>
+            <a:r>
+              <a:rPr lang="ja-JP" altLang="en-US" dirty="0" smtClean="0"/>
+              <a:t>（押下測定）</a:t>
+            </a:r>
+            <a:endParaRPr kumimoji="1" lang="ja-JP" altLang="en-US" dirty="0"/>
+          </a:p>
+        </p:txBody>
+      </p:sp>
+      <p:sp>
+        <p:nvSpPr>
+          <p:cNvPr id="12" name="線吹き出し 1 (枠付き) 11"/>
+          <p:cNvSpPr/>
+          <p:nvPr/>
+        </p:nvSpPr>
+        <p:spPr>
+          <a:xfrm>
+            <a:off x="798894" y="3842256"/>
+            <a:ext cx="2048036" cy="517443"/>
+          </a:xfrm>
+          <a:prstGeom prst="borderCallout1">
+            <a:avLst>
+              <a:gd name="adj1" fmla="val 31373"/>
+              <a:gd name="adj2" fmla="val 99459"/>
+              <a:gd name="adj3" fmla="val 49996"/>
+              <a:gd name="adj4" fmla="val 155430"/>
+            </a:avLst>
+          </a:prstGeom>
+        </p:spPr>
+        <p:style>
+          <a:lnRef idx="2">
+            <a:schemeClr val="accent1">
+              <a:shade val="50000"/>
+            </a:schemeClr>
+          </a:lnRef>
+          <a:fillRef idx="1">
+            <a:schemeClr val="accent1"/>
+          </a:fillRef>
+          <a:effectRef idx="0">
+            <a:schemeClr val="accent1"/>
+          </a:effectRef>
+          <a:fontRef idx="minor">
+            <a:schemeClr val="lt1"/>
+          </a:fontRef>
+        </p:style>
+        <p:txBody>
+          <a:bodyPr rtlCol="0" anchor="ctr"/>
+          <a:lstStyle/>
+          <a:p>
+            <a:pPr algn="ctr"/>
+            <a:r>
+              <a:rPr lang="en-US" altLang="ja-JP" dirty="0" smtClean="0"/>
+              <a:t>32</a:t>
+            </a:r>
+            <a:r>
+              <a:rPr lang="ja-JP" altLang="en-US" dirty="0" smtClean="0"/>
+              <a:t>ビット</a:t>
+            </a:r>
+            <a:endParaRPr lang="en-US" altLang="ja-JP" dirty="0" smtClean="0"/>
+          </a:p>
+          <a:p>
+            <a:pPr algn="ctr"/>
+            <a:r>
+              <a:rPr lang="ja-JP" altLang="en-US" dirty="0" smtClean="0"/>
+              <a:t>マイクロプロセッサ</a:t>
+            </a:r>
+            <a:endParaRPr kumimoji="1" lang="ja-JP" altLang="en-US" dirty="0"/>
+          </a:p>
+        </p:txBody>
+      </p:sp>
+      <p:sp>
+        <p:nvSpPr>
+          <p:cNvPr id="13" name="線吹き出し 1 (枠付き) 12"/>
+          <p:cNvSpPr/>
+          <p:nvPr/>
+        </p:nvSpPr>
+        <p:spPr>
+          <a:xfrm>
+            <a:off x="750582" y="4725144"/>
+            <a:ext cx="2186133" cy="360040"/>
+          </a:xfrm>
+          <a:prstGeom prst="borderCallout1">
+            <a:avLst>
+              <a:gd name="adj1" fmla="val 4238"/>
+              <a:gd name="adj2" fmla="val 102211"/>
+              <a:gd name="adj3" fmla="val -101562"/>
+              <a:gd name="adj4" fmla="val 146972"/>
+            </a:avLst>
+          </a:prstGeom>
+        </p:spPr>
+        <p:style>
+          <a:lnRef idx="2">
+            <a:schemeClr val="accent1">
+              <a:shade val="50000"/>
+            </a:schemeClr>
+          </a:lnRef>
+          <a:fillRef idx="1">
+            <a:schemeClr val="accent1"/>
+          </a:fillRef>
+          <a:effectRef idx="0">
+            <a:schemeClr val="accent1"/>
+          </a:effectRef>
+          <a:fontRef idx="minor">
+            <a:schemeClr val="lt1"/>
+          </a:fontRef>
+        </p:style>
+        <p:txBody>
+          <a:bodyPr rtlCol="0" anchor="ctr"/>
+          <a:lstStyle/>
+          <a:p>
+            <a:pPr algn="ctr"/>
+            <a:r>
+              <a:rPr kumimoji="1" lang="ja-JP" altLang="en-US" dirty="0" smtClean="0"/>
+              <a:t>車輪モータ（右車輪）</a:t>
+            </a:r>
+            <a:endParaRPr kumimoji="1" lang="ja-JP" altLang="en-US" dirty="0"/>
           </a:p>
         </p:txBody>
       </p:sp>
     </p:spTree>
     <p:extLst>
       <p:ext uri="{BB962C8B-B14F-4D97-AF65-F5344CB8AC3E}">
-        <p14:creationId xmlns:p14="http://schemas.microsoft.com/office/powerpoint/2010/main" val="3341590746"/>
+        <p14:creationId xmlns:p14="http://schemas.microsoft.com/office/powerpoint/2010/main" val="1417085034"/>
       </p:ext>
     </p:extLst>
   </p:cSld>
@@ -6912,9 +7438,394 @@
   <p:timing>
     <p:tnLst>
       <p:par>
-        <p:cTn id="1" dur="indefinite" restart="never" nodeType="tmRoot"/>
+        <p:cTn id="1" dur="indefinite" restart="never" nodeType="tmRoot">
+          <p:childTnLst>
+            <p:seq concurrent="1" nextAc="seek">
+              <p:cTn id="2" dur="indefinite" nodeType="mainSeq">
+                <p:childTnLst>
+                  <p:par>
+                    <p:cTn id="3" fill="hold">
+                      <p:stCondLst>
+                        <p:cond delay="indefinite"/>
+                      </p:stCondLst>
+                      <p:childTnLst>
+                        <p:par>
+                          <p:cTn id="4" fill="hold">
+                            <p:stCondLst>
+                              <p:cond delay="0"/>
+                            </p:stCondLst>
+                            <p:childTnLst>
+                              <p:par>
+                                <p:cTn id="5" presetID="10" presetClass="entr" presetSubtype="0" fill="hold" grpId="0" nodeType="clickEffect">
+                                  <p:stCondLst>
+                                    <p:cond delay="0"/>
+                                  </p:stCondLst>
+                                  <p:childTnLst>
+                                    <p:set>
+                                      <p:cBhvr>
+                                        <p:cTn id="6" dur="1" fill="hold">
+                                          <p:stCondLst>
+                                            <p:cond delay="0"/>
+                                          </p:stCondLst>
+                                        </p:cTn>
+                                        <p:tgtEl>
+                                          <p:spTgt spid="6"/>
+                                        </p:tgtEl>
+                                        <p:attrNameLst>
+                                          <p:attrName>style.visibility</p:attrName>
+                                        </p:attrNameLst>
+                                      </p:cBhvr>
+                                      <p:to>
+                                        <p:strVal val="visible"/>
+                                      </p:to>
+                                    </p:set>
+                                    <p:animEffect transition="in" filter="fade">
+                                      <p:cBhvr>
+                                        <p:cTn id="7" dur="500"/>
+                                        <p:tgtEl>
+                                          <p:spTgt spid="6"/>
+                                        </p:tgtEl>
+                                      </p:cBhvr>
+                                    </p:animEffect>
+                                  </p:childTnLst>
+                                </p:cTn>
+                              </p:par>
+                              <p:par>
+                                <p:cTn id="8" presetID="10" presetClass="entr" presetSubtype="0" fill="hold" grpId="0" nodeType="withEffect">
+                                  <p:stCondLst>
+                                    <p:cond delay="0"/>
+                                  </p:stCondLst>
+                                  <p:childTnLst>
+                                    <p:set>
+                                      <p:cBhvr>
+                                        <p:cTn id="9" dur="1" fill="hold">
+                                          <p:stCondLst>
+                                            <p:cond delay="0"/>
+                                          </p:stCondLst>
+                                        </p:cTn>
+                                        <p:tgtEl>
+                                          <p:spTgt spid="11"/>
+                                        </p:tgtEl>
+                                        <p:attrNameLst>
+                                          <p:attrName>style.visibility</p:attrName>
+                                        </p:attrNameLst>
+                                      </p:cBhvr>
+                                      <p:to>
+                                        <p:strVal val="visible"/>
+                                      </p:to>
+                                    </p:set>
+                                    <p:animEffect transition="in" filter="fade">
+                                      <p:cBhvr>
+                                        <p:cTn id="10" dur="500"/>
+                                        <p:tgtEl>
+                                          <p:spTgt spid="11"/>
+                                        </p:tgtEl>
+                                      </p:cBhvr>
+                                    </p:animEffect>
+                                  </p:childTnLst>
+                                </p:cTn>
+                              </p:par>
+                              <p:par>
+                                <p:cTn id="11" presetID="10" presetClass="entr" presetSubtype="0" fill="hold" grpId="0" nodeType="withEffect">
+                                  <p:stCondLst>
+                                    <p:cond delay="0"/>
+                                  </p:stCondLst>
+                                  <p:childTnLst>
+                                    <p:set>
+                                      <p:cBhvr>
+                                        <p:cTn id="12" dur="1" fill="hold">
+                                          <p:stCondLst>
+                                            <p:cond delay="0"/>
+                                          </p:stCondLst>
+                                        </p:cTn>
+                                        <p:tgtEl>
+                                          <p:spTgt spid="9"/>
+                                        </p:tgtEl>
+                                        <p:attrNameLst>
+                                          <p:attrName>style.visibility</p:attrName>
+                                        </p:attrNameLst>
+                                      </p:cBhvr>
+                                      <p:to>
+                                        <p:strVal val="visible"/>
+                                      </p:to>
+                                    </p:set>
+                                    <p:animEffect transition="in" filter="fade">
+                                      <p:cBhvr>
+                                        <p:cTn id="13" dur="500"/>
+                                        <p:tgtEl>
+                                          <p:spTgt spid="9"/>
+                                        </p:tgtEl>
+                                      </p:cBhvr>
+                                    </p:animEffect>
+                                  </p:childTnLst>
+                                </p:cTn>
+                              </p:par>
+                              <p:par>
+                                <p:cTn id="14" presetID="10" presetClass="entr" presetSubtype="0" fill="hold" grpId="0" nodeType="withEffect">
+                                  <p:stCondLst>
+                                    <p:cond delay="0"/>
+                                  </p:stCondLst>
+                                  <p:childTnLst>
+                                    <p:set>
+                                      <p:cBhvr>
+                                        <p:cTn id="15" dur="1" fill="hold">
+                                          <p:stCondLst>
+                                            <p:cond delay="0"/>
+                                          </p:stCondLst>
+                                        </p:cTn>
+                                        <p:tgtEl>
+                                          <p:spTgt spid="7"/>
+                                        </p:tgtEl>
+                                        <p:attrNameLst>
+                                          <p:attrName>style.visibility</p:attrName>
+                                        </p:attrNameLst>
+                                      </p:cBhvr>
+                                      <p:to>
+                                        <p:strVal val="visible"/>
+                                      </p:to>
+                                    </p:set>
+                                    <p:animEffect transition="in" filter="fade">
+                                      <p:cBhvr>
+                                        <p:cTn id="16" dur="500"/>
+                                        <p:tgtEl>
+                                          <p:spTgt spid="7"/>
+                                        </p:tgtEl>
+                                      </p:cBhvr>
+                                    </p:animEffect>
+                                  </p:childTnLst>
+                                </p:cTn>
+                              </p:par>
+                            </p:childTnLst>
+                          </p:cTn>
+                        </p:par>
+                      </p:childTnLst>
+                    </p:cTn>
+                  </p:par>
+                  <p:par>
+                    <p:cTn id="17" fill="hold">
+                      <p:stCondLst>
+                        <p:cond delay="indefinite"/>
+                      </p:stCondLst>
+                      <p:childTnLst>
+                        <p:par>
+                          <p:cTn id="18" fill="hold">
+                            <p:stCondLst>
+                              <p:cond delay="0"/>
+                            </p:stCondLst>
+                            <p:childTnLst>
+                              <p:par>
+                                <p:cTn id="19" presetID="10" presetClass="entr" presetSubtype="0" fill="hold" grpId="0" nodeType="clickEffect">
+                                  <p:stCondLst>
+                                    <p:cond delay="0"/>
+                                  </p:stCondLst>
+                                  <p:childTnLst>
+                                    <p:set>
+                                      <p:cBhvr>
+                                        <p:cTn id="20" dur="1" fill="hold">
+                                          <p:stCondLst>
+                                            <p:cond delay="0"/>
+                                          </p:stCondLst>
+                                        </p:cTn>
+                                        <p:tgtEl>
+                                          <p:spTgt spid="10"/>
+                                        </p:tgtEl>
+                                        <p:attrNameLst>
+                                          <p:attrName>style.visibility</p:attrName>
+                                        </p:attrNameLst>
+                                      </p:cBhvr>
+                                      <p:to>
+                                        <p:strVal val="visible"/>
+                                      </p:to>
+                                    </p:set>
+                                    <p:animEffect transition="in" filter="fade">
+                                      <p:cBhvr>
+                                        <p:cTn id="21" dur="500"/>
+                                        <p:tgtEl>
+                                          <p:spTgt spid="10"/>
+                                        </p:tgtEl>
+                                      </p:cBhvr>
+                                    </p:animEffect>
+                                  </p:childTnLst>
+                                </p:cTn>
+                              </p:par>
+                              <p:par>
+                                <p:cTn id="22" presetID="10" presetClass="entr" presetSubtype="0" fill="hold" grpId="0" nodeType="withEffect">
+                                  <p:stCondLst>
+                                    <p:cond delay="0"/>
+                                  </p:stCondLst>
+                                  <p:childTnLst>
+                                    <p:set>
+                                      <p:cBhvr>
+                                        <p:cTn id="23" dur="1" fill="hold">
+                                          <p:stCondLst>
+                                            <p:cond delay="0"/>
+                                          </p:stCondLst>
+                                        </p:cTn>
+                                        <p:tgtEl>
+                                          <p:spTgt spid="8"/>
+                                        </p:tgtEl>
+                                        <p:attrNameLst>
+                                          <p:attrName>style.visibility</p:attrName>
+                                        </p:attrNameLst>
+                                      </p:cBhvr>
+                                      <p:to>
+                                        <p:strVal val="visible"/>
+                                      </p:to>
+                                    </p:set>
+                                    <p:animEffect transition="in" filter="fade">
+                                      <p:cBhvr>
+                                        <p:cTn id="24" dur="500"/>
+                                        <p:tgtEl>
+                                          <p:spTgt spid="8"/>
+                                        </p:tgtEl>
+                                      </p:cBhvr>
+                                    </p:animEffect>
+                                  </p:childTnLst>
+                                </p:cTn>
+                              </p:par>
+                            </p:childTnLst>
+                          </p:cTn>
+                        </p:par>
+                      </p:childTnLst>
+                    </p:cTn>
+                  </p:par>
+                  <p:par>
+                    <p:cTn id="25" fill="hold">
+                      <p:stCondLst>
+                        <p:cond delay="indefinite"/>
+                      </p:stCondLst>
+                      <p:childTnLst>
+                        <p:par>
+                          <p:cTn id="26" fill="hold">
+                            <p:stCondLst>
+                              <p:cond delay="0"/>
+                            </p:stCondLst>
+                            <p:childTnLst>
+                              <p:par>
+                                <p:cTn id="27" presetID="10" presetClass="entr" presetSubtype="0" fill="hold" grpId="0" nodeType="clickEffect">
+                                  <p:stCondLst>
+                                    <p:cond delay="0"/>
+                                  </p:stCondLst>
+                                  <p:childTnLst>
+                                    <p:set>
+                                      <p:cBhvr>
+                                        <p:cTn id="28" dur="1" fill="hold">
+                                          <p:stCondLst>
+                                            <p:cond delay="0"/>
+                                          </p:stCondLst>
+                                        </p:cTn>
+                                        <p:tgtEl>
+                                          <p:spTgt spid="12"/>
+                                        </p:tgtEl>
+                                        <p:attrNameLst>
+                                          <p:attrName>style.visibility</p:attrName>
+                                        </p:attrNameLst>
+                                      </p:cBhvr>
+                                      <p:to>
+                                        <p:strVal val="visible"/>
+                                      </p:to>
+                                    </p:set>
+                                    <p:animEffect transition="in" filter="fade">
+                                      <p:cBhvr>
+                                        <p:cTn id="29" dur="500"/>
+                                        <p:tgtEl>
+                                          <p:spTgt spid="12"/>
+                                        </p:tgtEl>
+                                      </p:cBhvr>
+                                    </p:animEffect>
+                                  </p:childTnLst>
+                                </p:cTn>
+                              </p:par>
+                            </p:childTnLst>
+                          </p:cTn>
+                        </p:par>
+                      </p:childTnLst>
+                    </p:cTn>
+                  </p:par>
+                  <p:par>
+                    <p:cTn id="30" fill="hold">
+                      <p:stCondLst>
+                        <p:cond delay="indefinite"/>
+                      </p:stCondLst>
+                      <p:childTnLst>
+                        <p:par>
+                          <p:cTn id="31" fill="hold">
+                            <p:stCondLst>
+                              <p:cond delay="0"/>
+                            </p:stCondLst>
+                            <p:childTnLst>
+                              <p:par>
+                                <p:cTn id="32" presetID="10" presetClass="entr" presetSubtype="0" fill="hold" grpId="0" nodeType="clickEffect">
+                                  <p:stCondLst>
+                                    <p:cond delay="0"/>
+                                  </p:stCondLst>
+                                  <p:childTnLst>
+                                    <p:set>
+                                      <p:cBhvr>
+                                        <p:cTn id="33" dur="1" fill="hold">
+                                          <p:stCondLst>
+                                            <p:cond delay="0"/>
+                                          </p:stCondLst>
+                                        </p:cTn>
+                                        <p:tgtEl>
+                                          <p:spTgt spid="13"/>
+                                        </p:tgtEl>
+                                        <p:attrNameLst>
+                                          <p:attrName>style.visibility</p:attrName>
+                                        </p:attrNameLst>
+                                      </p:cBhvr>
+                                      <p:to>
+                                        <p:strVal val="visible"/>
+                                      </p:to>
+                                    </p:set>
+                                    <p:animEffect transition="in" filter="fade">
+                                      <p:cBhvr>
+                                        <p:cTn id="34" dur="500"/>
+                                        <p:tgtEl>
+                                          <p:spTgt spid="13"/>
+                                        </p:tgtEl>
+                                      </p:cBhvr>
+                                    </p:animEffect>
+                                  </p:childTnLst>
+                                </p:cTn>
+                              </p:par>
+                            </p:childTnLst>
+                          </p:cTn>
+                        </p:par>
+                      </p:childTnLst>
+                    </p:cTn>
+                  </p:par>
+                </p:childTnLst>
+              </p:cTn>
+              <p:prevCondLst>
+                <p:cond evt="onPrev" delay="0">
+                  <p:tgtEl>
+                    <p:sldTgt/>
+                  </p:tgtEl>
+                </p:cond>
+              </p:prevCondLst>
+              <p:nextCondLst>
+                <p:cond evt="onNext" delay="0">
+                  <p:tgtEl>
+                    <p:sldTgt/>
+                  </p:tgtEl>
+                </p:cond>
+              </p:nextCondLst>
+            </p:seq>
+          </p:childTnLst>
+        </p:cTn>
       </p:par>
     </p:tnLst>
+    <p:bldLst>
+      <p:bldP spid="6" grpId="0" animBg="1"/>
+      <p:bldP spid="7" grpId="0" animBg="1"/>
+      <p:bldP spid="8" grpId="0" animBg="1"/>
+      <p:bldP spid="9" grpId="0" animBg="1"/>
+      <p:bldP spid="10" grpId="0" animBg="1"/>
+      <p:bldP spid="11" grpId="0" animBg="1"/>
+      <p:bldP spid="12" grpId="0" animBg="1"/>
+      <p:bldP spid="13" grpId="0" animBg="1"/>
+    </p:bldLst>
   </p:timing>
 </p:sld>
 </file>
@@ -6953,39 +7864,85 @@
           <a:p>
             <a:r>
               <a:rPr kumimoji="1" lang="ja-JP" altLang="en-US" smtClean="0"/>
+              <a:t>発表内容</a:t>
+            </a:r>
+            <a:endParaRPr kumimoji="1" lang="ja-JP" altLang="en-US"/>
+          </a:p>
+        </p:txBody>
+      </p:sp>
+      <p:sp>
+        <p:nvSpPr>
+          <p:cNvPr id="3" name="コンテンツ プレースホルダー 2"/>
+          <p:cNvSpPr>
+            <a:spLocks noGrp="1"/>
+          </p:cNvSpPr>
+          <p:nvPr>
+            <p:ph idx="1"/>
+          </p:nvPr>
+        </p:nvSpPr>
+        <p:spPr/>
+        <p:txBody>
+          <a:bodyPr>
+            <a:normAutofit/>
+          </a:bodyPr>
+          <a:lstStyle/>
+          <a:p>
+            <a:r>
+              <a:rPr kumimoji="1" lang="ja-JP" altLang="en-US" sz="4000" smtClean="0"/>
+              <a:t>研究背景</a:t>
+            </a:r>
+            <a:endParaRPr kumimoji="1" lang="en-US" altLang="ja-JP" sz="4000" smtClean="0"/>
+          </a:p>
+          <a:p>
+            <a:r>
+              <a:rPr lang="ja-JP" altLang="en-US" sz="4000"/>
+              <a:t>研究</a:t>
+            </a:r>
+            <a:r>
+              <a:rPr lang="ja-JP" altLang="en-US" sz="4000" smtClean="0"/>
+              <a:t>概要</a:t>
+            </a:r>
+            <a:endParaRPr lang="en-US" altLang="ja-JP" sz="4000" smtClean="0"/>
+          </a:p>
+          <a:p>
+            <a:r>
+              <a:rPr kumimoji="1" lang="ja-JP" altLang="en-US" sz="4000" smtClean="0">
+                <a:solidFill>
+                  <a:srgbClr val="7030A0"/>
+                </a:solidFill>
+              </a:rPr>
               <a:t>進捗状況</a:t>
             </a:r>
-            <a:r>
-              <a:rPr kumimoji="1" lang="en-US" altLang="ja-JP" smtClean="0"/>
-              <a:t>(1/4)</a:t>
-            </a:r>
-            <a:endParaRPr kumimoji="1" lang="ja-JP" altLang="en-US"/>
-          </a:p>
-        </p:txBody>
-      </p:sp>
-      <p:sp>
-        <p:nvSpPr>
-          <p:cNvPr id="3" name="コンテンツ プレースホルダー 2"/>
-          <p:cNvSpPr>
-            <a:spLocks noGrp="1"/>
-          </p:cNvSpPr>
-          <p:nvPr>
-            <p:ph idx="1"/>
-          </p:nvPr>
-        </p:nvSpPr>
-        <p:spPr/>
-        <p:txBody>
-          <a:bodyPr/>
-          <a:lstStyle/>
-          <a:p>
-            <a:endParaRPr kumimoji="1" lang="ja-JP" altLang="en-US"/>
+            <a:endParaRPr kumimoji="1" lang="en-US" altLang="ja-JP" sz="4000" smtClean="0">
+              <a:solidFill>
+                <a:srgbClr val="7030A0"/>
+              </a:solidFill>
+            </a:endParaRPr>
+          </a:p>
+          <a:p>
+            <a:r>
+              <a:rPr lang="ja-JP" altLang="en-US" sz="4000"/>
+              <a:t>まとめ</a:t>
+            </a:r>
+            <a:endParaRPr kumimoji="1" lang="en-US" altLang="ja-JP" sz="4000" smtClean="0"/>
+          </a:p>
+          <a:p>
+            <a:r>
+              <a:rPr lang="ja-JP" altLang="en-US" sz="4000"/>
+              <a:t>今後</a:t>
+            </a:r>
+            <a:r>
+              <a:rPr lang="ja-JP" altLang="en-US" sz="4000" smtClean="0"/>
+              <a:t>の予定</a:t>
+            </a:r>
+            <a:endParaRPr kumimoji="1" lang="en-US" altLang="ja-JP" sz="4000" smtClean="0"/>
           </a:p>
         </p:txBody>
       </p:sp>
     </p:spTree>
     <p:extLst>
       <p:ext uri="{BB962C8B-B14F-4D97-AF65-F5344CB8AC3E}">
-        <p14:creationId xmlns:p14="http://schemas.microsoft.com/office/powerpoint/2010/main" val="1686144605"/>
+        <p14:creationId xmlns:p14="http://schemas.microsoft.com/office/powerpoint/2010/main" val="3341590746"/>
       </p:ext>
     </p:extLst>
   </p:cSld>
@@ -7040,7 +7997,7 @@
             </a:r>
             <a:r>
               <a:rPr kumimoji="1" lang="en-US" altLang="ja-JP" smtClean="0"/>
-              <a:t>(2/4)</a:t>
+              <a:t>(1/4)</a:t>
             </a:r>
             <a:endParaRPr kumimoji="1" lang="ja-JP" altLang="en-US"/>
           </a:p>
@@ -7061,6 +8018,50 @@
           <a:bodyPr/>
           <a:lstStyle/>
           <a:p>
+            <a:r>
+              <a:rPr kumimoji="1" lang="ja-JP" altLang="en-US" smtClean="0"/>
+              <a:t>モデルカタログの読み合わせ</a:t>
+            </a:r>
+            <a:endParaRPr kumimoji="1" lang="en-US" altLang="ja-JP" smtClean="0"/>
+          </a:p>
+          <a:p>
+            <a:pPr lvl="1"/>
+            <a:r>
+              <a:rPr lang="en-US" altLang="ja-JP" smtClean="0"/>
+              <a:t>NXT LEGO MINDSTORMS</a:t>
+            </a:r>
+            <a:r>
+              <a:rPr lang="ja-JP" altLang="en-US" smtClean="0"/>
+              <a:t>のどの部分に利用出来るか</a:t>
+            </a:r>
+            <a:endParaRPr lang="en-US" altLang="ja-JP" smtClean="0"/>
+          </a:p>
+          <a:p>
+            <a:pPr lvl="1"/>
+            <a:r>
+              <a:rPr lang="ja-JP" altLang="en-US" smtClean="0"/>
+              <a:t>結果、輝度値制御、尻尾モータ角度制御、曲率半径制御に利用出来そう</a:t>
+            </a:r>
+            <a:endParaRPr lang="en-US" altLang="ja-JP" smtClean="0"/>
+          </a:p>
+          <a:p>
+            <a:pPr lvl="1"/>
+            <a:r>
+              <a:rPr kumimoji="1" lang="ja-JP" altLang="en-US"/>
+              <a:t>いくつ</a:t>
+            </a:r>
+            <a:r>
+              <a:rPr kumimoji="1" lang="ja-JP" altLang="en-US" smtClean="0"/>
+              <a:t>か気になるポイントがあった</a:t>
+            </a:r>
+            <a:endParaRPr kumimoji="1" lang="en-US" altLang="ja-JP" smtClean="0"/>
+          </a:p>
+          <a:p>
+            <a:pPr lvl="2"/>
+            <a:r>
+              <a:rPr lang="ja-JP" altLang="en-US" smtClean="0"/>
+              <a:t>粒度、使わなそうなクラスの存在</a:t>
+            </a:r>
             <a:endParaRPr kumimoji="1" lang="ja-JP" altLang="en-US"/>
           </a:p>
         </p:txBody>
@@ -7068,7 +8069,7 @@
     </p:spTree>
     <p:extLst>
       <p:ext uri="{BB962C8B-B14F-4D97-AF65-F5344CB8AC3E}">
-        <p14:creationId xmlns:p14="http://schemas.microsoft.com/office/powerpoint/2010/main" val="3174473367"/>
+        <p14:creationId xmlns:p14="http://schemas.microsoft.com/office/powerpoint/2010/main" val="1686144605"/>
       </p:ext>
     </p:extLst>
   </p:cSld>
@@ -7123,7 +8124,7 @@
             </a:r>
             <a:r>
               <a:rPr kumimoji="1" lang="en-US" altLang="ja-JP" smtClean="0"/>
-              <a:t>(3/4)</a:t>
+              <a:t>(2/4)</a:t>
             </a:r>
             <a:endParaRPr kumimoji="1" lang="ja-JP" altLang="en-US"/>
           </a:p>
@@ -7144,6 +8145,33 @@
           <a:bodyPr/>
           <a:lstStyle/>
           <a:p>
+            <a:r>
+              <a:rPr kumimoji="1" lang="ja-JP" altLang="en-US" smtClean="0"/>
+              <a:t>輝度値制御</a:t>
+            </a:r>
+            <a:endParaRPr kumimoji="1" lang="en-US" altLang="ja-JP" smtClean="0"/>
+          </a:p>
+          <a:p>
+            <a:pPr lvl="1"/>
+            <a:r>
+              <a:rPr lang="ja-JP" altLang="en-US"/>
+              <a:t>輝度値</a:t>
+            </a:r>
+            <a:r>
+              <a:rPr lang="ja-JP" altLang="en-US" smtClean="0"/>
+              <a:t>制御とは</a:t>
+            </a:r>
+            <a:r>
+              <a:rPr lang="en-US" altLang="ja-JP" smtClean="0"/>
+              <a:t>…</a:t>
+            </a:r>
+          </a:p>
+          <a:p>
+            <a:pPr lvl="1"/>
+            <a:r>
+              <a:rPr kumimoji="1" lang="ja-JP" altLang="en-US" smtClean="0"/>
+              <a:t>クラス図を出す</a:t>
+            </a:r>
             <a:endParaRPr kumimoji="1" lang="ja-JP" altLang="en-US"/>
           </a:p>
         </p:txBody>
@@ -7151,7 +8179,7 @@
     </p:spTree>
     <p:extLst>
       <p:ext uri="{BB962C8B-B14F-4D97-AF65-F5344CB8AC3E}">
-        <p14:creationId xmlns:p14="http://schemas.microsoft.com/office/powerpoint/2010/main" val="1470944524"/>
+        <p14:creationId xmlns:p14="http://schemas.microsoft.com/office/powerpoint/2010/main" val="3174473367"/>
       </p:ext>
     </p:extLst>
   </p:cSld>
@@ -7206,7 +8234,7 @@
             </a:r>
             <a:r>
               <a:rPr kumimoji="1" lang="en-US" altLang="ja-JP" smtClean="0"/>
-              <a:t>(4/4)</a:t>
+              <a:t>(3/4)</a:t>
             </a:r>
             <a:endParaRPr kumimoji="1" lang="ja-JP" altLang="en-US"/>
           </a:p>
@@ -7227,6 +8255,33 @@
           <a:bodyPr/>
           <a:lstStyle/>
           <a:p>
+            <a:r>
+              <a:rPr kumimoji="1" lang="ja-JP" altLang="en-US" smtClean="0"/>
+              <a:t>尻尾モータ角度制御</a:t>
+            </a:r>
+            <a:endParaRPr kumimoji="1" lang="en-US" altLang="ja-JP" smtClean="0"/>
+          </a:p>
+          <a:p>
+            <a:pPr lvl="1"/>
+            <a:r>
+              <a:rPr lang="ja-JP" altLang="en-US"/>
+              <a:t>尻尾</a:t>
+            </a:r>
+            <a:r>
+              <a:rPr lang="ja-JP" altLang="en-US" smtClean="0"/>
+              <a:t>モータ角度制御とは</a:t>
+            </a:r>
+            <a:r>
+              <a:rPr lang="en-US" altLang="ja-JP" smtClean="0"/>
+              <a:t>…</a:t>
+            </a:r>
+          </a:p>
+          <a:p>
+            <a:pPr lvl="1"/>
+            <a:r>
+              <a:rPr kumimoji="1" lang="ja-JP" altLang="en-US" smtClean="0"/>
+              <a:t>クラス図を出す</a:t>
+            </a:r>
             <a:endParaRPr kumimoji="1" lang="ja-JP" altLang="en-US"/>
           </a:p>
         </p:txBody>
@@ -7234,7 +8289,7 @@
     </p:spTree>
     <p:extLst>
       <p:ext uri="{BB962C8B-B14F-4D97-AF65-F5344CB8AC3E}">
-        <p14:creationId xmlns:p14="http://schemas.microsoft.com/office/powerpoint/2010/main" val="1588375918"/>
+        <p14:creationId xmlns:p14="http://schemas.microsoft.com/office/powerpoint/2010/main" val="1470944524"/>
       </p:ext>
     </p:extLst>
   </p:cSld>
@@ -7285,7 +8340,11 @@
           <a:p>
             <a:r>
               <a:rPr kumimoji="1" lang="ja-JP" altLang="en-US" smtClean="0"/>
-              <a:t>発表内容</a:t>
+              <a:t>進捗状況</a:t>
+            </a:r>
+            <a:r>
+              <a:rPr kumimoji="1" lang="en-US" altLang="ja-JP" smtClean="0"/>
+              <a:t>(4/4)</a:t>
             </a:r>
             <a:endParaRPr kumimoji="1" lang="ja-JP" altLang="en-US"/>
           </a:p>
@@ -7303,67 +8362,49 @@
         </p:nvSpPr>
         <p:spPr/>
         <p:txBody>
-          <a:bodyPr>
-            <a:normAutofit/>
-          </a:bodyPr>
-          <a:lstStyle/>
-          <a:p>
-            <a:r>
-              <a:rPr kumimoji="1" lang="ja-JP" altLang="en-US" sz="4000" smtClean="0"/>
-              <a:t>研究背景</a:t>
-            </a:r>
-            <a:endParaRPr kumimoji="1" lang="en-US" altLang="ja-JP" sz="4000" smtClean="0"/>
-          </a:p>
-          <a:p>
-            <a:r>
-              <a:rPr lang="ja-JP" altLang="en-US" sz="4000"/>
-              <a:t>研究</a:t>
-            </a:r>
-            <a:r>
-              <a:rPr lang="ja-JP" altLang="en-US" sz="4000" smtClean="0"/>
-              <a:t>概要</a:t>
-            </a:r>
-            <a:endParaRPr lang="en-US" altLang="ja-JP" sz="4000" smtClean="0"/>
-          </a:p>
-          <a:p>
-            <a:r>
-              <a:rPr kumimoji="1" lang="ja-JP" altLang="en-US" sz="4000" smtClean="0"/>
-              <a:t>進捗状況</a:t>
-            </a:r>
-            <a:endParaRPr kumimoji="1" lang="en-US" altLang="ja-JP" sz="4000" smtClean="0"/>
-          </a:p>
-          <a:p>
-            <a:r>
-              <a:rPr lang="ja-JP" altLang="en-US" sz="4000">
-                <a:solidFill>
-                  <a:srgbClr val="7030A0"/>
-                </a:solidFill>
-              </a:rPr>
-              <a:t>まとめ</a:t>
-            </a:r>
-            <a:endParaRPr kumimoji="1" lang="en-US" altLang="ja-JP" sz="4000" smtClean="0">
-              <a:solidFill>
-                <a:srgbClr val="7030A0"/>
-              </a:solidFill>
-            </a:endParaRPr>
-          </a:p>
-          <a:p>
-            <a:r>
-              <a:rPr lang="ja-JP" altLang="en-US" sz="4000"/>
-              <a:t>今後</a:t>
-            </a:r>
-            <a:r>
-              <a:rPr lang="ja-JP" altLang="en-US" sz="4000" smtClean="0"/>
-              <a:t>の予定</a:t>
-            </a:r>
-            <a:endParaRPr kumimoji="1" lang="en-US" altLang="ja-JP" sz="4000" smtClean="0"/>
+          <a:bodyPr/>
+          <a:lstStyle/>
+          <a:p>
+            <a:r>
+              <a:rPr kumimoji="1" lang="en-US" altLang="ja-JP" smtClean="0"/>
+              <a:t>DONKEY</a:t>
+            </a:r>
+            <a:r>
+              <a:rPr kumimoji="1" lang="ja-JP" altLang="en-US" smtClean="0"/>
+              <a:t>への実装</a:t>
+            </a:r>
+            <a:endParaRPr kumimoji="1" lang="en-US" altLang="ja-JP" smtClean="0"/>
+          </a:p>
+          <a:p>
+            <a:pPr lvl="1"/>
+            <a:r>
+              <a:rPr lang="en-US" altLang="ja-JP" smtClean="0"/>
+              <a:t>DONKEY</a:t>
+            </a:r>
+            <a:r>
+              <a:rPr lang="ja-JP" altLang="en-US" smtClean="0"/>
+              <a:t>とは？</a:t>
+            </a:r>
+            <a:endParaRPr lang="en-US" altLang="ja-JP" smtClean="0"/>
+          </a:p>
+          <a:p>
+            <a:pPr lvl="1"/>
+            <a:r>
+              <a:rPr lang="en-US" altLang="ja-JP" smtClean="0"/>
+              <a:t>NXT LEGO MINDSTORMS</a:t>
+            </a:r>
+            <a:r>
+              <a:rPr lang="ja-JP" altLang="en-US" smtClean="0"/>
+              <a:t>とどの点において異なるのか</a:t>
+            </a:r>
+            <a:endParaRPr kumimoji="1" lang="ja-JP" altLang="en-US"/>
           </a:p>
         </p:txBody>
       </p:sp>
     </p:spTree>
     <p:extLst>
       <p:ext uri="{BB962C8B-B14F-4D97-AF65-F5344CB8AC3E}">
-        <p14:creationId xmlns:p14="http://schemas.microsoft.com/office/powerpoint/2010/main" val="3341590746"/>
+        <p14:creationId xmlns:p14="http://schemas.microsoft.com/office/powerpoint/2010/main" val="1588375918"/>
       </p:ext>
     </p:extLst>
   </p:cSld>
@@ -7414,35 +8455,85 @@
           <a:p>
             <a:r>
               <a:rPr kumimoji="1" lang="ja-JP" altLang="en-US" smtClean="0"/>
+              <a:t>発表内容</a:t>
+            </a:r>
+            <a:endParaRPr kumimoji="1" lang="ja-JP" altLang="en-US"/>
+          </a:p>
+        </p:txBody>
+      </p:sp>
+      <p:sp>
+        <p:nvSpPr>
+          <p:cNvPr id="3" name="コンテンツ プレースホルダー 2"/>
+          <p:cNvSpPr>
+            <a:spLocks noGrp="1"/>
+          </p:cNvSpPr>
+          <p:nvPr>
+            <p:ph idx="1"/>
+          </p:nvPr>
+        </p:nvSpPr>
+        <p:spPr/>
+        <p:txBody>
+          <a:bodyPr>
+            <a:normAutofit/>
+          </a:bodyPr>
+          <a:lstStyle/>
+          <a:p>
+            <a:r>
+              <a:rPr kumimoji="1" lang="ja-JP" altLang="en-US" sz="4000" smtClean="0"/>
+              <a:t>研究背景</a:t>
+            </a:r>
+            <a:endParaRPr kumimoji="1" lang="en-US" altLang="ja-JP" sz="4000" smtClean="0"/>
+          </a:p>
+          <a:p>
+            <a:r>
+              <a:rPr lang="ja-JP" altLang="en-US" sz="4000"/>
+              <a:t>研究</a:t>
+            </a:r>
+            <a:r>
+              <a:rPr lang="ja-JP" altLang="en-US" sz="4000" smtClean="0"/>
+              <a:t>概要</a:t>
+            </a:r>
+            <a:endParaRPr lang="en-US" altLang="ja-JP" sz="4000" smtClean="0"/>
+          </a:p>
+          <a:p>
+            <a:r>
+              <a:rPr kumimoji="1" lang="ja-JP" altLang="en-US" sz="4000" smtClean="0"/>
+              <a:t>進捗状況</a:t>
+            </a:r>
+            <a:endParaRPr kumimoji="1" lang="en-US" altLang="ja-JP" sz="4000" smtClean="0"/>
+          </a:p>
+          <a:p>
+            <a:r>
+              <a:rPr lang="ja-JP" altLang="en-US" sz="4000">
+                <a:solidFill>
+                  <a:srgbClr val="7030A0"/>
+                </a:solidFill>
+              </a:rPr>
               <a:t>まとめ</a:t>
             </a:r>
-            <a:endParaRPr kumimoji="1" lang="ja-JP" altLang="en-US"/>
-          </a:p>
-        </p:txBody>
-      </p:sp>
-      <p:sp>
-        <p:nvSpPr>
-          <p:cNvPr id="3" name="コンテンツ プレースホルダー 2"/>
-          <p:cNvSpPr>
-            <a:spLocks noGrp="1"/>
-          </p:cNvSpPr>
-          <p:nvPr>
-            <p:ph idx="1"/>
-          </p:nvPr>
-        </p:nvSpPr>
-        <p:spPr/>
-        <p:txBody>
-          <a:bodyPr/>
-          <a:lstStyle/>
-          <a:p>
-            <a:endParaRPr kumimoji="1" lang="ja-JP" altLang="en-US"/>
+            <a:endParaRPr kumimoji="1" lang="en-US" altLang="ja-JP" sz="4000" smtClean="0">
+              <a:solidFill>
+                <a:srgbClr val="7030A0"/>
+              </a:solidFill>
+            </a:endParaRPr>
+          </a:p>
+          <a:p>
+            <a:r>
+              <a:rPr lang="ja-JP" altLang="en-US" sz="4000"/>
+              <a:t>今後</a:t>
+            </a:r>
+            <a:r>
+              <a:rPr lang="ja-JP" altLang="en-US" sz="4000" smtClean="0"/>
+              <a:t>の予定</a:t>
+            </a:r>
+            <a:endParaRPr kumimoji="1" lang="en-US" altLang="ja-JP" sz="4000" smtClean="0"/>
           </a:p>
         </p:txBody>
       </p:sp>
     </p:spTree>
     <p:extLst>
       <p:ext uri="{BB962C8B-B14F-4D97-AF65-F5344CB8AC3E}">
-        <p14:creationId xmlns:p14="http://schemas.microsoft.com/office/powerpoint/2010/main" val="508215717"/>
+        <p14:creationId xmlns:p14="http://schemas.microsoft.com/office/powerpoint/2010/main" val="3341590746"/>
       </p:ext>
     </p:extLst>
   </p:cSld>
@@ -7614,7 +8705,7 @@
           <a:p>
             <a:r>
               <a:rPr kumimoji="1" lang="ja-JP" altLang="en-US" smtClean="0"/>
-              <a:t>発表内容</a:t>
+              <a:t>まとめ</a:t>
             </a:r>
             <a:endParaRPr kumimoji="1" lang="ja-JP" altLang="en-US"/>
           </a:p>
@@ -7632,71 +8723,46 @@
         </p:nvSpPr>
         <p:spPr/>
         <p:txBody>
-          <a:bodyPr>
-            <a:normAutofit/>
-          </a:bodyPr>
-          <a:lstStyle/>
-          <a:p>
-            <a:r>
-              <a:rPr kumimoji="1" lang="ja-JP" altLang="en-US" sz="4000" smtClean="0"/>
-              <a:t>研究背景</a:t>
-            </a:r>
-            <a:endParaRPr kumimoji="1" lang="en-US" altLang="ja-JP" sz="4000" smtClean="0"/>
-          </a:p>
-          <a:p>
-            <a:r>
-              <a:rPr lang="ja-JP" altLang="en-US" sz="4000"/>
-              <a:t>研究</a:t>
-            </a:r>
-            <a:r>
-              <a:rPr lang="ja-JP" altLang="en-US" sz="4000" smtClean="0"/>
-              <a:t>概要</a:t>
-            </a:r>
-            <a:endParaRPr lang="en-US" altLang="ja-JP" sz="4000" smtClean="0"/>
-          </a:p>
-          <a:p>
-            <a:r>
-              <a:rPr kumimoji="1" lang="ja-JP" altLang="en-US" sz="4000" smtClean="0"/>
-              <a:t>進捗状況</a:t>
-            </a:r>
-            <a:endParaRPr kumimoji="1" lang="en-US" altLang="ja-JP" sz="4000" smtClean="0"/>
-          </a:p>
-          <a:p>
-            <a:r>
-              <a:rPr lang="ja-JP" altLang="en-US" sz="4000"/>
-              <a:t>まとめ</a:t>
-            </a:r>
-            <a:endParaRPr kumimoji="1" lang="en-US" altLang="ja-JP" sz="4000" smtClean="0"/>
-          </a:p>
-          <a:p>
-            <a:r>
-              <a:rPr lang="ja-JP" altLang="en-US" sz="4000">
-                <a:solidFill>
-                  <a:srgbClr val="7030A0"/>
-                </a:solidFill>
-              </a:rPr>
-              <a:t>今後</a:t>
-            </a:r>
-            <a:r>
-              <a:rPr lang="ja-JP" altLang="en-US" sz="4000" smtClean="0">
-                <a:solidFill>
-                  <a:srgbClr val="7030A0"/>
-                </a:solidFill>
-              </a:rPr>
-              <a:t>の予定</a:t>
-            </a:r>
-            <a:endParaRPr kumimoji="1" lang="en-US" altLang="ja-JP" sz="4000" smtClean="0">
-              <a:solidFill>
-                <a:srgbClr val="7030A0"/>
-              </a:solidFill>
-            </a:endParaRPr>
+          <a:bodyPr/>
+          <a:lstStyle/>
+          <a:p>
+            <a:r>
+              <a:rPr lang="ja-JP" altLang="en-US" smtClean="0"/>
+              <a:t>組込みシステム業界におけるモデルベース開発の現状</a:t>
+            </a:r>
+            <a:endParaRPr lang="en-US" altLang="ja-JP" smtClean="0"/>
+          </a:p>
+          <a:p>
+            <a:r>
+              <a:rPr lang="en-US" altLang="ja-JP" smtClean="0"/>
+              <a:t>UMTP Japan</a:t>
+            </a:r>
+            <a:r>
+              <a:rPr lang="ja-JP" altLang="en-US" smtClean="0"/>
+              <a:t>がモデルカタログを発表</a:t>
+            </a:r>
+            <a:endParaRPr lang="en-US" altLang="ja-JP" smtClean="0"/>
+          </a:p>
+          <a:p>
+            <a:r>
+              <a:rPr lang="ja-JP" altLang="en-US" smtClean="0"/>
+              <a:t>有用性が明らかになっていないため、有用性の検証を行う</a:t>
+            </a:r>
+            <a:endParaRPr lang="en-US" altLang="ja-JP" smtClean="0"/>
+          </a:p>
+          <a:p>
+            <a:r>
+              <a:rPr lang="ja-JP" altLang="en-US" smtClean="0"/>
+              <a:t>どうやって？</a:t>
+            </a:r>
+            <a:endParaRPr lang="en-US" altLang="ja-JP" smtClean="0"/>
           </a:p>
         </p:txBody>
       </p:sp>
     </p:spTree>
     <p:extLst>
       <p:ext uri="{BB962C8B-B14F-4D97-AF65-F5344CB8AC3E}">
-        <p14:creationId xmlns:p14="http://schemas.microsoft.com/office/powerpoint/2010/main" val="3341590746"/>
+        <p14:creationId xmlns:p14="http://schemas.microsoft.com/office/powerpoint/2010/main" val="508215717"/>
       </p:ext>
     </p:extLst>
   </p:cSld>
@@ -7747,6 +8813,139 @@
           <a:p>
             <a:r>
               <a:rPr kumimoji="1" lang="ja-JP" altLang="en-US" smtClean="0"/>
+              <a:t>発表内容</a:t>
+            </a:r>
+            <a:endParaRPr kumimoji="1" lang="ja-JP" altLang="en-US"/>
+          </a:p>
+        </p:txBody>
+      </p:sp>
+      <p:sp>
+        <p:nvSpPr>
+          <p:cNvPr id="3" name="コンテンツ プレースホルダー 2"/>
+          <p:cNvSpPr>
+            <a:spLocks noGrp="1"/>
+          </p:cNvSpPr>
+          <p:nvPr>
+            <p:ph idx="1"/>
+          </p:nvPr>
+        </p:nvSpPr>
+        <p:spPr/>
+        <p:txBody>
+          <a:bodyPr>
+            <a:normAutofit/>
+          </a:bodyPr>
+          <a:lstStyle/>
+          <a:p>
+            <a:r>
+              <a:rPr kumimoji="1" lang="ja-JP" altLang="en-US" sz="4000" smtClean="0"/>
+              <a:t>研究背景</a:t>
+            </a:r>
+            <a:endParaRPr kumimoji="1" lang="en-US" altLang="ja-JP" sz="4000" smtClean="0"/>
+          </a:p>
+          <a:p>
+            <a:r>
+              <a:rPr lang="ja-JP" altLang="en-US" sz="4000"/>
+              <a:t>研究</a:t>
+            </a:r>
+            <a:r>
+              <a:rPr lang="ja-JP" altLang="en-US" sz="4000" smtClean="0"/>
+              <a:t>概要</a:t>
+            </a:r>
+            <a:endParaRPr lang="en-US" altLang="ja-JP" sz="4000" smtClean="0"/>
+          </a:p>
+          <a:p>
+            <a:r>
+              <a:rPr kumimoji="1" lang="ja-JP" altLang="en-US" sz="4000" smtClean="0"/>
+              <a:t>進捗状況</a:t>
+            </a:r>
+            <a:endParaRPr kumimoji="1" lang="en-US" altLang="ja-JP" sz="4000" smtClean="0"/>
+          </a:p>
+          <a:p>
+            <a:r>
+              <a:rPr lang="ja-JP" altLang="en-US" sz="4000"/>
+              <a:t>まとめ</a:t>
+            </a:r>
+            <a:endParaRPr kumimoji="1" lang="en-US" altLang="ja-JP" sz="4000" smtClean="0"/>
+          </a:p>
+          <a:p>
+            <a:r>
+              <a:rPr lang="ja-JP" altLang="en-US" sz="4000">
+                <a:solidFill>
+                  <a:srgbClr val="7030A0"/>
+                </a:solidFill>
+              </a:rPr>
+              <a:t>今後</a:t>
+            </a:r>
+            <a:r>
+              <a:rPr lang="ja-JP" altLang="en-US" sz="4000" smtClean="0">
+                <a:solidFill>
+                  <a:srgbClr val="7030A0"/>
+                </a:solidFill>
+              </a:rPr>
+              <a:t>の予定</a:t>
+            </a:r>
+            <a:endParaRPr kumimoji="1" lang="en-US" altLang="ja-JP" sz="4000" smtClean="0">
+              <a:solidFill>
+                <a:srgbClr val="7030A0"/>
+              </a:solidFill>
+            </a:endParaRPr>
+          </a:p>
+        </p:txBody>
+      </p:sp>
+    </p:spTree>
+    <p:extLst>
+      <p:ext uri="{BB962C8B-B14F-4D97-AF65-F5344CB8AC3E}">
+        <p14:creationId xmlns:p14="http://schemas.microsoft.com/office/powerpoint/2010/main" val="3341590746"/>
+      </p:ext>
+    </p:extLst>
+  </p:cSld>
+  <p:clrMapOvr>
+    <a:masterClrMapping/>
+  </p:clrMapOvr>
+  <p:timing>
+    <p:tnLst>
+      <p:par>
+        <p:cTn id="1" dur="indefinite" restart="never" nodeType="tmRoot"/>
+      </p:par>
+    </p:tnLst>
+  </p:timing>
+</p:sld>
+</file>
+
+<file path=ppt/slides/slide22.xml><?xml version="1.0" encoding="utf-8"?>
+<p:sld xmlns:a="http://schemas.openxmlformats.org/drawingml/2006/main" xmlns:r="http://schemas.openxmlformats.org/officeDocument/2006/relationships" xmlns:p="http://schemas.openxmlformats.org/presentationml/2006/main">
+  <p:cSld>
+    <p:spTree>
+      <p:nvGrpSpPr>
+        <p:cNvPr id="1" name=""/>
+        <p:cNvGrpSpPr/>
+        <p:nvPr/>
+      </p:nvGrpSpPr>
+      <p:grpSpPr>
+        <a:xfrm>
+          <a:off x="0" y="0"/>
+          <a:ext cx="0" cy="0"/>
+          <a:chOff x="0" y="0"/>
+          <a:chExt cx="0" cy="0"/>
+        </a:xfrm>
+      </p:grpSpPr>
+      <p:sp>
+        <p:nvSpPr>
+          <p:cNvPr id="2" name="タイトル 1"/>
+          <p:cNvSpPr>
+            <a:spLocks noGrp="1"/>
+          </p:cNvSpPr>
+          <p:nvPr>
+            <p:ph type="title"/>
+          </p:nvPr>
+        </p:nvSpPr>
+        <p:spPr/>
+        <p:txBody>
+          <a:bodyPr/>
+          <a:lstStyle/>
+          <a:p>
+            <a:r>
+              <a:rPr kumimoji="1" lang="ja-JP" altLang="en-US" smtClean="0"/>
               <a:t>今後の予定</a:t>
             </a:r>
             <a:endParaRPr kumimoji="1" lang="ja-JP" altLang="en-US"/>
@@ -7768,6 +8967,39 @@
           <a:bodyPr/>
           <a:lstStyle/>
           <a:p>
+            <a:r>
+              <a:rPr lang="ja-JP" altLang="en-US"/>
+              <a:t>二輪制御ロボットに対してはモデルカタログは有効である可能性が高い</a:t>
+            </a:r>
+            <a:endParaRPr lang="en-US" altLang="ja-JP"/>
+          </a:p>
+          <a:p>
+            <a:r>
+              <a:rPr lang="ja-JP" altLang="en-US"/>
+              <a:t>一部未実装のクラス（機能）があるため、それを検証</a:t>
+            </a:r>
+            <a:endParaRPr lang="en-US" altLang="ja-JP"/>
+          </a:p>
+          <a:p>
+            <a:r>
+              <a:rPr lang="ja-JP" altLang="en-US"/>
+              <a:t>リアルタイム</a:t>
+            </a:r>
+            <a:r>
+              <a:rPr lang="en-US" altLang="ja-JP"/>
+              <a:t>OS</a:t>
+            </a:r>
+            <a:r>
+              <a:rPr lang="ja-JP" altLang="en-US"/>
+              <a:t>では無い環境での排他制御は可能か？</a:t>
+            </a:r>
+            <a:endParaRPr lang="en-US" altLang="ja-JP"/>
+          </a:p>
+          <a:p>
+            <a:r>
+              <a:rPr kumimoji="1" lang="ja-JP" altLang="en-US" smtClean="0"/>
+              <a:t>他の組込み機器に対して実装を行なってみたい</a:t>
+            </a:r>
             <a:endParaRPr kumimoji="1" lang="ja-JP" altLang="en-US"/>
           </a:p>
         </p:txBody>
@@ -7830,11 +9062,7 @@
             </a:r>
             <a:r>
               <a:rPr kumimoji="1" lang="en-US" altLang="ja-JP" dirty="0" smtClean="0"/>
-              <a:t>(1/6</a:t>
-            </a:r>
-            <a:r>
-              <a:rPr kumimoji="1" lang="en-US" altLang="ja-JP" dirty="0" smtClean="0"/>
-              <a:t>)</a:t>
+              <a:t>(1/6)</a:t>
             </a:r>
             <a:endParaRPr kumimoji="1" lang="ja-JP" altLang="en-US" dirty="0"/>
           </a:p>
@@ -7925,11 +9153,7 @@
             </a:r>
             <a:r>
               <a:rPr kumimoji="1" lang="en-US" altLang="ja-JP" dirty="0" smtClean="0"/>
-              <a:t>(2/6</a:t>
-            </a:r>
-            <a:r>
-              <a:rPr kumimoji="1" lang="en-US" altLang="ja-JP" dirty="0" smtClean="0"/>
-              <a:t>)</a:t>
+              <a:t>(2/6)</a:t>
             </a:r>
             <a:endParaRPr kumimoji="1" lang="ja-JP" altLang="en-US" dirty="0"/>
           </a:p>
@@ -8488,8 +9712,8 @@
           <a:p>
             <a:pPr algn="ctr"/>
             <a:r>
-              <a:rPr lang="ja-JP" altLang="en-US" sz="2800" dirty="0" smtClean="0"/>
-              <a:t>教育コストの増加</a:t>
+              <a:rPr lang="ja-JP" altLang="en-US" sz="2800" smtClean="0"/>
+              <a:t>技術に差</a:t>
             </a:r>
             <a:endParaRPr kumimoji="1" lang="ja-JP" altLang="en-US" sz="2800" dirty="0"/>
           </a:p>
@@ -8858,8 +10082,32 @@
             </a:r>
             <a:r>
               <a:rPr kumimoji="1" lang="ja-JP" altLang="en-US" dirty="0" smtClean="0"/>
-              <a:t>モデルカタログとは？</a:t>
-            </a:r>
+              <a:t>モデルカタログと</a:t>
+            </a:r>
+            <a:r>
+              <a:rPr kumimoji="1" lang="ja-JP" altLang="en-US" smtClean="0"/>
+              <a:t>は</a:t>
+            </a:r>
+            <a:r>
+              <a:rPr kumimoji="1" lang="ja-JP" altLang="en-US" smtClean="0"/>
+              <a:t>？</a:t>
+            </a:r>
+            <a:endParaRPr lang="en-US" altLang="ja-JP" smtClean="0"/>
+          </a:p>
+          <a:p>
+            <a:pPr lvl="1"/>
+            <a:r>
+              <a:rPr kumimoji="1" lang="en-US" altLang="ja-JP" smtClean="0"/>
+              <a:t>UMTP Japan</a:t>
+            </a:r>
+            <a:r>
+              <a:rPr kumimoji="1" lang="ja-JP" altLang="en-US" smtClean="0"/>
+              <a:t>が作成した、組込みシステムにおける良いモデルをカタログ化したもの</a:t>
+            </a:r>
+            <a:endParaRPr kumimoji="1" lang="en-US" altLang="ja-JP" smtClean="0"/>
+          </a:p>
+          <a:p>
+            <a:pPr lvl="1"/>
             <a:endParaRPr kumimoji="1" lang="en-US" altLang="ja-JP" dirty="0" smtClean="0"/>
           </a:p>
           <a:p>
@@ -8881,16 +10129,16 @@
             </a:r>
             <a:r>
               <a:rPr lang="ja-JP" altLang="ja-JP" dirty="0"/>
-              <a:t>モデリング推進協議会</a:t>
-            </a:r>
-            <a:r>
-              <a:rPr kumimoji="1" lang="ja-JP" altLang="en-US" dirty="0" smtClean="0"/>
-              <a:t>）</a:t>
-            </a:r>
-            <a:endParaRPr kumimoji="1" lang="en-US" altLang="ja-JP" dirty="0" smtClean="0"/>
-          </a:p>
-          <a:p>
-            <a:pPr lvl="1"/>
+              <a:t>モデリング推進協</a:t>
+            </a:r>
+            <a:r>
+              <a:rPr lang="ja-JP" altLang="ja-JP"/>
+              <a:t>議会</a:t>
+            </a:r>
+            <a:r>
+              <a:rPr kumimoji="1" lang="ja-JP" altLang="en-US" smtClean="0"/>
+              <a:t>）とは？</a:t>
+            </a:r>
             <a:endParaRPr kumimoji="1" lang="en-US" altLang="ja-JP" dirty="0" smtClean="0"/>
           </a:p>
           <a:p>
@@ -8933,10 +10181,6 @@
               <a:rPr lang="ja-JP" altLang="en-US" dirty="0"/>
               <a:t>を前提とするモデリング技術の体系化と普及活動</a:t>
             </a:r>
-            <a:r>
-              <a:rPr lang="ja-JP" altLang="en-US" dirty="0"/>
-              <a:t/>
-            </a:r>
             <a:br>
               <a:rPr lang="ja-JP" altLang="en-US" dirty="0"/>
             </a:br>
@@ -8952,10 +10196,6 @@
               <a:rPr lang="ja-JP" altLang="en-US" dirty="0"/>
               <a:t>モデリング技術者の技能認定</a:t>
             </a:r>
-            <a:r>
-              <a:rPr lang="ja-JP" altLang="en-US" dirty="0"/>
-              <a:t/>
-            </a:r>
             <a:br>
               <a:rPr lang="ja-JP" altLang="en-US" dirty="0"/>
             </a:br>
@@ -8970,10 +10210,6 @@
             <a:r>
               <a:rPr lang="ja-JP" altLang="en-US" dirty="0"/>
               <a:t>各分野のベストプラクティス・モデル共有支援</a:t>
-            </a:r>
-            <a:r>
-              <a:rPr lang="ja-JP" altLang="en-US" dirty="0"/>
-              <a:t/>
             </a:r>
             <a:br>
               <a:rPr lang="ja-JP" altLang="en-US" dirty="0"/>
